--- a/Cornell Birdcall.pptx
+++ b/Cornell Birdcall.pptx
@@ -5,7 +5,7 @@
     <p:sldMasterId id="2147483648" r:id="rId1"/>
   </p:sldMasterIdLst>
   <p:notesMasterIdLst>
-    <p:notesMasterId r:id="rId38"/>
+    <p:notesMasterId r:id="rId41"/>
   </p:notesMasterIdLst>
   <p:sldIdLst>
     <p:sldId id="256" r:id="rId2"/>
@@ -25,25 +25,28 @@
     <p:sldId id="288" r:id="rId16"/>
     <p:sldId id="299" r:id="rId17"/>
     <p:sldId id="289" r:id="rId18"/>
-    <p:sldId id="291" r:id="rId19"/>
-    <p:sldId id="276" r:id="rId20"/>
-    <p:sldId id="277" r:id="rId21"/>
-    <p:sldId id="292" r:id="rId22"/>
-    <p:sldId id="295" r:id="rId23"/>
-    <p:sldId id="297" r:id="rId24"/>
-    <p:sldId id="273" r:id="rId25"/>
-    <p:sldId id="269" r:id="rId26"/>
-    <p:sldId id="274" r:id="rId27"/>
-    <p:sldId id="270" r:id="rId28"/>
-    <p:sldId id="267" r:id="rId29"/>
-    <p:sldId id="261" r:id="rId30"/>
-    <p:sldId id="262" r:id="rId31"/>
-    <p:sldId id="281" r:id="rId32"/>
-    <p:sldId id="282" r:id="rId33"/>
-    <p:sldId id="283" r:id="rId34"/>
-    <p:sldId id="284" r:id="rId35"/>
-    <p:sldId id="293" r:id="rId36"/>
-    <p:sldId id="296" r:id="rId37"/>
+    <p:sldId id="301" r:id="rId19"/>
+    <p:sldId id="273" r:id="rId20"/>
+    <p:sldId id="269" r:id="rId21"/>
+    <p:sldId id="274" r:id="rId22"/>
+    <p:sldId id="291" r:id="rId23"/>
+    <p:sldId id="276" r:id="rId24"/>
+    <p:sldId id="277" r:id="rId25"/>
+    <p:sldId id="297" r:id="rId26"/>
+    <p:sldId id="295" r:id="rId27"/>
+    <p:sldId id="267" r:id="rId28"/>
+    <p:sldId id="261" r:id="rId29"/>
+    <p:sldId id="262" r:id="rId30"/>
+    <p:sldId id="281" r:id="rId31"/>
+    <p:sldId id="282" r:id="rId32"/>
+    <p:sldId id="283" r:id="rId33"/>
+    <p:sldId id="284" r:id="rId34"/>
+    <p:sldId id="293" r:id="rId35"/>
+    <p:sldId id="296" r:id="rId36"/>
+    <p:sldId id="302" r:id="rId37"/>
+    <p:sldId id="292" r:id="rId38"/>
+    <p:sldId id="303" r:id="rId39"/>
+    <p:sldId id="304" r:id="rId40"/>
   </p:sldIdLst>
   <p:sldSz cx="9144000" cy="6858000" type="screen4x3"/>
   <p:notesSz cx="6858000" cy="9144000"/>
@@ -228,7 +231,7 @@
             <a:fld id="{421CC641-8F34-44FE-BC52-D2A41CDC33DB}" type="datetimeFigureOut">
               <a:rPr lang="en-CA" smtClean="0"/>
               <a:pPr/>
-              <a:t>2020-09-30</a:t>
+              <a:t>2020-10-01</a:t>
             </a:fld>
             <a:endParaRPr lang="en-CA"/>
           </a:p>
@@ -676,7 +679,7 @@
             <a:fld id="{744083A6-9BBE-4040-A4E4-0B3E1884492B}" type="datetime1">
               <a:rPr lang="en-CA" smtClean="0"/>
               <a:pPr/>
-              <a:t>2020-09-30</a:t>
+              <a:t>2020-10-01</a:t>
             </a:fld>
             <a:endParaRPr lang="en-CA"/>
           </a:p>
@@ -843,7 +846,7 @@
             <a:fld id="{B70EBDA7-F6A3-46C0-B0FC-1204CFE1EB57}" type="datetime1">
               <a:rPr lang="en-CA" smtClean="0"/>
               <a:pPr/>
-              <a:t>2020-09-30</a:t>
+              <a:t>2020-10-01</a:t>
             </a:fld>
             <a:endParaRPr lang="en-CA"/>
           </a:p>
@@ -1020,7 +1023,7 @@
             <a:fld id="{94C0A9CD-3F3D-4B55-9B9A-9370379DF982}" type="datetime1">
               <a:rPr lang="en-CA" smtClean="0"/>
               <a:pPr/>
-              <a:t>2020-09-30</a:t>
+              <a:t>2020-10-01</a:t>
             </a:fld>
             <a:endParaRPr lang="en-CA"/>
           </a:p>
@@ -1174,7 +1177,7 @@
             <a:fld id="{26EA9F71-A278-40EF-9756-E99517E0B265}" type="datetime1">
               <a:rPr lang="en-CA" smtClean="0"/>
               <a:pPr/>
-              <a:t>2020-09-30</a:t>
+              <a:t>2020-10-01</a:t>
             </a:fld>
             <a:endParaRPr lang="en-CA"/>
           </a:p>
@@ -1427,7 +1430,7 @@
             <a:fld id="{359E1614-9A19-4DDA-BA35-793CF907341F}" type="datetime1">
               <a:rPr lang="en-CA" smtClean="0"/>
               <a:pPr/>
-              <a:t>2020-09-30</a:t>
+              <a:t>2020-10-01</a:t>
             </a:fld>
             <a:endParaRPr lang="en-CA"/>
           </a:p>
@@ -1712,7 +1715,7 @@
             <a:fld id="{BB8ADF94-05E8-4539-A152-BCDBAD64FF9C}" type="datetime1">
               <a:rPr lang="en-CA" smtClean="0"/>
               <a:pPr/>
-              <a:t>2020-09-30</a:t>
+              <a:t>2020-10-01</a:t>
             </a:fld>
             <a:endParaRPr lang="en-CA"/>
           </a:p>
@@ -2131,7 +2134,7 @@
             <a:fld id="{240A6DB1-56CC-4858-95E1-549E24C04F10}" type="datetime1">
               <a:rPr lang="en-CA" smtClean="0"/>
               <a:pPr/>
-              <a:t>2020-09-30</a:t>
+              <a:t>2020-10-01</a:t>
             </a:fld>
             <a:endParaRPr lang="en-CA"/>
           </a:p>
@@ -2246,7 +2249,7 @@
             <a:fld id="{8233EC84-1A1F-4301-896D-B3F127664B2D}" type="datetime1">
               <a:rPr lang="en-CA" smtClean="0"/>
               <a:pPr/>
-              <a:t>2020-09-30</a:t>
+              <a:t>2020-10-01</a:t>
             </a:fld>
             <a:endParaRPr lang="en-CA"/>
           </a:p>
@@ -2338,7 +2341,7 @@
             <a:fld id="{2095ABB7-6DD3-49CE-9ACC-36EC519F4F4E}" type="datetime1">
               <a:rPr lang="en-CA" smtClean="0"/>
               <a:pPr/>
-              <a:t>2020-09-30</a:t>
+              <a:t>2020-10-01</a:t>
             </a:fld>
             <a:endParaRPr lang="en-CA"/>
           </a:p>
@@ -2612,7 +2615,7 @@
             <a:fld id="{FFA181E0-F65D-42FC-8272-9CDD13A4398B}" type="datetime1">
               <a:rPr lang="en-CA" smtClean="0"/>
               <a:pPr/>
-              <a:t>2020-09-30</a:t>
+              <a:t>2020-10-01</a:t>
             </a:fld>
             <a:endParaRPr lang="en-CA"/>
           </a:p>
@@ -2862,7 +2865,7 @@
             <a:fld id="{E294BCE5-37BF-4FE6-B235-888A821BC24B}" type="datetime1">
               <a:rPr lang="en-CA" smtClean="0"/>
               <a:pPr/>
-              <a:t>2020-09-30</a:t>
+              <a:t>2020-10-01</a:t>
             </a:fld>
             <a:endParaRPr lang="en-CA"/>
           </a:p>
@@ -3072,7 +3075,7 @@
             <a:fld id="{A269F2E7-5211-4527-B389-0194086D2CEC}" type="datetime1">
               <a:rPr lang="en-CA" smtClean="0"/>
               <a:pPr/>
-              <a:t>2020-09-30</a:t>
+              <a:t>2020-10-01</a:t>
             </a:fld>
             <a:endParaRPr lang="en-CA"/>
           </a:p>
@@ -3531,11 +3534,7 @@
           <a:p>
             <a:r>
               <a:rPr lang="en-CA" dirty="0" smtClean="0"/>
-              <a:t>October 1, </a:t>
-            </a:r>
-            <a:r>
-              <a:rPr lang="en-CA" dirty="0" smtClean="0"/>
-              <a:t>2020</a:t>
+              <a:t>October 1, 2020</a:t>
             </a:r>
           </a:p>
           <a:p>
@@ -3661,11 +3660,7 @@
             <a:pPr algn="ctr"/>
             <a:r>
               <a:rPr lang="en-CA" sz="3200" dirty="0" smtClean="0"/>
-              <a:t>Representations </a:t>
-            </a:r>
-            <a:r>
-              <a:rPr lang="en-CA" sz="3200" dirty="0" smtClean="0"/>
-              <a:t>of Audio</a:t>
+              <a:t>Representations of Audio</a:t>
             </a:r>
             <a:endParaRPr lang="en-CA" sz="3200" dirty="0"/>
           </a:p>
@@ -3878,22 +3873,14 @@
             <a:pPr algn="ctr"/>
             <a:r>
               <a:rPr lang="en-CA" sz="3200" dirty="0" smtClean="0"/>
-              <a:t>Log MEL </a:t>
-            </a:r>
+              <a:t>Log MEL Spectrograms:</a:t>
+            </a:r>
+          </a:p>
+          <a:p>
+            <a:pPr algn="ctr"/>
             <a:r>
               <a:rPr lang="en-CA" sz="3200" dirty="0" smtClean="0"/>
-              <a:t>Spectrograms:</a:t>
-            </a:r>
-          </a:p>
-          <a:p>
-            <a:pPr algn="ctr"/>
-            <a:r>
-              <a:rPr lang="en-CA" sz="3200" dirty="0" smtClean="0"/>
-              <a:t>2D </a:t>
-            </a:r>
-            <a:r>
-              <a:rPr lang="en-CA" sz="3200" dirty="0" smtClean="0"/>
-              <a:t>Representation of Audio</a:t>
+              <a:t>2D Representation of Audio</a:t>
             </a:r>
             <a:endParaRPr lang="en-CA" sz="3200" dirty="0"/>
           </a:p>
@@ -3964,15 +3951,7 @@
           <a:p>
             <a:r>
               <a:rPr lang="en-CA" dirty="0" smtClean="0"/>
-              <a:t>Bin width in Hz depends on the frequency, e.g. </a:t>
-            </a:r>
-            <a:r>
-              <a:rPr lang="en-CA" dirty="0" smtClean="0"/>
-              <a:t>t</a:t>
-            </a:r>
-            <a:r>
-              <a:rPr lang="en-CA" dirty="0" smtClean="0"/>
-              <a:t>he distance between 500 and 1000 Hz is similar to that between 5000 and 10000Hz (approximately logarithmic)</a:t>
+              <a:t>Bin width in Hz depends on the frequency, e.g. the distance between 500 and 1000 Hz is similar to that between 5000 and 10000Hz (approximately logarithmic)</a:t>
             </a:r>
           </a:p>
           <a:p>
@@ -4086,15 +4065,7 @@
             <a:pPr algn="ctr"/>
             <a:r>
               <a:rPr lang="en-CA" sz="3200" dirty="0" smtClean="0"/>
-              <a:t>Using Log </a:t>
-            </a:r>
-            <a:r>
-              <a:rPr lang="en-CA" sz="3200" dirty="0" smtClean="0"/>
-              <a:t>MEL </a:t>
-            </a:r>
-            <a:r>
-              <a:rPr lang="en-CA" sz="3200" dirty="0" smtClean="0"/>
-              <a:t>Spectrograms as images for prediction</a:t>
+              <a:t>Using Log MEL Spectrograms as images for prediction</a:t>
             </a:r>
             <a:endParaRPr lang="en-CA" sz="3200" dirty="0"/>
           </a:p>
@@ -4125,7 +4096,11 @@
             <a:pPr algn="just"/>
             <a:r>
               <a:rPr lang="en-CA" sz="2600" dirty="0" smtClean="0"/>
-              <a:t>Main idea: use </a:t>
+              <a:t>Basic </a:t>
+            </a:r>
+            <a:r>
+              <a:rPr lang="en-CA" sz="2600" dirty="0" smtClean="0"/>
+              <a:t>idea: use </a:t>
             </a:r>
             <a:r>
               <a:rPr lang="en-CA" sz="2600" dirty="0" smtClean="0">
@@ -4919,11 +4894,7 @@
           <a:p>
             <a:r>
               <a:rPr lang="en-CA" sz="1200" dirty="0" smtClean="0"/>
-              <a:t>Image </a:t>
-            </a:r>
-            <a:r>
-              <a:rPr lang="en-CA" sz="1200" dirty="0" smtClean="0"/>
-              <a:t>from </a:t>
+              <a:t>Image from </a:t>
             </a:r>
             <a:r>
               <a:rPr lang="en-CA" sz="1200" dirty="0" smtClean="0">
@@ -5157,15 +5128,27 @@
           <a:p>
             <a:r>
               <a:rPr lang="en-CA" dirty="0" smtClean="0"/>
-              <a:t>Architecture determined by Neural </a:t>
+              <a:t>Architecture determined by Neural Architecture Search with the goal of </a:t>
             </a:r>
             <a:r>
               <a:rPr lang="en-CA" dirty="0" smtClean="0"/>
-              <a:t>A</a:t>
+              <a:t>maximizing </a:t>
             </a:r>
             <a:r>
               <a:rPr lang="en-CA" dirty="0" smtClean="0"/>
-              <a:t>rchitecture Search with the goal of minimizing the size. Comes in different sizes: B0 (5.3M parameters) - B7 (66M parameters)</a:t>
+              <a:t>the </a:t>
+            </a:r>
+            <a:r>
+              <a:rPr lang="en-CA" dirty="0" smtClean="0"/>
+              <a:t>efficiency</a:t>
+            </a:r>
+            <a:r>
+              <a:rPr lang="en-CA" dirty="0" smtClean="0"/>
+              <a:t>. </a:t>
+            </a:r>
+            <a:r>
+              <a:rPr lang="en-CA" dirty="0" smtClean="0"/>
+              <a:t>Comes in different sizes: B0 (5.3M parameters) - B7 (66M parameters)</a:t>
             </a:r>
           </a:p>
           <a:p>
@@ -5276,7 +5259,7 @@
               <a:pPr/>
               <a:t>18</a:t>
             </a:fld>
-            <a:endParaRPr lang="en-CA"/>
+            <a:endParaRPr lang="en-CA" dirty="0"/>
           </a:p>
         </p:txBody>
       </p:sp>
@@ -5288,8 +5271,8 @@
         </p:nvSpPr>
         <p:spPr>
           <a:xfrm>
-            <a:off x="395536" y="2060848"/>
-            <a:ext cx="8424936" cy="3631763"/>
+            <a:off x="1907704" y="1916832"/>
+            <a:ext cx="5328592" cy="646331"/>
           </a:xfrm>
           <a:prstGeom prst="rect">
             <a:avLst/>
@@ -5304,55 +5287,87 @@
           <a:p>
             <a:pPr algn="ctr"/>
             <a:r>
-              <a:rPr lang="en-CA" sz="3600" dirty="0" smtClean="0"/>
-              <a:t>Data </a:t>
-            </a:r>
-            <a:r>
-              <a:rPr lang="en-CA" sz="3600" dirty="0" smtClean="0"/>
-              <a:t>Augmentation</a:t>
-            </a:r>
-          </a:p>
-          <a:p>
-            <a:pPr algn="ctr"/>
-            <a:endParaRPr lang="en-CA" sz="1200" dirty="0" smtClean="0"/>
-          </a:p>
-          <a:p>
-            <a:pPr marL="457200" indent="-457200" algn="just">
-              <a:buFont typeface="Arial" pitchFamily="34" charset="0"/>
-              <a:buChar char="•"/>
-            </a:pPr>
-            <a:r>
-              <a:rPr lang="en-CA" sz="2600" dirty="0" smtClean="0"/>
-              <a:t>Used to increase the amount of training data by slightly changing the existing data (e.g. rotations, flips, dilations, cropping, adding noise, etc in case of images) or generating synthetic data (</a:t>
-            </a:r>
-            <a:r>
-              <a:rPr lang="en-CA" sz="2600" dirty="0" smtClean="0">
+              <a:rPr lang="en-CA" sz="3600" dirty="0" smtClean="0">
                 <a:hlinkClick r:id="rId2"/>
               </a:rPr>
-              <a:t>GANs</a:t>
-            </a:r>
-            <a:r>
-              <a:rPr lang="en-CA" sz="2600" dirty="0" smtClean="0"/>
-              <a:t>)</a:t>
-            </a:r>
-          </a:p>
-          <a:p>
-            <a:pPr marL="457200" indent="-457200" algn="just"/>
-            <a:endParaRPr lang="en-CA" sz="2600" dirty="0" smtClean="0"/>
-          </a:p>
-          <a:p>
-            <a:pPr marL="457200" indent="-457200" algn="just">
-              <a:buFont typeface="Arial" pitchFamily="34" charset="0"/>
-              <a:buChar char="•"/>
-            </a:pPr>
-            <a:r>
-              <a:rPr lang="en-CA" sz="2600" dirty="0" smtClean="0"/>
-              <a:t>Only works if new data stays within the same distribution and corresponds to the same label</a:t>
-            </a:r>
-            <a:endParaRPr lang="en-CA" sz="2600" dirty="0"/>
-          </a:p>
-        </p:txBody>
-      </p:sp>
+              <a:t>EfficientNet</a:t>
+            </a:r>
+            <a:r>
+              <a:rPr lang="en-CA" sz="3600" dirty="0" smtClean="0"/>
+              <a:t> (Google, 2019)</a:t>
+            </a:r>
+            <a:endParaRPr lang="en-CA" sz="3600" dirty="0"/>
+          </a:p>
+        </p:txBody>
+      </p:sp>
+      <p:sp>
+        <p:nvSpPr>
+          <p:cNvPr id="6" name="TextBox 5"/>
+          <p:cNvSpPr txBox="1"/>
+          <p:nvPr/>
+        </p:nvSpPr>
+        <p:spPr>
+          <a:xfrm>
+            <a:off x="323528" y="6453336"/>
+            <a:ext cx="5798510" cy="276999"/>
+          </a:xfrm>
+          <a:prstGeom prst="rect">
+            <a:avLst/>
+          </a:prstGeom>
+          <a:noFill/>
+        </p:spPr>
+        <p:txBody>
+          <a:bodyPr wrap="none" rtlCol="0">
+            <a:spAutoFit/>
+          </a:bodyPr>
+          <a:lstStyle/>
+          <a:p>
+            <a:r>
+              <a:rPr lang="en-CA" sz="1200" dirty="0" smtClean="0"/>
+              <a:t>Image from </a:t>
+            </a:r>
+            <a:r>
+              <a:rPr lang="en-CA" sz="1200" dirty="0" smtClean="0">
+                <a:hlinkClick r:id="rId3"/>
+              </a:rPr>
+              <a:t>https://ai.googleblog.com/2019/05/efficientnet-improving-accuracy-and.html</a:t>
+            </a:r>
+            <a:endParaRPr lang="en-CA" sz="1200" dirty="0"/>
+          </a:p>
+        </p:txBody>
+      </p:sp>
+      <p:pic>
+        <p:nvPicPr>
+          <p:cNvPr id="2051" name="Picture 3"/>
+          <p:cNvPicPr>
+            <a:picLocks noChangeAspect="1" noChangeArrowheads="1"/>
+          </p:cNvPicPr>
+          <p:nvPr/>
+        </p:nvPicPr>
+        <p:blipFill>
+          <a:blip r:embed="rId4" cstate="print"/>
+          <a:srcRect/>
+          <a:stretch>
+            <a:fillRect/>
+          </a:stretch>
+        </p:blipFill>
+        <p:spPr bwMode="auto">
+          <a:xfrm>
+            <a:off x="2123728" y="2564904"/>
+            <a:ext cx="4896544" cy="3797469"/>
+          </a:xfrm>
+          <a:prstGeom prst="rect">
+            <a:avLst/>
+          </a:prstGeom>
+          <a:noFill/>
+          <a:ln w="9525">
+            <a:noFill/>
+            <a:miter lim="800000"/>
+            <a:headEnd/>
+            <a:tailEnd/>
+          </a:ln>
+        </p:spPr>
+      </p:pic>
     </p:spTree>
   </p:cSld>
   <p:clrMapOvr>
@@ -5417,8 +5432,8 @@
         </p:nvSpPr>
         <p:spPr>
           <a:xfrm>
-            <a:off x="323528" y="1916832"/>
-            <a:ext cx="8496944" cy="2308324"/>
+            <a:off x="1979712" y="2060848"/>
+            <a:ext cx="5328592" cy="1200329"/>
           </a:xfrm>
           <a:prstGeom prst="rect">
             <a:avLst/>
@@ -5433,110 +5448,36 @@
           <a:p>
             <a:pPr algn="ctr"/>
             <a:r>
-              <a:rPr lang="en-CA" sz="3600" dirty="0" err="1" smtClean="0"/>
-              <a:t>Mixup</a:t>
-            </a:r>
-            <a:r>
               <a:rPr lang="en-CA" sz="3600" dirty="0" smtClean="0"/>
-              <a:t>: A Simple Way to Augment Data </a:t>
-            </a:r>
-            <a:endParaRPr lang="en-CA" sz="3600" dirty="0" smtClean="0"/>
-          </a:p>
-          <a:p>
-            <a:pPr algn="ctr"/>
-            <a:endParaRPr lang="en-CA" sz="1200" dirty="0"/>
-          </a:p>
-          <a:p>
-            <a:pPr algn="just"/>
-            <a:r>
-              <a:rPr lang="en-CA" sz="2400" dirty="0" smtClean="0"/>
-              <a:t>From 2017 paper “</a:t>
-            </a:r>
-            <a:r>
-              <a:rPr lang="en-CA" sz="2400" b="1" dirty="0" err="1"/>
-              <a:t>mixup</a:t>
-            </a:r>
-            <a:r>
-              <a:rPr lang="en-CA" sz="2400" b="1" dirty="0"/>
-              <a:t>: Beyond Empirical Risk </a:t>
-            </a:r>
-            <a:r>
-              <a:rPr lang="en-CA" sz="2400" b="1" dirty="0" smtClean="0"/>
-              <a:t>Minimization</a:t>
-            </a:r>
-            <a:r>
-              <a:rPr lang="en-CA" sz="2400" dirty="0" smtClean="0"/>
-              <a:t>” by </a:t>
-            </a:r>
-            <a:r>
-              <a:rPr lang="en-CA" sz="2400" dirty="0" err="1" smtClean="0"/>
-              <a:t>Hongyi</a:t>
-            </a:r>
-            <a:r>
-              <a:rPr lang="en-CA" sz="2400" dirty="0" smtClean="0"/>
-              <a:t> Zhang et al, MIT and Facebook AI Research: </a:t>
-            </a:r>
-            <a:r>
-              <a:rPr lang="en-CA" sz="2400" dirty="0" smtClean="0">
-                <a:hlinkClick r:id="rId2"/>
-              </a:rPr>
-              <a:t>https://arxiv.org/abs/1710.09412</a:t>
-            </a:r>
-            <a:endParaRPr lang="en-CA" sz="2400" dirty="0" smtClean="0"/>
-          </a:p>
-          <a:p>
-            <a:pPr algn="ctr"/>
-            <a:endParaRPr lang="en-CA" sz="2400" dirty="0"/>
-          </a:p>
-        </p:txBody>
-      </p:sp>
-      <p:pic>
-        <p:nvPicPr>
-          <p:cNvPr id="6146" name="Picture 2"/>
-          <p:cNvPicPr>
-            <a:picLocks noChangeAspect="1" noChangeArrowheads="1"/>
-          </p:cNvPicPr>
+              <a:t>Common Audio </a:t>
+            </a:r>
+            <a:r>
+              <a:rPr lang="en-CA" sz="3600" dirty="0"/>
+              <a:t>D</a:t>
+            </a:r>
+            <a:r>
+              <a:rPr lang="en-CA" sz="3600" dirty="0" smtClean="0"/>
+              <a:t>omain ML Tasks</a:t>
+            </a:r>
+            <a:endParaRPr lang="en-CA" sz="3600" dirty="0"/>
+          </a:p>
+        </p:txBody>
+      </p:sp>
+      <p:sp>
+        <p:nvSpPr>
+          <p:cNvPr id="5" name="TextBox 4"/>
+          <p:cNvSpPr txBox="1"/>
           <p:nvPr/>
-        </p:nvPicPr>
-        <p:blipFill>
-          <a:blip r:embed="rId3" cstate="print"/>
-          <a:srcRect/>
-          <a:stretch>
-            <a:fillRect/>
-          </a:stretch>
-        </p:blipFill>
-        <p:spPr bwMode="auto">
-          <a:xfrm>
-            <a:off x="467544" y="4077072"/>
-            <a:ext cx="8262087" cy="1584176"/>
+        </p:nvSpPr>
+        <p:spPr>
+          <a:xfrm>
+            <a:off x="971600" y="3501008"/>
+            <a:ext cx="7344816" cy="2492990"/>
           </a:xfrm>
           <a:prstGeom prst="rect">
             <a:avLst/>
           </a:prstGeom>
           <a:noFill/>
-          <a:ln w="9525">
-            <a:noFill/>
-            <a:miter lim="800000"/>
-            <a:headEnd/>
-            <a:tailEnd/>
-          </a:ln>
-        </p:spPr>
-      </p:pic>
-      <p:sp>
-        <p:nvSpPr>
-          <p:cNvPr id="5" name="TextBox 4"/>
-          <p:cNvSpPr txBox="1"/>
-          <p:nvPr/>
-        </p:nvSpPr>
-        <p:spPr>
-          <a:xfrm>
-            <a:off x="323528" y="5805264"/>
-            <a:ext cx="8568952" cy="769441"/>
-          </a:xfrm>
-          <a:prstGeom prst="rect">
-            <a:avLst/>
-          </a:prstGeom>
-          <a:noFill/>
         </p:spPr>
         <p:txBody>
           <a:bodyPr wrap="square" rtlCol="0">
@@ -5544,16 +5485,85 @@
           </a:bodyPr>
           <a:lstStyle/>
           <a:p>
-            <a:pPr algn="just"/>
-            <a:r>
-              <a:rPr lang="en-CA" sz="2200" dirty="0" err="1" smtClean="0"/>
-              <a:t>Mixup</a:t>
-            </a:r>
-            <a:r>
-              <a:rPr lang="en-CA" sz="2200" dirty="0" smtClean="0"/>
-              <a:t> encourages the model to behave linearly between training examples, promoting smoothness and reducing undesirable oscillations. </a:t>
-            </a:r>
-            <a:endParaRPr lang="en-CA" sz="2200" dirty="0"/>
+            <a:pPr>
+              <a:buFont typeface="Arial" pitchFamily="34" charset="0"/>
+              <a:buChar char="•"/>
+            </a:pPr>
+            <a:r>
+              <a:rPr lang="en-CA" sz="2600" dirty="0" smtClean="0"/>
+              <a:t> Audio tagging</a:t>
+            </a:r>
+          </a:p>
+          <a:p>
+            <a:pPr>
+              <a:buFont typeface="Arial" pitchFamily="34" charset="0"/>
+              <a:buChar char="•"/>
+            </a:pPr>
+            <a:r>
+              <a:rPr lang="en-CA" sz="2600" dirty="0"/>
+              <a:t> </a:t>
+            </a:r>
+            <a:r>
+              <a:rPr lang="en-CA" sz="2600" dirty="0" smtClean="0"/>
+              <a:t>Acoustic scene classification</a:t>
+            </a:r>
+          </a:p>
+          <a:p>
+            <a:pPr>
+              <a:buFont typeface="Arial" pitchFamily="34" charset="0"/>
+              <a:buChar char="•"/>
+            </a:pPr>
+            <a:r>
+              <a:rPr lang="en-CA" sz="2600" dirty="0" smtClean="0"/>
+              <a:t> Music classification</a:t>
+            </a:r>
+          </a:p>
+          <a:p>
+            <a:pPr>
+              <a:buFont typeface="Arial" pitchFamily="34" charset="0"/>
+              <a:buChar char="•"/>
+            </a:pPr>
+            <a:r>
+              <a:rPr lang="en-CA" sz="2600" dirty="0"/>
+              <a:t> </a:t>
+            </a:r>
+            <a:r>
+              <a:rPr lang="en-CA" sz="2600" dirty="0" smtClean="0"/>
+              <a:t>Speech emotion classification</a:t>
+            </a:r>
+          </a:p>
+          <a:p>
+            <a:pPr>
+              <a:buFont typeface="Arial" pitchFamily="34" charset="0"/>
+              <a:buChar char="•"/>
+            </a:pPr>
+            <a:r>
+              <a:rPr lang="en-CA" sz="2600" dirty="0"/>
+              <a:t> </a:t>
+            </a:r>
+            <a:r>
+              <a:rPr lang="en-CA" sz="2600" b="1" dirty="0" smtClean="0"/>
+              <a:t>Sound event </a:t>
+            </a:r>
+            <a:r>
+              <a:rPr lang="en-CA" sz="2600" b="1" dirty="0" smtClean="0"/>
+              <a:t>detection</a:t>
+            </a:r>
+          </a:p>
+          <a:p>
+            <a:pPr>
+              <a:buFont typeface="Arial" pitchFamily="34" charset="0"/>
+              <a:buChar char="•"/>
+            </a:pPr>
+            <a:r>
+              <a:rPr lang="en-CA" sz="2600" dirty="0" smtClean="0"/>
+              <a:t> </a:t>
+            </a:r>
+            <a:r>
+              <a:rPr lang="en-CA" sz="2600" dirty="0" smtClean="0"/>
+              <a:t>Etc</a:t>
+            </a:r>
+            <a:endParaRPr lang="en-CA" sz="2600" dirty="0"/>
           </a:p>
         </p:txBody>
       </p:sp>
@@ -5611,11 +5621,7 @@
           <a:p>
             <a:r>
               <a:rPr lang="en-CA" dirty="0" smtClean="0"/>
-              <a:t>Part 1. Competition Rules and Data </a:t>
-            </a:r>
-            <a:r>
-              <a:rPr lang="en-CA" dirty="0" smtClean="0"/>
-              <a:t>Overview</a:t>
+              <a:t>Part 1. Competition Rules and Data Overview</a:t>
             </a:r>
             <a:endParaRPr lang="en-CA" dirty="0"/>
           </a:p>
@@ -5709,8 +5715,8 @@
         </p:nvSpPr>
         <p:spPr>
           <a:xfrm>
-            <a:off x="323528" y="1844824"/>
-            <a:ext cx="8496944" cy="646331"/>
+            <a:off x="251520" y="1916832"/>
+            <a:ext cx="8712968" cy="4524315"/>
           </a:xfrm>
           <a:prstGeom prst="rect">
             <a:avLst/>
@@ -5726,188 +5732,155 @@
             <a:pPr algn="ctr"/>
             <a:r>
               <a:rPr lang="en-CA" sz="3600" dirty="0" err="1" smtClean="0"/>
-              <a:t>Mixup</a:t>
+              <a:t>Pretrained</a:t>
+            </a:r>
+            <a:r>
+              <a:rPr lang="en-CA" sz="3600" dirty="0" smtClean="0"/>
+              <a:t> Neural Networks for Audio Tasks </a:t>
+            </a:r>
+          </a:p>
+          <a:p>
+            <a:pPr algn="ctr"/>
+            <a:endParaRPr lang="en-CA" sz="1200" dirty="0" smtClean="0"/>
+          </a:p>
+          <a:p>
+            <a:pPr algn="just"/>
+            <a:r>
+              <a:rPr lang="en-CA" sz="2400" dirty="0" smtClean="0"/>
+              <a:t>2019 paper “</a:t>
+            </a:r>
+            <a:r>
+              <a:rPr lang="en-CA" sz="2400" b="1" dirty="0"/>
+              <a:t>PANNs: Large-Scale </a:t>
+            </a:r>
+            <a:r>
+              <a:rPr lang="en-CA" sz="2400" b="1" dirty="0" err="1"/>
+              <a:t>Pretrained</a:t>
+            </a:r>
+            <a:r>
+              <a:rPr lang="en-CA" sz="2400" b="1" dirty="0"/>
+              <a:t> Audio Neural Networks for Audio Pattern </a:t>
+            </a:r>
+            <a:r>
+              <a:rPr lang="en-CA" sz="2400" b="1" dirty="0" smtClean="0"/>
+              <a:t>Recognition</a:t>
+            </a:r>
+            <a:r>
+              <a:rPr lang="en-CA" sz="2400" dirty="0" smtClean="0"/>
+              <a:t>” by </a:t>
+            </a:r>
+            <a:r>
+              <a:rPr lang="en-CA" sz="2400" dirty="0"/>
+              <a:t>Qiuqiang </a:t>
+            </a:r>
+            <a:r>
+              <a:rPr lang="en-CA" sz="2400" dirty="0" smtClean="0"/>
+              <a:t>Kong et al, University of Surrey, UK and </a:t>
+            </a:r>
+            <a:r>
+              <a:rPr lang="en-CA" sz="2400" dirty="0" err="1" smtClean="0"/>
+              <a:t>ByteDance</a:t>
+            </a:r>
+            <a:r>
+              <a:rPr lang="en-CA" sz="2400" dirty="0" smtClean="0"/>
+              <a:t> AI Lab: </a:t>
+            </a:r>
+            <a:r>
+              <a:rPr lang="en-CA" sz="2400" dirty="0" smtClean="0">
+                <a:hlinkClick r:id="rId2"/>
+              </a:rPr>
+              <a:t>https://arxiv.org/abs/1912.10211</a:t>
+            </a:r>
+            <a:endParaRPr lang="en-CA" sz="2400" dirty="0" smtClean="0"/>
+          </a:p>
+          <a:p>
+            <a:pPr algn="just"/>
+            <a:endParaRPr lang="en-CA" sz="1200" dirty="0" smtClean="0"/>
+          </a:p>
+          <a:p>
+            <a:pPr algn="just"/>
+            <a:r>
+              <a:rPr lang="en-CA" sz="2400" dirty="0" smtClean="0"/>
+              <a:t>Code &amp; </a:t>
+            </a:r>
+            <a:r>
+              <a:rPr lang="en-CA" sz="2400" dirty="0" err="1" smtClean="0"/>
+              <a:t>pretrained</a:t>
+            </a:r>
+            <a:r>
+              <a:rPr lang="en-CA" sz="2400" dirty="0" smtClean="0"/>
+              <a:t> models: </a:t>
+            </a:r>
+          </a:p>
+          <a:p>
+            <a:pPr algn="just"/>
+            <a:r>
+              <a:rPr lang="en-CA" sz="2400" dirty="0" smtClean="0">
+                <a:hlinkClick r:id="rId3"/>
+              </a:rPr>
+              <a:t>https://github.com/qiuqiangkong/audioset_tagging_cnn</a:t>
+            </a:r>
+            <a:endParaRPr lang="en-CA" sz="2400" dirty="0" smtClean="0"/>
+          </a:p>
+          <a:p>
+            <a:pPr algn="just"/>
+            <a:r>
+              <a:rPr lang="en-CA" sz="2400" dirty="0" smtClean="0">
+                <a:hlinkClick r:id="rId4"/>
+              </a:rPr>
+              <a:t>https://zenodo.org/record/3987831</a:t>
+            </a:r>
+            <a:endParaRPr lang="en-CA" sz="2400" dirty="0" smtClean="0"/>
+          </a:p>
+          <a:p>
+            <a:pPr algn="ctr"/>
+            <a:endParaRPr lang="en-CA" sz="1200" dirty="0" smtClean="0"/>
+          </a:p>
+          <a:p>
+            <a:pPr algn="just"/>
+            <a:r>
+              <a:rPr lang="en-CA" sz="2400" dirty="0" smtClean="0"/>
+              <a:t>Based on </a:t>
+            </a:r>
+            <a:r>
+              <a:rPr lang="en-CA" sz="2400" dirty="0" err="1" smtClean="0"/>
+              <a:t>AudioSet</a:t>
+            </a:r>
+            <a:r>
+              <a:rPr lang="en-CA" sz="2400" dirty="0" smtClean="0"/>
+              <a:t> dataset (</a:t>
+            </a:r>
+            <a:r>
+              <a:rPr lang="en-CA" sz="2400" dirty="0" smtClean="0">
+                <a:hlinkClick r:id="rId5"/>
+              </a:rPr>
+              <a:t>https://research.google.com/audioset</a:t>
+            </a:r>
+            <a:r>
+              <a:rPr lang="en-CA" sz="2400" dirty="0"/>
+              <a:t>)</a:t>
+            </a:r>
+            <a:r>
+              <a:rPr lang="en-CA" sz="2400" dirty="0" smtClean="0"/>
+              <a:t> a </a:t>
+            </a:r>
+            <a:r>
+              <a:rPr lang="en-CA" sz="2400" dirty="0"/>
+              <a:t>collection of </a:t>
+            </a:r>
+            <a:r>
+              <a:rPr lang="en-CA" sz="2400" dirty="0" smtClean="0"/>
+              <a:t>about 2 million </a:t>
+            </a:r>
+            <a:r>
+              <a:rPr lang="en-CA" sz="2400" dirty="0"/>
+              <a:t>human-labeled 10-second sound clips drawn from YouTube </a:t>
+            </a:r>
+            <a:r>
+              <a:rPr lang="en-CA" sz="2400" dirty="0" smtClean="0"/>
+              <a:t>videos with 632 classes</a:t>
             </a:r>
             <a:endParaRPr lang="en-CA" sz="2400" dirty="0"/>
-          </a:p>
-        </p:txBody>
-      </p:sp>
-      <p:pic>
-        <p:nvPicPr>
-          <p:cNvPr id="7170" name="Picture 2"/>
-          <p:cNvPicPr>
-            <a:picLocks noChangeAspect="1" noChangeArrowheads="1"/>
-          </p:cNvPicPr>
-          <p:nvPr/>
-        </p:nvPicPr>
-        <p:blipFill>
-          <a:blip r:embed="rId2" cstate="print"/>
-          <a:srcRect/>
-          <a:stretch>
-            <a:fillRect/>
-          </a:stretch>
-        </p:blipFill>
-        <p:spPr bwMode="auto">
-          <a:xfrm>
-            <a:off x="1331640" y="2780928"/>
-            <a:ext cx="2304256" cy="2304256"/>
-          </a:xfrm>
-          <a:prstGeom prst="rect">
-            <a:avLst/>
-          </a:prstGeom>
-          <a:noFill/>
-          <a:ln w="9525">
-            <a:noFill/>
-            <a:miter lim="800000"/>
-            <a:headEnd/>
-            <a:tailEnd/>
-          </a:ln>
-        </p:spPr>
-      </p:pic>
-      <p:sp>
-        <p:nvSpPr>
-          <p:cNvPr id="7" name="TextBox 6"/>
-          <p:cNvSpPr txBox="1"/>
-          <p:nvPr/>
-        </p:nvSpPr>
-        <p:spPr>
-          <a:xfrm>
-            <a:off x="1187624" y="5301208"/>
-            <a:ext cx="2564613" cy="1169551"/>
-          </a:xfrm>
-          <a:prstGeom prst="rect">
-            <a:avLst/>
-          </a:prstGeom>
-          <a:noFill/>
-        </p:spPr>
-        <p:txBody>
-          <a:bodyPr wrap="none" rtlCol="0">
-            <a:spAutoFit/>
-          </a:bodyPr>
-          <a:lstStyle/>
-          <a:p>
-            <a:pPr algn="ctr"/>
-            <a:r>
-              <a:rPr lang="en-CA" sz="2600" dirty="0" smtClean="0"/>
-              <a:t>Example:</a:t>
-            </a:r>
-          </a:p>
-          <a:p>
-            <a:r>
-              <a:rPr lang="en-CA" sz="2600" dirty="0" smtClean="0"/>
-              <a:t>70% dog, 30% cat</a:t>
-            </a:r>
-          </a:p>
-          <a:p>
-            <a:endParaRPr lang="en-CA" dirty="0"/>
-          </a:p>
-        </p:txBody>
-      </p:sp>
-      <p:pic>
-        <p:nvPicPr>
-          <p:cNvPr id="7171" name="Picture 3"/>
-          <p:cNvPicPr>
-            <a:picLocks noChangeAspect="1" noChangeArrowheads="1"/>
-          </p:cNvPicPr>
-          <p:nvPr/>
-        </p:nvPicPr>
-        <p:blipFill>
-          <a:blip r:embed="rId3" cstate="print"/>
-          <a:srcRect/>
-          <a:stretch>
-            <a:fillRect/>
-          </a:stretch>
-        </p:blipFill>
-        <p:spPr bwMode="auto">
-          <a:xfrm>
-            <a:off x="4860032" y="2636912"/>
-            <a:ext cx="3724275" cy="2447925"/>
-          </a:xfrm>
-          <a:prstGeom prst="rect">
-            <a:avLst/>
-          </a:prstGeom>
-          <a:noFill/>
-          <a:ln w="9525">
-            <a:noFill/>
-            <a:miter lim="800000"/>
-            <a:headEnd/>
-            <a:tailEnd/>
-          </a:ln>
-        </p:spPr>
-      </p:pic>
-      <p:sp>
-        <p:nvSpPr>
-          <p:cNvPr id="9" name="TextBox 8"/>
-          <p:cNvSpPr txBox="1"/>
-          <p:nvPr/>
-        </p:nvSpPr>
-        <p:spPr>
-          <a:xfrm>
-            <a:off x="4283968" y="5301208"/>
-            <a:ext cx="4680520" cy="892552"/>
-          </a:xfrm>
-          <a:prstGeom prst="rect">
-            <a:avLst/>
-          </a:prstGeom>
-          <a:noFill/>
-        </p:spPr>
-        <p:txBody>
-          <a:bodyPr wrap="square" rtlCol="0">
-            <a:spAutoFit/>
-          </a:bodyPr>
-          <a:lstStyle/>
-          <a:p>
-            <a:pPr algn="ctr"/>
-            <a:r>
-              <a:rPr lang="en-CA" sz="2600" dirty="0" smtClean="0"/>
-              <a:t>Beta distribution</a:t>
-            </a:r>
-          </a:p>
-          <a:p>
-            <a:pPr algn="ctr"/>
-            <a:r>
-              <a:rPr lang="en-CA" sz="2600" dirty="0" smtClean="0"/>
-              <a:t>Often used for picking  </a:t>
-            </a:r>
-            <a:r>
-              <a:rPr lang="el-GR" sz="2600" dirty="0" smtClean="0"/>
-              <a:t>λ</a:t>
-            </a:r>
-            <a:r>
-              <a:rPr lang="en-CA" sz="2600" dirty="0" smtClean="0"/>
-              <a:t>  values</a:t>
-            </a:r>
-            <a:endParaRPr lang="en-CA" sz="2600" dirty="0"/>
-          </a:p>
-        </p:txBody>
-      </p:sp>
-      <p:sp>
-        <p:nvSpPr>
-          <p:cNvPr id="10" name="TextBox 9"/>
-          <p:cNvSpPr txBox="1"/>
-          <p:nvPr/>
-        </p:nvSpPr>
-        <p:spPr>
-          <a:xfrm>
-            <a:off x="1979712" y="6381328"/>
-            <a:ext cx="5472608" cy="338554"/>
-          </a:xfrm>
-          <a:prstGeom prst="rect">
-            <a:avLst/>
-          </a:prstGeom>
-          <a:noFill/>
-        </p:spPr>
-        <p:txBody>
-          <a:bodyPr wrap="square" rtlCol="0">
-            <a:spAutoFit/>
-          </a:bodyPr>
-          <a:lstStyle/>
-          <a:p>
-            <a:r>
-              <a:rPr lang="en-CA" sz="1600" dirty="0" smtClean="0"/>
-              <a:t>From https://forums.fast.ai/t/mixup-data-augmentation/22764</a:t>
-            </a:r>
-            <a:endParaRPr lang="en-CA" sz="1600" dirty="0"/>
           </a:p>
         </p:txBody>
       </p:sp>
@@ -5969,14 +5942,14 @@
       </p:sp>
       <p:sp>
         <p:nvSpPr>
-          <p:cNvPr id="5" name="TextBox 4"/>
+          <p:cNvPr id="4" name="TextBox 3"/>
           <p:cNvSpPr txBox="1"/>
           <p:nvPr/>
         </p:nvSpPr>
         <p:spPr>
           <a:xfrm>
-            <a:off x="323528" y="1916832"/>
-            <a:ext cx="8496944" cy="6001643"/>
+            <a:off x="755576" y="1916832"/>
+            <a:ext cx="7992888" cy="2800767"/>
           </a:xfrm>
           <a:prstGeom prst="rect">
             <a:avLst/>
@@ -5992,147 +5965,77 @@
             <a:pPr algn="ctr"/>
             <a:r>
               <a:rPr lang="en-CA" sz="3600" dirty="0" smtClean="0"/>
-              <a:t>Noisy </a:t>
-            </a:r>
-            <a:r>
-              <a:rPr lang="en-CA" sz="3600" dirty="0" smtClean="0"/>
-              <a:t>Student</a:t>
-            </a:r>
-            <a:endParaRPr lang="en-CA" sz="3600" dirty="0" smtClean="0"/>
+              <a:t>Sound Event Detection (SED) Framework</a:t>
+            </a:r>
           </a:p>
           <a:p>
             <a:pPr algn="ctr"/>
-            <a:endParaRPr lang="en-CA" sz="1200" dirty="0"/>
+            <a:endParaRPr lang="en-CA" sz="2000" dirty="0"/>
           </a:p>
           <a:p>
             <a:pPr algn="just"/>
             <a:r>
               <a:rPr lang="en-CA" sz="2400" dirty="0" smtClean="0"/>
-              <a:t>From 2019 paper “</a:t>
-            </a:r>
-            <a:r>
-              <a:rPr lang="en-CA" sz="2400" b="1" dirty="0"/>
-              <a:t>Self-training with Noisy Student improves ImageNet </a:t>
+              <a:t>Competition notebook and kernel by </a:t>
+            </a:r>
+            <a:r>
+              <a:rPr lang="en-CA" sz="2400" b="1" dirty="0" err="1" smtClean="0"/>
+              <a:t>Hidehisa</a:t>
             </a:r>
             <a:r>
               <a:rPr lang="en-CA" sz="2400" b="1" dirty="0" smtClean="0"/>
-              <a:t>classification</a:t>
-            </a:r>
+              <a:t> Arai</a:t>
+            </a:r>
+          </a:p>
+          <a:p>
+            <a:pPr algn="just"/>
             <a:r>
               <a:rPr lang="en-CA" sz="2400" dirty="0" smtClean="0"/>
-              <a:t>” by </a:t>
-            </a:r>
-            <a:r>
-              <a:rPr lang="en-CA" sz="2400" dirty="0" err="1" smtClean="0"/>
-              <a:t>Qizhe</a:t>
-            </a:r>
-            <a:r>
-              <a:rPr lang="en-CA" sz="2400" dirty="0" smtClean="0"/>
-              <a:t> </a:t>
-            </a:r>
-            <a:r>
-              <a:rPr lang="en-CA" sz="2400" dirty="0" err="1" smtClean="0"/>
-              <a:t>Xie</a:t>
-            </a:r>
-            <a:r>
-              <a:rPr lang="en-CA" sz="2400" dirty="0" smtClean="0"/>
-              <a:t> et al, Google Research and CMU: </a:t>
-            </a:r>
+              <a:t>that was used by many of the winners:</a:t>
+            </a:r>
+          </a:p>
+          <a:p>
+            <a:pPr algn="just"/>
+            <a:endParaRPr lang="en-CA" sz="2400" dirty="0" smtClean="0"/>
+          </a:p>
+          <a:p>
+            <a:pPr algn="just"/>
             <a:r>
               <a:rPr lang="en-CA" sz="2400" dirty="0" smtClean="0">
                 <a:hlinkClick r:id="rId2"/>
               </a:rPr>
-              <a:t>https://</a:t>
-            </a:r>
-            <a:r>
-              <a:rPr lang="en-CA" sz="2400" dirty="0" smtClean="0">
-                <a:hlinkClick r:id="rId2"/>
-              </a:rPr>
-              <a:t>arxiv.org/abs/1911.04252</a:t>
-            </a:r>
-            <a:endParaRPr lang="en-CA" sz="2400" dirty="0" smtClean="0"/>
-          </a:p>
+              <a:t>https://www.kaggle.com/hidehisaarai1213/introduction-to-sound-event-detection</a:t>
+            </a:r>
+            <a:endParaRPr lang="en-CA" sz="2400" dirty="0"/>
+          </a:p>
+        </p:txBody>
+      </p:sp>
+      <p:sp>
+        <p:nvSpPr>
+          <p:cNvPr id="5" name="Rectangle 4"/>
+          <p:cNvSpPr/>
+          <p:nvPr/>
+        </p:nvSpPr>
+        <p:spPr>
+          <a:xfrm>
+            <a:off x="755576" y="5013176"/>
+            <a:ext cx="7560840" cy="1200329"/>
+          </a:xfrm>
+          <a:prstGeom prst="rect">
+            <a:avLst/>
+          </a:prstGeom>
+        </p:spPr>
+        <p:txBody>
+          <a:bodyPr wrap="square">
+            <a:spAutoFit/>
+          </a:bodyPr>
+          <a:lstStyle/>
           <a:p>
             <a:pPr algn="just"/>
-            <a:endParaRPr lang="en-CA" sz="1200" dirty="0" smtClean="0"/>
-          </a:p>
-          <a:p>
-            <a:pPr algn="just">
-              <a:buFont typeface="Arial" pitchFamily="34" charset="0"/>
-              <a:buChar char="•"/>
-            </a:pPr>
             <a:r>
               <a:rPr lang="en-CA" sz="2400" dirty="0" smtClean="0"/>
-              <a:t> A semi-supervised learning approach</a:t>
-            </a:r>
-          </a:p>
-          <a:p>
-            <a:pPr algn="just">
-              <a:buFont typeface="Arial" pitchFamily="34" charset="0"/>
-              <a:buChar char="•"/>
-            </a:pPr>
-            <a:r>
-              <a:rPr lang="en-CA" sz="2400" dirty="0" smtClean="0"/>
-              <a:t> </a:t>
-            </a:r>
-            <a:r>
-              <a:rPr lang="en-CA" sz="2400" dirty="0" smtClean="0"/>
-              <a:t>First, a smaller teacher network is trained on labeled data</a:t>
-            </a:r>
-          </a:p>
-          <a:p>
-            <a:pPr algn="just">
-              <a:buFont typeface="Arial" pitchFamily="34" charset="0"/>
-              <a:buChar char="•"/>
-            </a:pPr>
-            <a:r>
-              <a:rPr lang="en-CA" sz="2400" dirty="0" smtClean="0"/>
-              <a:t> </a:t>
-            </a:r>
-            <a:r>
-              <a:rPr lang="en-CA" sz="2400" dirty="0" smtClean="0"/>
-              <a:t>Then, the trained teacher network is used to label new data</a:t>
-            </a:r>
-          </a:p>
-          <a:p>
-            <a:pPr algn="just">
-              <a:buFont typeface="Arial" pitchFamily="34" charset="0"/>
-              <a:buChar char="•"/>
-            </a:pPr>
-            <a:r>
-              <a:rPr lang="en-CA" sz="2400" dirty="0" smtClean="0"/>
-              <a:t> </a:t>
-            </a:r>
-            <a:r>
-              <a:rPr lang="en-CA" sz="2400" dirty="0" smtClean="0"/>
-              <a:t>Finally, a larger student network is trained on all data, with noise added (dropout, stochastic depth, random augmentations) to promote better generalization</a:t>
-            </a:r>
-          </a:p>
-          <a:p>
-            <a:pPr algn="just">
-              <a:buFont typeface="Arial" pitchFamily="34" charset="0"/>
-              <a:buChar char="•"/>
-            </a:pPr>
-            <a:r>
-              <a:rPr lang="en-CA" sz="2400" dirty="0" smtClean="0"/>
-              <a:t> </a:t>
-            </a:r>
-            <a:r>
-              <a:rPr lang="en-CA" sz="2400" dirty="0" smtClean="0"/>
-              <a:t>Possibly make the student a new teacher and repeat</a:t>
-            </a:r>
-          </a:p>
-          <a:p>
-            <a:pPr algn="just"/>
-            <a:endParaRPr lang="en-CA" sz="2400" dirty="0" smtClean="0"/>
-          </a:p>
-          <a:p>
-            <a:pPr algn="just"/>
-            <a:endParaRPr lang="en-CA" sz="2400" dirty="0" smtClean="0"/>
-          </a:p>
-          <a:p>
-            <a:pPr algn="ctr"/>
-            <a:endParaRPr lang="en-CA" sz="2400" dirty="0"/>
+              <a:t>The framework is used to detect different sound events within each clip, with prediction of start time, end time, and the type of event</a:t>
+            </a:r>
           </a:p>
         </p:txBody>
       </p:sp>
@@ -6200,8 +6103,8 @@
         </p:nvSpPr>
         <p:spPr>
           <a:xfrm>
-            <a:off x="1979712" y="2060848"/>
-            <a:ext cx="5328592" cy="646331"/>
+            <a:off x="395536" y="2060848"/>
+            <a:ext cx="8424936" cy="3631763"/>
           </a:xfrm>
           <a:prstGeom prst="rect">
             <a:avLst/>
@@ -6217,62 +6120,47 @@
             <a:pPr algn="ctr"/>
             <a:r>
               <a:rPr lang="en-CA" sz="3600" dirty="0" smtClean="0"/>
-              <a:t>Ensembling</a:t>
-            </a:r>
-            <a:endParaRPr lang="en-CA" sz="3600" dirty="0"/>
-          </a:p>
-        </p:txBody>
-      </p:sp>
-      <p:sp>
-        <p:nvSpPr>
-          <p:cNvPr id="5" name="Content Placeholder 1"/>
-          <p:cNvSpPr>
-            <a:spLocks noGrp="1"/>
-          </p:cNvSpPr>
-          <p:nvPr>
-            <p:ph idx="1"/>
-          </p:nvPr>
-        </p:nvSpPr>
-        <p:spPr>
-          <a:xfrm>
-            <a:off x="539552" y="2852936"/>
-            <a:ext cx="8229600" cy="3394472"/>
-          </a:xfrm>
-        </p:spPr>
-        <p:txBody>
-          <a:bodyPr>
-            <a:normAutofit/>
-          </a:bodyPr>
-          <a:lstStyle/>
-          <a:p>
-            <a:pPr algn="just"/>
-            <a:r>
-              <a:rPr lang="en-CA" sz="2200" dirty="0" smtClean="0"/>
-              <a:t>A very popular technique in which the predictions of several diverse machine learning models are combined to improve upon the accuracy of each model</a:t>
-            </a:r>
-          </a:p>
-          <a:p>
-            <a:pPr algn="just"/>
+              <a:t>Data Augmentation</a:t>
+            </a:r>
+          </a:p>
+          <a:p>
+            <a:pPr algn="ctr"/>
             <a:endParaRPr lang="en-CA" sz="1200" dirty="0" smtClean="0"/>
           </a:p>
           <a:p>
-            <a:pPr algn="just"/>
-            <a:r>
-              <a:rPr lang="en-CA" sz="2200" dirty="0" smtClean="0"/>
-              <a:t>In many cases leads to a several percent increase in accuracy of predictions</a:t>
-            </a:r>
-          </a:p>
-          <a:p>
-            <a:pPr algn="just"/>
-            <a:endParaRPr lang="en-CA" sz="2200" dirty="0" smtClean="0"/>
-          </a:p>
-          <a:p>
-            <a:pPr algn="just"/>
-            <a:r>
-              <a:rPr lang="en-CA" sz="2200" dirty="0" smtClean="0"/>
-              <a:t>The more different the models are, the better</a:t>
-            </a:r>
-            <a:endParaRPr lang="en-CA" sz="2200" dirty="0"/>
+            <a:pPr marL="457200" indent="-457200" algn="just">
+              <a:buFont typeface="Arial" pitchFamily="34" charset="0"/>
+              <a:buChar char="•"/>
+            </a:pPr>
+            <a:r>
+              <a:rPr lang="en-CA" sz="2600" dirty="0" smtClean="0"/>
+              <a:t>Used to increase the amount of training data by slightly changing the existing data (e.g. rotations, flips, dilations, cropping, adding noise, etc in case of images) or generating synthetic data (</a:t>
+            </a:r>
+            <a:r>
+              <a:rPr lang="en-CA" sz="2600" dirty="0" smtClean="0">
+                <a:hlinkClick r:id="rId2"/>
+              </a:rPr>
+              <a:t>GANs</a:t>
+            </a:r>
+            <a:r>
+              <a:rPr lang="en-CA" sz="2600" dirty="0" smtClean="0"/>
+              <a:t>)</a:t>
+            </a:r>
+          </a:p>
+          <a:p>
+            <a:pPr marL="457200" indent="-457200" algn="just"/>
+            <a:endParaRPr lang="en-CA" sz="2600" dirty="0" smtClean="0"/>
+          </a:p>
+          <a:p>
+            <a:pPr marL="457200" indent="-457200" algn="just">
+              <a:buFont typeface="Arial" pitchFamily="34" charset="0"/>
+              <a:buChar char="•"/>
+            </a:pPr>
+            <a:r>
+              <a:rPr lang="en-CA" sz="2600" dirty="0" smtClean="0"/>
+              <a:t>Only works if new data stays within the same distribution and corresponds to the same label</a:t>
+            </a:r>
+            <a:endParaRPr lang="en-CA" sz="2600" dirty="0"/>
           </a:p>
         </p:txBody>
       </p:sp>
@@ -6340,8 +6228,8 @@
         </p:nvSpPr>
         <p:spPr>
           <a:xfrm>
-            <a:off x="1979712" y="2060848"/>
-            <a:ext cx="5328592" cy="646331"/>
+            <a:off x="323528" y="1916832"/>
+            <a:ext cx="8496944" cy="2308324"/>
           </a:xfrm>
           <a:prstGeom prst="rect">
             <a:avLst/>
@@ -6356,91 +6244,124 @@
           <a:p>
             <a:pPr algn="ctr"/>
             <a:r>
+              <a:rPr lang="en-CA" sz="3600" dirty="0" err="1" smtClean="0"/>
+              <a:t>Mixup</a:t>
+            </a:r>
+            <a:r>
               <a:rPr lang="en-CA" sz="3600" dirty="0" smtClean="0"/>
-              <a:t>Ensembling</a:t>
-            </a:r>
-            <a:endParaRPr lang="en-CA" sz="3600" dirty="0"/>
-          </a:p>
-        </p:txBody>
-      </p:sp>
-      <p:sp>
-        <p:nvSpPr>
-          <p:cNvPr id="7" name="Content Placeholder 1"/>
-          <p:cNvSpPr>
-            <a:spLocks noGrp="1"/>
-          </p:cNvSpPr>
-          <p:nvPr>
-            <p:ph idx="1"/>
-          </p:nvPr>
+              <a:t>: A Simple Way to Augment Data </a:t>
+            </a:r>
+          </a:p>
+          <a:p>
+            <a:pPr algn="ctr"/>
+            <a:endParaRPr lang="en-CA" sz="1200" dirty="0"/>
+          </a:p>
+          <a:p>
+            <a:pPr algn="just"/>
+            <a:r>
+              <a:rPr lang="en-CA" sz="2400" dirty="0" smtClean="0"/>
+              <a:t>From 2017 paper “</a:t>
+            </a:r>
+            <a:r>
+              <a:rPr lang="en-CA" sz="2400" b="1" dirty="0" err="1"/>
+              <a:t>mixup</a:t>
+            </a:r>
+            <a:r>
+              <a:rPr lang="en-CA" sz="2400" b="1" dirty="0"/>
+              <a:t>: Beyond Empirical Risk </a:t>
+            </a:r>
+            <a:r>
+              <a:rPr lang="en-CA" sz="2400" b="1" dirty="0" smtClean="0"/>
+              <a:t>Minimization</a:t>
+            </a:r>
+            <a:r>
+              <a:rPr lang="en-CA" sz="2400" dirty="0" smtClean="0"/>
+              <a:t>” by </a:t>
+            </a:r>
+            <a:r>
+              <a:rPr lang="en-CA" sz="2400" dirty="0" err="1" smtClean="0"/>
+              <a:t>Hongyi</a:t>
+            </a:r>
+            <a:r>
+              <a:rPr lang="en-CA" sz="2400" dirty="0" smtClean="0"/>
+              <a:t> Zhang et al, MIT and Facebook AI Research: </a:t>
+            </a:r>
+            <a:r>
+              <a:rPr lang="en-CA" sz="2400" dirty="0" smtClean="0">
+                <a:hlinkClick r:id="rId2"/>
+              </a:rPr>
+              <a:t>https://arxiv.org/abs/1710.09412</a:t>
+            </a:r>
+            <a:endParaRPr lang="en-CA" sz="2400" dirty="0" smtClean="0"/>
+          </a:p>
+          <a:p>
+            <a:pPr algn="ctr"/>
+            <a:endParaRPr lang="en-CA" sz="2400" dirty="0"/>
+          </a:p>
+        </p:txBody>
+      </p:sp>
+      <p:pic>
+        <p:nvPicPr>
+          <p:cNvPr id="6146" name="Picture 2"/>
+          <p:cNvPicPr>
+            <a:picLocks noChangeAspect="1" noChangeArrowheads="1"/>
+          </p:cNvPicPr>
+          <p:nvPr/>
+        </p:nvPicPr>
+        <p:blipFill>
+          <a:blip r:embed="rId3" cstate="print"/>
+          <a:srcRect/>
+          <a:stretch>
+            <a:fillRect/>
+          </a:stretch>
+        </p:blipFill>
+        <p:spPr bwMode="auto">
+          <a:xfrm>
+            <a:off x="467544" y="4077072"/>
+            <a:ext cx="8262087" cy="1584176"/>
+          </a:xfrm>
+          <a:prstGeom prst="rect">
+            <a:avLst/>
+          </a:prstGeom>
+          <a:noFill/>
+          <a:ln w="9525">
+            <a:noFill/>
+            <a:miter lim="800000"/>
+            <a:headEnd/>
+            <a:tailEnd/>
+          </a:ln>
+        </p:spPr>
+      </p:pic>
+      <p:sp>
+        <p:nvSpPr>
+          <p:cNvPr id="5" name="TextBox 4"/>
+          <p:cNvSpPr txBox="1"/>
+          <p:nvPr/>
         </p:nvSpPr>
         <p:spPr>
           <a:xfrm>
-            <a:off x="539552" y="2996952"/>
-            <a:ext cx="8229600" cy="3394472"/>
-          </a:xfrm>
-        </p:spPr>
-        <p:txBody>
-          <a:bodyPr>
-            <a:normAutofit/>
+            <a:off x="323528" y="5805264"/>
+            <a:ext cx="8568952" cy="769441"/>
+          </a:xfrm>
+          <a:prstGeom prst="rect">
+            <a:avLst/>
+          </a:prstGeom>
+          <a:noFill/>
+        </p:spPr>
+        <p:txBody>
+          <a:bodyPr wrap="square" rtlCol="0">
+            <a:spAutoFit/>
           </a:bodyPr>
           <a:lstStyle/>
           <a:p>
-            <a:r>
-              <a:rPr lang="en-CA" sz="2400" dirty="0" smtClean="0"/>
-              <a:t>Have 3 </a:t>
-            </a:r>
-            <a:r>
-              <a:rPr lang="en-CA" sz="2400" u="sng" dirty="0" smtClean="0"/>
-              <a:t>independent</a:t>
-            </a:r>
-            <a:r>
-              <a:rPr lang="en-CA" sz="2400" dirty="0" smtClean="0"/>
-              <a:t> classifiers, each 70% accurate</a:t>
-            </a:r>
-          </a:p>
-          <a:p>
-            <a:endParaRPr lang="en-CA" sz="1800" dirty="0" smtClean="0"/>
-          </a:p>
-          <a:p>
+            <a:pPr algn="just"/>
+            <a:r>
+              <a:rPr lang="en-CA" sz="2200" dirty="0" err="1" smtClean="0"/>
+              <a:t>Mixup</a:t>
+            </a:r>
             <a:r>
               <a:rPr lang="en-CA" sz="2200" dirty="0" smtClean="0"/>
-              <a:t>Combine their predictions by majority rule</a:t>
-            </a:r>
-          </a:p>
-          <a:p>
-            <a:endParaRPr lang="en-CA" sz="800" dirty="0" smtClean="0"/>
-          </a:p>
-          <a:p>
-            <a:pPr>
-              <a:buNone/>
-            </a:pPr>
-            <a:r>
-              <a:rPr lang="en-CA" sz="2200" dirty="0" smtClean="0"/>
-              <a:t>70% * 70% * 70% = 34.3% all three correct</a:t>
-            </a:r>
-          </a:p>
-          <a:p>
-            <a:pPr>
-              <a:buNone/>
-            </a:pPr>
-            <a:r>
-              <a:rPr lang="en-CA" sz="2200" dirty="0" smtClean="0"/>
-              <a:t>3 * 70% * 70% * 30% = 44.1% two correct</a:t>
-            </a:r>
-          </a:p>
-          <a:p>
-            <a:pPr>
-              <a:buNone/>
-            </a:pPr>
-            <a:endParaRPr lang="en-CA" dirty="0" smtClean="0"/>
-          </a:p>
-          <a:p>
-            <a:pPr>
-              <a:buNone/>
-            </a:pPr>
-            <a:r>
-              <a:rPr lang="en-CA" sz="2200" dirty="0" smtClean="0"/>
-              <a:t>Ensemble accuracy: 34.3% + 44.1% = 78.4%! </a:t>
+              <a:t> encourages the model to behave linearly between training examples, promoting smoothness and reducing undesirable oscillations. </a:t>
             </a:r>
             <a:endParaRPr lang="en-CA" sz="2200" dirty="0"/>
           </a:p>
@@ -6510,8 +6431,8 @@
         </p:nvSpPr>
         <p:spPr>
           <a:xfrm>
-            <a:off x="1979712" y="2060848"/>
-            <a:ext cx="5328592" cy="1200329"/>
+            <a:off x="323528" y="1844824"/>
+            <a:ext cx="8496944" cy="646331"/>
           </a:xfrm>
           <a:prstGeom prst="rect">
             <a:avLst/>
@@ -6526,36 +6447,131 @@
           <a:p>
             <a:pPr algn="ctr"/>
             <a:r>
-              <a:rPr lang="en-CA" sz="3600" dirty="0" smtClean="0"/>
-              <a:t>Common Audio </a:t>
-            </a:r>
-            <a:r>
-              <a:rPr lang="en-CA" sz="3600" dirty="0"/>
-              <a:t>D</a:t>
-            </a:r>
-            <a:r>
-              <a:rPr lang="en-CA" sz="3600" dirty="0" smtClean="0"/>
-              <a:t>omain ML Tasks</a:t>
-            </a:r>
-            <a:endParaRPr lang="en-CA" sz="3600" dirty="0"/>
-          </a:p>
-        </p:txBody>
-      </p:sp>
-      <p:sp>
-        <p:nvSpPr>
-          <p:cNvPr id="5" name="TextBox 4"/>
-          <p:cNvSpPr txBox="1"/>
+              <a:rPr lang="en-CA" sz="3600" dirty="0" err="1" smtClean="0"/>
+              <a:t>Mixup</a:t>
+            </a:r>
+            <a:endParaRPr lang="en-CA" sz="2400" dirty="0"/>
+          </a:p>
+        </p:txBody>
+      </p:sp>
+      <p:pic>
+        <p:nvPicPr>
+          <p:cNvPr id="7170" name="Picture 2"/>
+          <p:cNvPicPr>
+            <a:picLocks noChangeAspect="1" noChangeArrowheads="1"/>
+          </p:cNvPicPr>
           <p:nvPr/>
-        </p:nvSpPr>
-        <p:spPr>
-          <a:xfrm>
-            <a:off x="971600" y="3501008"/>
-            <a:ext cx="7344816" cy="2092881"/>
+        </p:nvPicPr>
+        <p:blipFill>
+          <a:blip r:embed="rId2" cstate="print"/>
+          <a:srcRect/>
+          <a:stretch>
+            <a:fillRect/>
+          </a:stretch>
+        </p:blipFill>
+        <p:spPr bwMode="auto">
+          <a:xfrm>
+            <a:off x="1331640" y="2780928"/>
+            <a:ext cx="2304256" cy="2304256"/>
           </a:xfrm>
           <a:prstGeom prst="rect">
             <a:avLst/>
           </a:prstGeom>
           <a:noFill/>
+          <a:ln w="9525">
+            <a:noFill/>
+            <a:miter lim="800000"/>
+            <a:headEnd/>
+            <a:tailEnd/>
+          </a:ln>
+        </p:spPr>
+      </p:pic>
+      <p:sp>
+        <p:nvSpPr>
+          <p:cNvPr id="7" name="TextBox 6"/>
+          <p:cNvSpPr txBox="1"/>
+          <p:nvPr/>
+        </p:nvSpPr>
+        <p:spPr>
+          <a:xfrm>
+            <a:off x="1187624" y="5301208"/>
+            <a:ext cx="2564613" cy="1169551"/>
+          </a:xfrm>
+          <a:prstGeom prst="rect">
+            <a:avLst/>
+          </a:prstGeom>
+          <a:noFill/>
+        </p:spPr>
+        <p:txBody>
+          <a:bodyPr wrap="none" rtlCol="0">
+            <a:spAutoFit/>
+          </a:bodyPr>
+          <a:lstStyle/>
+          <a:p>
+            <a:pPr algn="ctr"/>
+            <a:r>
+              <a:rPr lang="en-CA" sz="2600" dirty="0" smtClean="0"/>
+              <a:t>Example:</a:t>
+            </a:r>
+          </a:p>
+          <a:p>
+            <a:r>
+              <a:rPr lang="en-CA" sz="2600" dirty="0" smtClean="0"/>
+              <a:t>70% dog, 30% cat</a:t>
+            </a:r>
+          </a:p>
+          <a:p>
+            <a:endParaRPr lang="en-CA" dirty="0"/>
+          </a:p>
+        </p:txBody>
+      </p:sp>
+      <p:pic>
+        <p:nvPicPr>
+          <p:cNvPr id="7171" name="Picture 3"/>
+          <p:cNvPicPr>
+            <a:picLocks noChangeAspect="1" noChangeArrowheads="1"/>
+          </p:cNvPicPr>
+          <p:nvPr/>
+        </p:nvPicPr>
+        <p:blipFill>
+          <a:blip r:embed="rId3" cstate="print"/>
+          <a:srcRect/>
+          <a:stretch>
+            <a:fillRect/>
+          </a:stretch>
+        </p:blipFill>
+        <p:spPr bwMode="auto">
+          <a:xfrm>
+            <a:off x="4860032" y="2636912"/>
+            <a:ext cx="3724275" cy="2447925"/>
+          </a:xfrm>
+          <a:prstGeom prst="rect">
+            <a:avLst/>
+          </a:prstGeom>
+          <a:noFill/>
+          <a:ln w="9525">
+            <a:noFill/>
+            <a:miter lim="800000"/>
+            <a:headEnd/>
+            <a:tailEnd/>
+          </a:ln>
+        </p:spPr>
+      </p:pic>
+      <p:sp>
+        <p:nvSpPr>
+          <p:cNvPr id="9" name="TextBox 8"/>
+          <p:cNvSpPr txBox="1"/>
+          <p:nvPr/>
+        </p:nvSpPr>
+        <p:spPr>
+          <a:xfrm>
+            <a:off x="4283968" y="5301208"/>
+            <a:ext cx="4680520" cy="892552"/>
+          </a:xfrm>
+          <a:prstGeom prst="rect">
+            <a:avLst/>
+          </a:prstGeom>
+          <a:noFill/>
         </p:spPr>
         <p:txBody>
           <a:bodyPr wrap="square" rtlCol="0">
@@ -6563,67 +6579,63 @@
           </a:bodyPr>
           <a:lstStyle/>
           <a:p>
-            <a:pPr>
-              <a:buFont typeface="Arial" pitchFamily="34" charset="0"/>
-              <a:buChar char="•"/>
-            </a:pPr>
+            <a:pPr algn="ctr"/>
             <a:r>
               <a:rPr lang="en-CA" sz="2600" dirty="0" smtClean="0"/>
-              <a:t> Audio tagging</a:t>
-            </a:r>
-          </a:p>
-          <a:p>
-            <a:pPr>
-              <a:buFont typeface="Arial" pitchFamily="34" charset="0"/>
-              <a:buChar char="•"/>
-            </a:pPr>
-            <a:r>
-              <a:rPr lang="en-CA" sz="2600" dirty="0"/>
-              <a:t> </a:t>
-            </a:r>
+              <a:t>Beta distribution</a:t>
+            </a:r>
+          </a:p>
+          <a:p>
+            <a:pPr algn="ctr"/>
             <a:r>
               <a:rPr lang="en-CA" sz="2600" dirty="0" smtClean="0"/>
-              <a:t>Acoustic scene classification</a:t>
-            </a:r>
-          </a:p>
-          <a:p>
-            <a:pPr>
-              <a:buFont typeface="Arial" pitchFamily="34" charset="0"/>
-              <a:buChar char="•"/>
-            </a:pPr>
+              <a:t>Often used for picking  </a:t>
+            </a:r>
+            <a:r>
+              <a:rPr lang="el-GR" sz="2600" dirty="0" smtClean="0"/>
+              <a:t>λ</a:t>
+            </a:r>
             <a:r>
               <a:rPr lang="en-CA" sz="2600" dirty="0" smtClean="0"/>
-              <a:t> Music classification</a:t>
-            </a:r>
-          </a:p>
-          <a:p>
-            <a:pPr>
-              <a:buFont typeface="Arial" pitchFamily="34" charset="0"/>
-              <a:buChar char="•"/>
-            </a:pPr>
-            <a:r>
-              <a:rPr lang="en-CA" sz="2600" dirty="0"/>
-              <a:t> </a:t>
-            </a:r>
-            <a:r>
-              <a:rPr lang="en-CA" sz="2600" dirty="0" smtClean="0"/>
-              <a:t>Speech emotion classification</a:t>
-            </a:r>
-          </a:p>
-          <a:p>
-            <a:pPr>
-              <a:buFont typeface="Arial" pitchFamily="34" charset="0"/>
-              <a:buChar char="•"/>
-            </a:pPr>
-            <a:r>
-              <a:rPr lang="en-CA" sz="2600" dirty="0"/>
-              <a:t> </a:t>
-            </a:r>
-            <a:r>
-              <a:rPr lang="en-CA" sz="2600" dirty="0" smtClean="0"/>
-              <a:t>Sound event detection</a:t>
+              <a:t>  values</a:t>
             </a:r>
             <a:endParaRPr lang="en-CA" sz="2600" dirty="0"/>
+          </a:p>
+        </p:txBody>
+      </p:sp>
+      <p:sp>
+        <p:nvSpPr>
+          <p:cNvPr id="10" name="TextBox 9"/>
+          <p:cNvSpPr txBox="1"/>
+          <p:nvPr/>
+        </p:nvSpPr>
+        <p:spPr>
+          <a:xfrm>
+            <a:off x="1979712" y="6381328"/>
+            <a:ext cx="5472608" cy="338554"/>
+          </a:xfrm>
+          <a:prstGeom prst="rect">
+            <a:avLst/>
+          </a:prstGeom>
+          <a:noFill/>
+        </p:spPr>
+        <p:txBody>
+          <a:bodyPr wrap="square" rtlCol="0">
+            <a:spAutoFit/>
+          </a:bodyPr>
+          <a:lstStyle/>
+          <a:p>
+            <a:r>
+              <a:rPr lang="en-CA" sz="1600" dirty="0" smtClean="0"/>
+              <a:t>From </a:t>
+            </a:r>
+            <a:r>
+              <a:rPr lang="en-CA" sz="1600" dirty="0" smtClean="0">
+                <a:hlinkClick r:id="rId4"/>
+              </a:rPr>
+              <a:t>https://forums.fast.ai/t/mixup-data-augmentation/22764</a:t>
+            </a:r>
+            <a:endParaRPr lang="en-CA" sz="1600" dirty="0"/>
           </a:p>
         </p:txBody>
       </p:sp>
@@ -6691,8 +6703,8 @@
         </p:nvSpPr>
         <p:spPr>
           <a:xfrm>
-            <a:off x="251520" y="1916832"/>
-            <a:ext cx="8712968" cy="4524315"/>
+            <a:off x="1979712" y="2060848"/>
+            <a:ext cx="5328592" cy="646331"/>
           </a:xfrm>
           <a:prstGeom prst="rect">
             <a:avLst/>
@@ -6707,156 +6719,93 @@
           <a:p>
             <a:pPr algn="ctr"/>
             <a:r>
-              <a:rPr lang="en-CA" sz="3600" dirty="0" err="1" smtClean="0"/>
-              <a:t>Pretrained</a:t>
-            </a:r>
-            <a:r>
               <a:rPr lang="en-CA" sz="3600" dirty="0" smtClean="0"/>
-              <a:t> Neural Networks for Audio Tasks </a:t>
-            </a:r>
-          </a:p>
-          <a:p>
-            <a:pPr algn="ctr"/>
-            <a:endParaRPr lang="en-CA" sz="1200" dirty="0" smtClean="0"/>
-          </a:p>
-          <a:p>
-            <a:pPr algn="just"/>
+              <a:t>Ensembling example</a:t>
+            </a:r>
+            <a:endParaRPr lang="en-CA" sz="3600" dirty="0"/>
+          </a:p>
+        </p:txBody>
+      </p:sp>
+      <p:sp>
+        <p:nvSpPr>
+          <p:cNvPr id="7" name="Content Placeholder 1"/>
+          <p:cNvSpPr>
+            <a:spLocks noGrp="1"/>
+          </p:cNvSpPr>
+          <p:nvPr>
+            <p:ph idx="1"/>
+          </p:nvPr>
+        </p:nvSpPr>
+        <p:spPr>
+          <a:xfrm>
+            <a:off x="539552" y="2996952"/>
+            <a:ext cx="8229600" cy="3394472"/>
+          </a:xfrm>
+        </p:spPr>
+        <p:txBody>
+          <a:bodyPr>
+            <a:normAutofit/>
+          </a:bodyPr>
+          <a:lstStyle/>
+          <a:p>
             <a:r>
               <a:rPr lang="en-CA" sz="2400" dirty="0" smtClean="0"/>
-              <a:t>2019 paper “</a:t>
-            </a:r>
-            <a:r>
-              <a:rPr lang="en-CA" sz="2400" b="1" dirty="0"/>
-              <a:t>PANNs: Large-Scale </a:t>
-            </a:r>
-            <a:r>
-              <a:rPr lang="en-CA" sz="2400" b="1" dirty="0" err="1"/>
-              <a:t>Pretrained</a:t>
-            </a:r>
-            <a:r>
-              <a:rPr lang="en-CA" sz="2400" b="1" dirty="0"/>
-              <a:t> Audio Neural Networks for Audio Pattern </a:t>
-            </a:r>
-            <a:r>
-              <a:rPr lang="en-CA" sz="2400" b="1" dirty="0" smtClean="0"/>
-              <a:t>Recognition</a:t>
+              <a:t>Have 3 </a:t>
+            </a:r>
+            <a:r>
+              <a:rPr lang="en-CA" sz="2400" u="sng" dirty="0" smtClean="0"/>
+              <a:t>independent</a:t>
             </a:r>
             <a:r>
               <a:rPr lang="en-CA" sz="2400" dirty="0" smtClean="0"/>
-              <a:t>” by </a:t>
-            </a:r>
-            <a:r>
-              <a:rPr lang="en-CA" sz="2400" dirty="0"/>
-              <a:t>Qiuqiang </a:t>
-            </a:r>
-            <a:r>
-              <a:rPr lang="en-CA" sz="2400" dirty="0" smtClean="0"/>
-              <a:t>Kong et al, University of Surrey, UK and </a:t>
-            </a:r>
-            <a:r>
-              <a:rPr lang="en-CA" sz="2400" dirty="0" err="1" smtClean="0"/>
-              <a:t>ByteDance</a:t>
-            </a:r>
-            <a:r>
-              <a:rPr lang="en-CA" sz="2400" dirty="0" smtClean="0"/>
-              <a:t> AI Lab: </a:t>
-            </a:r>
-            <a:r>
-              <a:rPr lang="en-CA" sz="2400" dirty="0" smtClean="0">
-                <a:hlinkClick r:id="rId2"/>
-              </a:rPr>
-              <a:t>https://arxiv.org/abs/1912.10211</a:t>
-            </a:r>
-            <a:endParaRPr lang="en-CA" sz="2400" dirty="0" smtClean="0"/>
-          </a:p>
-          <a:p>
-            <a:pPr algn="just"/>
-            <a:endParaRPr lang="en-CA" sz="1200" dirty="0" smtClean="0"/>
-          </a:p>
-          <a:p>
-            <a:pPr algn="just"/>
-            <a:r>
-              <a:rPr lang="en-CA" sz="2400" dirty="0" smtClean="0"/>
-              <a:t>Code &amp; </a:t>
-            </a:r>
-            <a:r>
-              <a:rPr lang="en-CA" sz="2400" dirty="0" err="1" smtClean="0"/>
-              <a:t>pretrained</a:t>
-            </a:r>
-            <a:r>
-              <a:rPr lang="en-CA" sz="2400" dirty="0" smtClean="0"/>
-              <a:t> models: </a:t>
-            </a:r>
-          </a:p>
-          <a:p>
-            <a:pPr algn="just"/>
-            <a:r>
-              <a:rPr lang="en-CA" sz="2400" dirty="0" smtClean="0">
-                <a:hlinkClick r:id="rId3"/>
-              </a:rPr>
-              <a:t>https://github.com/qiuqiangkong/audioset_tagging_cnn</a:t>
-            </a:r>
-            <a:endParaRPr lang="en-CA" sz="2400" dirty="0" smtClean="0"/>
-          </a:p>
-          <a:p>
-            <a:pPr algn="just"/>
-            <a:r>
-              <a:rPr lang="en-CA" sz="2400" dirty="0" smtClean="0">
-                <a:hlinkClick r:id="rId4"/>
-              </a:rPr>
-              <a:t>https://zenodo.org/record/3987831</a:t>
-            </a:r>
-            <a:endParaRPr lang="en-CA" sz="2400" dirty="0" smtClean="0"/>
-          </a:p>
-          <a:p>
-            <a:pPr algn="ctr"/>
-            <a:endParaRPr lang="en-CA" sz="1200" dirty="0" smtClean="0"/>
-          </a:p>
-          <a:p>
-            <a:pPr algn="just"/>
-            <a:r>
-              <a:rPr lang="en-CA" sz="2400" dirty="0" smtClean="0"/>
-              <a:t>Based on </a:t>
-            </a:r>
-            <a:r>
-              <a:rPr lang="en-CA" sz="2400" dirty="0" err="1" smtClean="0"/>
-              <a:t>AudioSet</a:t>
-            </a:r>
-            <a:r>
-              <a:rPr lang="en-CA" sz="2400" dirty="0" smtClean="0"/>
-              <a:t> dataset (</a:t>
-            </a:r>
-            <a:r>
-              <a:rPr lang="en-CA" sz="2400" dirty="0" smtClean="0">
-                <a:hlinkClick r:id="rId5"/>
-              </a:rPr>
-              <a:t>https://research.google.com/audioset</a:t>
-            </a:r>
-            <a:r>
-              <a:rPr lang="en-CA" sz="2400" dirty="0"/>
-              <a:t>)</a:t>
-            </a:r>
-            <a:r>
-              <a:rPr lang="en-CA" sz="2400" dirty="0" smtClean="0"/>
-              <a:t> a </a:t>
-            </a:r>
-            <a:r>
-              <a:rPr lang="en-CA" sz="2400" dirty="0"/>
-              <a:t>collection of </a:t>
-            </a:r>
-            <a:r>
-              <a:rPr lang="en-CA" sz="2400" dirty="0" smtClean="0"/>
-              <a:t>about 2 million </a:t>
-            </a:r>
-            <a:r>
-              <a:rPr lang="en-CA" sz="2400" dirty="0"/>
-              <a:t>human-labeled 10-second sound clips drawn from YouTube </a:t>
-            </a:r>
-            <a:r>
-              <a:rPr lang="en-CA" sz="2400" dirty="0" smtClean="0"/>
-              <a:t>videos with 632 classes</a:t>
-            </a:r>
-            <a:endParaRPr lang="en-CA" sz="2400" dirty="0"/>
+              <a:t> classifiers, each 70% accurate</a:t>
+            </a:r>
+          </a:p>
+          <a:p>
+            <a:endParaRPr lang="en-CA" sz="1800" dirty="0" smtClean="0"/>
+          </a:p>
+          <a:p>
+            <a:r>
+              <a:rPr lang="en-CA" sz="2200" dirty="0" smtClean="0"/>
+              <a:t>Combine their predictions by majority rule</a:t>
+            </a:r>
+          </a:p>
+          <a:p>
+            <a:endParaRPr lang="en-CA" sz="800" dirty="0" smtClean="0"/>
+          </a:p>
+          <a:p>
+            <a:pPr>
+              <a:buNone/>
+            </a:pPr>
+            <a:r>
+              <a:rPr lang="en-CA" sz="2200" dirty="0" smtClean="0"/>
+              <a:t>70% * 70% * 70% = 34.3% all three correct</a:t>
+            </a:r>
+          </a:p>
+          <a:p>
+            <a:pPr>
+              <a:buNone/>
+            </a:pPr>
+            <a:r>
+              <a:rPr lang="en-CA" sz="2200" dirty="0" smtClean="0"/>
+              <a:t>3 * 70% * 70% * 30% = 44.1% two correct</a:t>
+            </a:r>
+          </a:p>
+          <a:p>
+            <a:pPr>
+              <a:buNone/>
+            </a:pPr>
+            <a:endParaRPr lang="en-CA" dirty="0" smtClean="0"/>
+          </a:p>
+          <a:p>
+            <a:pPr>
+              <a:buNone/>
+            </a:pPr>
+            <a:r>
+              <a:rPr lang="en-CA" sz="2200" dirty="0" smtClean="0"/>
+              <a:t>Ensemble accuracy: 34.3% + 44.1% = 78.4%! </a:t>
+            </a:r>
+            <a:endParaRPr lang="en-CA" sz="2200" dirty="0"/>
           </a:p>
         </p:txBody>
       </p:sp>
@@ -6924,8 +6873,8 @@
         </p:nvSpPr>
         <p:spPr>
           <a:xfrm>
-            <a:off x="755576" y="1916832"/>
-            <a:ext cx="7992888" cy="2800767"/>
+            <a:off x="1979712" y="2060848"/>
+            <a:ext cx="5328592" cy="646331"/>
           </a:xfrm>
           <a:prstGeom prst="rect">
             <a:avLst/>
@@ -6941,48 +6890,62 @@
             <a:pPr algn="ctr"/>
             <a:r>
               <a:rPr lang="en-CA" sz="3600" dirty="0" smtClean="0"/>
-              <a:t>Sound Event Detection (SED) Framework</a:t>
-            </a:r>
-          </a:p>
-          <a:p>
-            <a:pPr algn="ctr"/>
-            <a:endParaRPr lang="en-CA" sz="2000" dirty="0"/>
-          </a:p>
+              <a:t>Ensembling</a:t>
+            </a:r>
+            <a:endParaRPr lang="en-CA" sz="3600" dirty="0"/>
+          </a:p>
+        </p:txBody>
+      </p:sp>
+      <p:sp>
+        <p:nvSpPr>
+          <p:cNvPr id="5" name="Content Placeholder 1"/>
+          <p:cNvSpPr>
+            <a:spLocks noGrp="1"/>
+          </p:cNvSpPr>
+          <p:nvPr>
+            <p:ph idx="1"/>
+          </p:nvPr>
+        </p:nvSpPr>
+        <p:spPr>
+          <a:xfrm>
+            <a:off x="539552" y="2852936"/>
+            <a:ext cx="8229600" cy="3394472"/>
+          </a:xfrm>
+        </p:spPr>
+        <p:txBody>
+          <a:bodyPr>
+            <a:normAutofit/>
+          </a:bodyPr>
+          <a:lstStyle/>
           <a:p>
             <a:pPr algn="just"/>
             <a:r>
-              <a:rPr lang="en-CA" sz="2400" dirty="0" smtClean="0"/>
-              <a:t>Competition notebook and kernel by </a:t>
-            </a:r>
-            <a:r>
-              <a:rPr lang="en-CA" sz="2400" b="1" dirty="0" err="1" smtClean="0"/>
-              <a:t>Hidehisa</a:t>
-            </a:r>
-            <a:r>
-              <a:rPr lang="en-CA" sz="2400" b="1" dirty="0" smtClean="0"/>
-              <a:t> Arai</a:t>
+              <a:rPr lang="en-CA" sz="2200" dirty="0" smtClean="0"/>
+              <a:t>A very popular technique in which the predictions of several diverse machine learning models are combined to improve upon the accuracy of each model</a:t>
             </a:r>
           </a:p>
           <a:p>
             <a:pPr algn="just"/>
-            <a:r>
-              <a:rPr lang="en-CA" sz="2400" dirty="0" smtClean="0"/>
-              <a:t>that was used by many of the winners:</a:t>
-            </a:r>
+            <a:endParaRPr lang="en-CA" sz="1200" dirty="0" smtClean="0"/>
           </a:p>
           <a:p>
             <a:pPr algn="just"/>
-            <a:endParaRPr lang="en-CA" sz="2400" dirty="0" smtClean="0"/>
+            <a:r>
+              <a:rPr lang="en-CA" sz="2200" dirty="0" smtClean="0"/>
+              <a:t>In many cases leads to a several percent increase in accuracy of predictions</a:t>
+            </a:r>
           </a:p>
           <a:p>
             <a:pPr algn="just"/>
-            <a:r>
-              <a:rPr lang="en-CA" sz="2400" dirty="0" smtClean="0">
-                <a:hlinkClick r:id="rId2"/>
-              </a:rPr>
-              <a:t>https://www.kaggle.com/hidehisaarai1213/introduction-to-sound-event-detection</a:t>
-            </a:r>
-            <a:endParaRPr lang="en-CA" sz="2400" dirty="0"/>
+            <a:endParaRPr lang="en-CA" sz="2200" dirty="0" smtClean="0"/>
+          </a:p>
+          <a:p>
+            <a:pPr algn="just"/>
+            <a:r>
+              <a:rPr lang="en-CA" sz="2200" dirty="0" smtClean="0"/>
+              <a:t>The more different the models are, the better</a:t>
+            </a:r>
+            <a:endParaRPr lang="en-CA" sz="2200" dirty="0"/>
           </a:p>
         </p:txBody>
       </p:sp>
@@ -7020,7 +6983,35 @@
       </p:grpSpPr>
       <p:sp>
         <p:nvSpPr>
-          <p:cNvPr id="3" name="Slide Number Placeholder 2"/>
+          <p:cNvPr id="2" name="Title 1"/>
+          <p:cNvSpPr>
+            <a:spLocks noGrp="1"/>
+          </p:cNvSpPr>
+          <p:nvPr>
+            <p:ph type="ctrTitle"/>
+          </p:nvPr>
+        </p:nvSpPr>
+        <p:spPr>
+          <a:xfrm>
+            <a:off x="683568" y="3212976"/>
+            <a:ext cx="7772400" cy="1470025"/>
+          </a:xfrm>
+        </p:spPr>
+        <p:txBody>
+          <a:bodyPr/>
+          <a:lstStyle/>
+          <a:p>
+            <a:r>
+              <a:rPr lang="en-CA" dirty="0" smtClean="0"/>
+              <a:t>Part 3. Competition Results</a:t>
+            </a:r>
+            <a:endParaRPr lang="en-CA" dirty="0"/>
+          </a:p>
+        </p:txBody>
+      </p:sp>
+      <p:sp>
+        <p:nvSpPr>
+          <p:cNvPr id="4" name="Slide Number Placeholder 3"/>
           <p:cNvSpPr>
             <a:spLocks noGrp="1"/>
           </p:cNvSpPr>
@@ -7038,48 +7029,7 @@
               <a:pPr/>
               <a:t>27</a:t>
             </a:fld>
-            <a:endParaRPr lang="en-CA"/>
-          </a:p>
-        </p:txBody>
-      </p:sp>
-      <p:sp>
-        <p:nvSpPr>
-          <p:cNvPr id="4" name="TextBox 3"/>
-          <p:cNvSpPr txBox="1"/>
-          <p:nvPr/>
-        </p:nvSpPr>
-        <p:spPr>
-          <a:xfrm>
-            <a:off x="755576" y="1916832"/>
-            <a:ext cx="7992888" cy="1938992"/>
-          </a:xfrm>
-          <a:prstGeom prst="rect">
-            <a:avLst/>
-          </a:prstGeom>
-          <a:noFill/>
-        </p:spPr>
-        <p:txBody>
-          <a:bodyPr wrap="square" rtlCol="0">
-            <a:spAutoFit/>
-          </a:bodyPr>
-          <a:lstStyle/>
-          <a:p>
-            <a:pPr algn="ctr"/>
-            <a:r>
-              <a:rPr lang="en-CA" sz="3600" dirty="0" smtClean="0"/>
-              <a:t>Sound Event Detection (SED) Framework</a:t>
-            </a:r>
-          </a:p>
-          <a:p>
-            <a:pPr algn="ctr"/>
-            <a:endParaRPr lang="en-CA" sz="1200" dirty="0" smtClean="0"/>
-          </a:p>
-          <a:p>
-            <a:pPr algn="just"/>
-            <a:r>
-              <a:rPr lang="en-CA" sz="2400" dirty="0" smtClean="0"/>
-              <a:t>The framework is used to detect different sound events within each clip, with prediction of start time, end time, and the type of event</a:t>
-            </a:r>
+            <a:endParaRPr lang="en-CA" dirty="0"/>
           </a:p>
         </p:txBody>
       </p:sp>
@@ -7117,35 +7067,7 @@
       </p:grpSpPr>
       <p:sp>
         <p:nvSpPr>
-          <p:cNvPr id="2" name="Title 1"/>
-          <p:cNvSpPr>
-            <a:spLocks noGrp="1"/>
-          </p:cNvSpPr>
-          <p:nvPr>
-            <p:ph type="ctrTitle"/>
-          </p:nvPr>
-        </p:nvSpPr>
-        <p:spPr>
-          <a:xfrm>
-            <a:off x="683568" y="3212976"/>
-            <a:ext cx="7772400" cy="1470025"/>
-          </a:xfrm>
-        </p:spPr>
-        <p:txBody>
-          <a:bodyPr/>
-          <a:lstStyle/>
-          <a:p>
-            <a:r>
-              <a:rPr lang="en-CA" dirty="0" smtClean="0"/>
-              <a:t>Part 3. Competition Results</a:t>
-            </a:r>
-            <a:endParaRPr lang="en-CA" dirty="0"/>
-          </a:p>
-        </p:txBody>
-      </p:sp>
-      <p:sp>
-        <p:nvSpPr>
-          <p:cNvPr id="4" name="Slide Number Placeholder 3"/>
+          <p:cNvPr id="3" name="Slide Number Placeholder 2"/>
           <p:cNvSpPr>
             <a:spLocks noGrp="1"/>
           </p:cNvSpPr>
@@ -7163,10 +7085,73 @@
               <a:pPr/>
               <a:t>28</a:t>
             </a:fld>
+            <a:endParaRPr lang="en-CA"/>
+          </a:p>
+        </p:txBody>
+      </p:sp>
+      <p:sp>
+        <p:nvSpPr>
+          <p:cNvPr id="5" name="TextBox 4"/>
+          <p:cNvSpPr txBox="1"/>
+          <p:nvPr/>
+        </p:nvSpPr>
+        <p:spPr>
+          <a:xfrm>
+            <a:off x="3491880" y="1916832"/>
+            <a:ext cx="2376264" cy="369332"/>
+          </a:xfrm>
+          <a:prstGeom prst="rect">
+            <a:avLst/>
+          </a:prstGeom>
+          <a:noFill/>
+        </p:spPr>
+        <p:txBody>
+          <a:bodyPr wrap="square" rtlCol="0">
+            <a:spAutoFit/>
+          </a:bodyPr>
+          <a:lstStyle/>
+          <a:p>
+            <a:pPr algn="ctr"/>
+            <a:r>
+              <a:rPr lang="en-CA" dirty="0" smtClean="0"/>
+              <a:t>Final Leaderboard</a:t>
+            </a:r>
             <a:endParaRPr lang="en-CA" dirty="0"/>
           </a:p>
         </p:txBody>
       </p:sp>
+      <p:pic>
+        <p:nvPicPr>
+          <p:cNvPr id="5123" name="Picture 3"/>
+          <p:cNvPicPr>
+            <a:picLocks noChangeAspect="1" noChangeArrowheads="1"/>
+          </p:cNvPicPr>
+          <p:nvPr/>
+        </p:nvPicPr>
+        <p:blipFill>
+          <a:blip r:embed="rId2" cstate="print"/>
+          <a:srcRect/>
+          <a:stretch>
+            <a:fillRect/>
+          </a:stretch>
+        </p:blipFill>
+        <p:spPr bwMode="auto">
+          <a:xfrm>
+            <a:off x="971600" y="2348880"/>
+            <a:ext cx="7531100" cy="4254500"/>
+          </a:xfrm>
+          <a:prstGeom prst="rect">
+            <a:avLst/>
+          </a:prstGeom>
+          <a:noFill/>
+          <a:ln w="9525">
+            <a:noFill/>
+            <a:miter lim="800000"/>
+            <a:headEnd/>
+            <a:tailEnd/>
+          </a:ln>
+        </p:spPr>
+      </p:pic>
     </p:spTree>
   </p:cSld>
   <p:clrMapOvr>
@@ -7201,6 +7186,137 @@
       </p:grpSpPr>
       <p:sp>
         <p:nvSpPr>
+          <p:cNvPr id="2" name="Content Placeholder 1"/>
+          <p:cNvSpPr>
+            <a:spLocks noGrp="1"/>
+          </p:cNvSpPr>
+          <p:nvPr>
+            <p:ph idx="1"/>
+          </p:nvPr>
+        </p:nvSpPr>
+        <p:spPr>
+          <a:xfrm>
+            <a:off x="251520" y="1916833"/>
+            <a:ext cx="8640960" cy="3888432"/>
+          </a:xfrm>
+        </p:spPr>
+        <p:txBody>
+          <a:bodyPr/>
+          <a:lstStyle/>
+          <a:p>
+            <a:pPr>
+              <a:buNone/>
+            </a:pPr>
+            <a:r>
+              <a:rPr lang="en-CA" dirty="0" smtClean="0">
+                <a:hlinkClick r:id="rId2"/>
+              </a:rPr>
+              <a:t>1</a:t>
+            </a:r>
+            <a:r>
+              <a:rPr lang="en-CA" baseline="30000" dirty="0" smtClean="0">
+                <a:hlinkClick r:id="rId2"/>
+              </a:rPr>
+              <a:t>st</a:t>
+            </a:r>
+            <a:r>
+              <a:rPr lang="en-CA" dirty="0" smtClean="0">
+                <a:hlinkClick r:id="rId2"/>
+              </a:rPr>
+              <a:t> Place Solution</a:t>
+            </a:r>
+            <a:r>
+              <a:rPr lang="en-CA" dirty="0" smtClean="0"/>
+              <a:t>: Ryan </a:t>
+            </a:r>
+            <a:r>
+              <a:rPr lang="en-CA" dirty="0" smtClean="0"/>
+              <a:t>Wong</a:t>
+            </a:r>
+          </a:p>
+          <a:p>
+            <a:pPr>
+              <a:buNone/>
+            </a:pPr>
+            <a:endParaRPr lang="en-CA" sz="800" dirty="0" smtClean="0"/>
+          </a:p>
+          <a:p>
+            <a:r>
+              <a:rPr lang="en-CA" sz="2800" dirty="0" smtClean="0"/>
+              <a:t>Used SED approach, but switching CNN to a </a:t>
+            </a:r>
+            <a:r>
+              <a:rPr lang="en-CA" sz="2800" dirty="0" err="1" smtClean="0"/>
+              <a:t>DenseNet</a:t>
+            </a:r>
+            <a:r>
+              <a:rPr lang="en-CA" sz="2800" dirty="0" smtClean="0"/>
+              <a:t> 121 </a:t>
+            </a:r>
+            <a:r>
+              <a:rPr lang="en-CA" sz="2800" dirty="0" err="1" smtClean="0"/>
+              <a:t>pretrained</a:t>
+            </a:r>
+            <a:r>
+              <a:rPr lang="en-CA" sz="2800" dirty="0" smtClean="0"/>
+              <a:t> on ImageNet</a:t>
+            </a:r>
+          </a:p>
+          <a:p>
+            <a:r>
+              <a:rPr lang="en-CA" sz="2800" dirty="0" smtClean="0"/>
+              <a:t>No external data, various </a:t>
+            </a:r>
+            <a:r>
+              <a:rPr lang="en-CA" sz="2800" dirty="0" smtClean="0">
+                <a:hlinkClick r:id="rId3"/>
+              </a:rPr>
+              <a:t>audiomentations</a:t>
+            </a:r>
+            <a:r>
+              <a:rPr lang="en-CA" sz="2800" dirty="0" smtClean="0"/>
+              <a:t> (Gaussian noise, pink noise, Gaussian SNR, volume adjustment)</a:t>
+            </a:r>
+          </a:p>
+          <a:p>
+            <a:r>
+              <a:rPr lang="en-CA" sz="2800" dirty="0" smtClean="0"/>
+              <a:t>Cosine Annealing with </a:t>
+            </a:r>
+            <a:r>
+              <a:rPr lang="en-CA" sz="2800" dirty="0" err="1" smtClean="0"/>
+              <a:t>warmup</a:t>
+            </a:r>
+            <a:endParaRPr lang="en-CA" sz="2800" dirty="0" smtClean="0"/>
+          </a:p>
+          <a:p>
+            <a:r>
+              <a:rPr lang="en-CA" sz="2800" dirty="0" smtClean="0"/>
+              <a:t>Ensemble </a:t>
+            </a:r>
+            <a:r>
+              <a:rPr lang="en-CA" sz="2800" dirty="0" smtClean="0"/>
+              <a:t>of 13 models (with and without </a:t>
+            </a:r>
+            <a:r>
+              <a:rPr lang="en-CA" sz="2800" dirty="0" err="1" smtClean="0"/>
+              <a:t>mixup</a:t>
+            </a:r>
+            <a:r>
+              <a:rPr lang="en-CA" sz="2800" dirty="0" smtClean="0"/>
+              <a:t>) by a specifically designed voting scheme</a:t>
+            </a:r>
+          </a:p>
+          <a:p>
+            <a:pPr lvl="1">
+              <a:buNone/>
+            </a:pPr>
+            <a:endParaRPr lang="en-CA" dirty="0" smtClean="0"/>
+          </a:p>
+        </p:txBody>
+      </p:sp>
+      <p:sp>
+        <p:nvSpPr>
           <p:cNvPr id="3" name="Slide Number Placeholder 2"/>
           <p:cNvSpPr>
             <a:spLocks noGrp="1"/>
@@ -7225,14 +7341,14 @@
       </p:sp>
       <p:sp>
         <p:nvSpPr>
-          <p:cNvPr id="5" name="TextBox 4"/>
+          <p:cNvPr id="4" name="TextBox 3"/>
           <p:cNvSpPr txBox="1"/>
           <p:nvPr/>
         </p:nvSpPr>
         <p:spPr>
           <a:xfrm>
-            <a:off x="3491880" y="1916832"/>
-            <a:ext cx="2376264" cy="369332"/>
+            <a:off x="251520" y="6165304"/>
+            <a:ext cx="8496944" cy="430887"/>
           </a:xfrm>
           <a:prstGeom prst="rect">
             <a:avLst/>
@@ -7245,47 +7361,21 @@
           </a:bodyPr>
           <a:lstStyle/>
           <a:p>
-            <a:pPr algn="ctr"/>
-            <a:r>
-              <a:rPr lang="en-CA" dirty="0" smtClean="0"/>
-              <a:t>Final Leaderboard</a:t>
-            </a:r>
-            <a:endParaRPr lang="en-CA" dirty="0"/>
-          </a:p>
-        </p:txBody>
-      </p:sp>
-      <p:pic>
-        <p:nvPicPr>
-          <p:cNvPr id="5123" name="Picture 3"/>
-          <p:cNvPicPr>
-            <a:picLocks noChangeAspect="1" noChangeArrowheads="1"/>
-          </p:cNvPicPr>
-          <p:nvPr/>
-        </p:nvPicPr>
-        <p:blipFill>
-          <a:blip r:embed="rId2" cstate="print"/>
-          <a:srcRect/>
-          <a:stretch>
-            <a:fillRect/>
-          </a:stretch>
-        </p:blipFill>
-        <p:spPr bwMode="auto">
-          <a:xfrm>
-            <a:off x="971600" y="2348880"/>
-            <a:ext cx="7531100" cy="4254500"/>
-          </a:xfrm>
-          <a:prstGeom prst="rect">
-            <a:avLst/>
-          </a:prstGeom>
-          <a:noFill/>
-          <a:ln w="9525">
-            <a:noFill/>
-            <a:miter lim="800000"/>
-            <a:headEnd/>
-            <a:tailEnd/>
-          </a:ln>
-        </p:spPr>
-      </p:pic>
+            <a:pPr marL="0" lvl="1"/>
+            <a:r>
+              <a:rPr lang="en-CA" sz="2200" dirty="0" smtClean="0"/>
+              <a:t>Code: </a:t>
+            </a:r>
+            <a:r>
+              <a:rPr lang="en-CA" sz="2200" dirty="0" smtClean="0">
+                <a:hlinkClick r:id="rId4"/>
+              </a:rPr>
+              <a:t>https://github.com/ryanwongsa/kaggle-birdsong-recognition</a:t>
+            </a:r>
+            <a:endParaRPr lang="en-CA" sz="2200" dirty="0" smtClean="0"/>
+          </a:p>
+        </p:txBody>
+      </p:sp>
     </p:spTree>
   </p:cSld>
   <p:clrMapOvr>
@@ -7467,13 +7557,13 @@
               <a:rPr lang="en-CA" dirty="0" smtClean="0">
                 <a:hlinkClick r:id="rId2"/>
               </a:rPr>
-              <a:t>1</a:t>
+              <a:t>2</a:t>
             </a:r>
             <a:r>
               <a:rPr lang="en-CA" baseline="30000" dirty="0" smtClean="0">
                 <a:hlinkClick r:id="rId2"/>
               </a:rPr>
-              <a:t>st</a:t>
+              <a:t>nd</a:t>
             </a:r>
             <a:r>
               <a:rPr lang="en-CA" dirty="0" smtClean="0">
@@ -7483,68 +7573,103 @@
             </a:r>
             <a:r>
               <a:rPr lang="en-CA" dirty="0" smtClean="0"/>
-              <a:t>: Ryan Wong</a:t>
-            </a:r>
-          </a:p>
-          <a:p>
-            <a:pPr lvl="1"/>
+              <a:t>: </a:t>
+            </a:r>
+            <a:r>
+              <a:rPr lang="en-CA" dirty="0" err="1" smtClean="0"/>
+              <a:t>Vladislav</a:t>
+            </a:r>
             <a:r>
               <a:rPr lang="en-CA" dirty="0" smtClean="0"/>
-              <a:t>Used SED approach, but switching CNN to a </a:t>
+              <a:t> </a:t>
             </a:r>
             <a:r>
               <a:rPr lang="en-CA" dirty="0" err="1" smtClean="0"/>
-              <a:t>DenseNet</a:t>
-            </a:r>
-            <a:r>
-              <a:rPr lang="en-CA" dirty="0" smtClean="0"/>
-              <a:t> 121 </a:t>
-            </a:r>
-            <a:r>
-              <a:rPr lang="en-CA" dirty="0" err="1" smtClean="0"/>
+              <a:t>Kramarenko</a:t>
+            </a:r>
+            <a:endParaRPr lang="en-CA" dirty="0" smtClean="0"/>
+          </a:p>
+          <a:p>
+            <a:pPr>
+              <a:buNone/>
+            </a:pPr>
+            <a:endParaRPr lang="en-CA" sz="800" dirty="0" smtClean="0"/>
+          </a:p>
+          <a:p>
+            <a:r>
+              <a:rPr lang="en-CA" sz="2800" dirty="0" smtClean="0"/>
+              <a:t>Used SED with </a:t>
+            </a:r>
+            <a:r>
+              <a:rPr lang="en-CA" sz="2800" dirty="0" err="1" smtClean="0"/>
               <a:t>pretrained</a:t>
             </a:r>
             <a:r>
-              <a:rPr lang="en-CA" dirty="0" smtClean="0"/>
-              <a:t> on ImageNet</a:t>
-            </a:r>
-          </a:p>
-          <a:p>
-            <a:pPr lvl="1"/>
-            <a:r>
-              <a:rPr lang="en-CA" dirty="0" smtClean="0"/>
-              <a:t>No external data, various </a:t>
-            </a:r>
-            <a:r>
-              <a:rPr lang="en-CA" dirty="0" smtClean="0">
+              <a:rPr lang="en-CA" sz="2800" dirty="0" smtClean="0"/>
+              <a:t> EfficientNet-b0</a:t>
+            </a:r>
+            <a:r>
+              <a:rPr lang="en-CA" sz="2800" dirty="0"/>
+              <a:t>, </a:t>
+            </a:r>
+            <a:r>
+              <a:rPr lang="en-CA" sz="2800" dirty="0" smtClean="0"/>
+              <a:t>ResNet50</a:t>
+            </a:r>
+            <a:r>
+              <a:rPr lang="en-CA" sz="2800" dirty="0"/>
+              <a:t>, </a:t>
+            </a:r>
+            <a:r>
+              <a:rPr lang="en-CA" sz="2800" dirty="0" smtClean="0"/>
+              <a:t>DenseNet121 (ensemble of 6)</a:t>
+            </a:r>
+          </a:p>
+          <a:p>
+            <a:r>
+              <a:rPr lang="en-CA" sz="2800" dirty="0" smtClean="0"/>
+              <a:t>Manually </a:t>
+            </a:r>
+            <a:r>
+              <a:rPr lang="en-CA" sz="2800" dirty="0"/>
+              <a:t>went through 20 thousand training </a:t>
+            </a:r>
+            <a:r>
+              <a:rPr lang="en-CA" sz="2800" dirty="0" smtClean="0"/>
+              <a:t>files (!) </a:t>
+            </a:r>
+            <a:r>
+              <a:rPr lang="en-CA" sz="2800" dirty="0"/>
+              <a:t>and deleted large segments without the target </a:t>
+            </a:r>
+            <a:r>
+              <a:rPr lang="en-CA" sz="2800" dirty="0" smtClean="0"/>
+              <a:t>bird</a:t>
+            </a:r>
+          </a:p>
+          <a:p>
+            <a:r>
+              <a:rPr lang="en-CA" sz="2800" dirty="0" smtClean="0"/>
+              <a:t>Used a lot of augmentations: </a:t>
+            </a:r>
+            <a:r>
+              <a:rPr lang="en-CA" sz="2800" dirty="0" err="1" smtClean="0"/>
+              <a:t>mixup</a:t>
+            </a:r>
+            <a:r>
+              <a:rPr lang="en-CA" sz="2800" dirty="0" smtClean="0"/>
+              <a:t> 1-3 files, raising image to power 0.5 to 3, faster/slower, added noise, </a:t>
+            </a:r>
+            <a:r>
+              <a:rPr lang="en-CA" sz="2800" dirty="0" smtClean="0">
                 <a:hlinkClick r:id="rId3"/>
               </a:rPr>
-              <a:t>audiomentations</a:t>
-            </a:r>
-            <a:r>
-              <a:rPr lang="en-CA" dirty="0" smtClean="0"/>
-              <a:t> (Gaussian noise, pink noise, Gaussian SNR, volume adjustment)</a:t>
-            </a:r>
+              <a:t>lowered upper frequencies</a:t>
+            </a:r>
+            <a:endParaRPr lang="en-CA" sz="2800" dirty="0" smtClean="0"/>
           </a:p>
           <a:p>
             <a:pPr lvl="1"/>
-            <a:r>
-              <a:rPr lang="en-CA" dirty="0" smtClean="0"/>
-              <a:t>Ensemble of 13 models (with and without </a:t>
-            </a:r>
-            <a:r>
-              <a:rPr lang="en-CA" dirty="0" err="1" smtClean="0"/>
-              <a:t>mixup</a:t>
-            </a:r>
-            <a:r>
-              <a:rPr lang="en-CA" dirty="0" smtClean="0"/>
-              <a:t>) by a specifically designed voting scheme</a:t>
-            </a:r>
-          </a:p>
-          <a:p>
-            <a:pPr lvl="1">
-              <a:buNone/>
-            </a:pPr>
             <a:endParaRPr lang="en-CA" dirty="0" smtClean="0"/>
           </a:p>
         </p:txBody>
@@ -7581,8 +7706,8 @@
         </p:nvSpPr>
         <p:spPr>
           <a:xfrm>
-            <a:off x="251520" y="5949280"/>
-            <a:ext cx="8496944" cy="430887"/>
+            <a:off x="251520" y="6165304"/>
+            <a:ext cx="8640960" cy="430887"/>
           </a:xfrm>
           <a:prstGeom prst="rect">
             <a:avLst/>
@@ -7604,7 +7729,7 @@
               <a:rPr lang="en-CA" sz="2200" dirty="0" smtClean="0">
                 <a:hlinkClick r:id="rId4"/>
               </a:rPr>
-              <a:t>https://github.com/ryanwongsa/kaggle-birdsong-recognition</a:t>
+              <a:t>https://github.com/vlomme/Birdcall-Identification-competition</a:t>
             </a:r>
             <a:endParaRPr lang="en-CA" sz="2200" dirty="0" smtClean="0"/>
           </a:p>
@@ -7669,13 +7794,19 @@
               <a:rPr lang="en-CA" dirty="0" smtClean="0">
                 <a:hlinkClick r:id="rId2"/>
               </a:rPr>
-              <a:t>2</a:t>
+              <a:t>3</a:t>
+            </a:r>
+            <a:r>
+              <a:rPr lang="en-CA" baseline="30000" dirty="0">
+                <a:hlinkClick r:id="rId2"/>
+              </a:rPr>
+              <a:t>r</a:t>
             </a:r>
             <a:r>
               <a:rPr lang="en-CA" baseline="30000" dirty="0" smtClean="0">
                 <a:hlinkClick r:id="rId2"/>
               </a:rPr>
-              <a:t>nd</a:t>
+              <a:t>d</a:t>
             </a:r>
             <a:r>
               <a:rPr lang="en-CA" dirty="0" smtClean="0">
@@ -7685,92 +7816,74 @@
             </a:r>
             <a:r>
               <a:rPr lang="en-CA" dirty="0" smtClean="0"/>
-              <a:t>: Vladislav </a:t>
-            </a:r>
-            <a:r>
-              <a:rPr lang="en-CA" dirty="0" err="1" smtClean="0"/>
-              <a:t>Kramarenko</a:t>
-            </a:r>
-            <a:endParaRPr lang="en-CA" dirty="0" smtClean="0"/>
-          </a:p>
-          <a:p>
-            <a:pPr lvl="1"/>
+              <a:t>: Is </a:t>
+            </a:r>
+            <a:r>
+              <a:rPr lang="en-CA" dirty="0"/>
+              <a:t>this a Pigeon</a:t>
+            </a:r>
             <a:r>
               <a:rPr lang="en-CA" dirty="0" smtClean="0"/>
-              <a:t>Used SED with </a:t>
-            </a:r>
-            <a:r>
-              <a:rPr lang="en-CA" dirty="0" err="1" smtClean="0"/>
-              <a:t>pretrained</a:t>
+              <a:t>? (team of 5</a:t>
             </a:r>
             <a:r>
               <a:rPr lang="en-CA" dirty="0" smtClean="0"/>
-              <a:t> EfficientNet-b0</a:t>
-            </a:r>
-            <a:r>
-              <a:rPr lang="en-CA" dirty="0"/>
-              <a:t>, </a:t>
-            </a:r>
-            <a:r>
-              <a:rPr lang="en-CA" dirty="0" smtClean="0"/>
-              <a:t>ResNet50</a:t>
-            </a:r>
-            <a:r>
-              <a:rPr lang="en-CA" dirty="0"/>
-              <a:t>, </a:t>
-            </a:r>
-            <a:r>
-              <a:rPr lang="en-CA" dirty="0" smtClean="0"/>
-              <a:t>DenseNet121 (ensemble of 6)</a:t>
-            </a:r>
-          </a:p>
-          <a:p>
-            <a:pPr lvl="1"/>
-            <a:r>
-              <a:rPr lang="en-CA" dirty="0" smtClean="0"/>
-              <a:t>Manually </a:t>
-            </a:r>
-            <a:r>
-              <a:rPr lang="en-CA" dirty="0"/>
-              <a:t>went through 20 thousand training </a:t>
-            </a:r>
-            <a:r>
-              <a:rPr lang="en-CA" dirty="0" smtClean="0"/>
-              <a:t>files (!) </a:t>
-            </a:r>
-            <a:r>
-              <a:rPr lang="en-CA" dirty="0"/>
-              <a:t>and deleted large segments without the target </a:t>
-            </a:r>
-            <a:r>
-              <a:rPr lang="en-CA" dirty="0" smtClean="0"/>
-              <a:t>bird</a:t>
-            </a:r>
-          </a:p>
-          <a:p>
-            <a:pPr lvl="1"/>
-            <a:r>
-              <a:rPr lang="en-CA" dirty="0" smtClean="0"/>
-              <a:t>Used a lot of augmentations: </a:t>
-            </a:r>
-            <a:r>
-              <a:rPr lang="en-CA" dirty="0" err="1" smtClean="0"/>
-              <a:t>mixup</a:t>
-            </a:r>
-            <a:r>
-              <a:rPr lang="en-CA" dirty="0" smtClean="0"/>
-              <a:t> 1-3 files, raising image to power 0.5 to 3, faster/slower, added noise, </a:t>
-            </a:r>
-            <a:r>
-              <a:rPr lang="en-CA" dirty="0" smtClean="0">
+              <a:t>)</a:t>
+            </a:r>
+          </a:p>
+          <a:p>
+            <a:pPr>
+              <a:buNone/>
+            </a:pPr>
+            <a:endParaRPr lang="en-CA" sz="800" dirty="0" smtClean="0"/>
+          </a:p>
+          <a:p>
+            <a:r>
+              <a:rPr lang="en-CA" sz="2800" dirty="0" smtClean="0"/>
+              <a:t>Ensemble of ResNext50, ResNext101, and ResNest50 models trained with </a:t>
+            </a:r>
+            <a:r>
+              <a:rPr lang="en-CA" sz="2800" dirty="0" smtClean="0">
                 <a:hlinkClick r:id="rId3"/>
               </a:rPr>
-              <a:t>lowered upper frequencies</a:t>
-            </a:r>
+              <a:t>additional external data</a:t>
+            </a:r>
+            <a:endParaRPr lang="en-CA" sz="2800" dirty="0" smtClean="0"/>
+          </a:p>
+          <a:p>
+            <a:r>
+              <a:rPr lang="en-CA" sz="2800" dirty="0" smtClean="0"/>
+              <a:t>Augmentations (adding Gaussian and background noise, modified </a:t>
+            </a:r>
+            <a:r>
+              <a:rPr lang="en-CA" sz="2800" dirty="0" err="1" smtClean="0"/>
+              <a:t>mixup</a:t>
+            </a:r>
+            <a:r>
+              <a:rPr lang="en-CA" sz="2800" dirty="0" smtClean="0"/>
+              <a:t>, cropping)</a:t>
+            </a:r>
+          </a:p>
+          <a:p>
+            <a:r>
+              <a:rPr lang="en-CA" sz="2800" dirty="0" smtClean="0"/>
+              <a:t>Stratified 5-fold cross-validation</a:t>
+            </a:r>
+          </a:p>
+          <a:p>
+            <a:r>
+              <a:rPr lang="en-CA" sz="2800" dirty="0" smtClean="0"/>
+              <a:t>Custom ensembling formula</a:t>
+            </a:r>
+          </a:p>
+          <a:p>
+            <a:pPr lvl="1"/>
             <a:endParaRPr lang="en-CA" dirty="0" smtClean="0"/>
           </a:p>
           <a:p>
-            <a:pPr lvl="1"/>
+            <a:pPr lvl="1">
+              <a:buNone/>
+            </a:pPr>
             <a:endParaRPr lang="en-CA" dirty="0" smtClean="0"/>
           </a:p>
         </p:txBody>
@@ -7808,7 +7921,7 @@
         <p:spPr>
           <a:xfrm>
             <a:off x="251520" y="5949280"/>
-            <a:ext cx="8640960" cy="430887"/>
+            <a:ext cx="8496944" cy="461665"/>
           </a:xfrm>
           <a:prstGeom prst="rect">
             <a:avLst/>
@@ -7823,16 +7936,16 @@
           <a:p>
             <a:pPr marL="0" lvl="1"/>
             <a:r>
-              <a:rPr lang="en-CA" sz="2200" dirty="0" smtClean="0"/>
+              <a:rPr lang="en-CA" sz="2400" dirty="0" smtClean="0"/>
               <a:t>Code: </a:t>
             </a:r>
             <a:r>
-              <a:rPr lang="en-CA" sz="2200" dirty="0" smtClean="0">
+              <a:rPr lang="en-CA" sz="2400" dirty="0" smtClean="0">
                 <a:hlinkClick r:id="rId4"/>
               </a:rPr>
-              <a:t>https://github.com/vlomme/Birdcall-Identification-competition</a:t>
-            </a:r>
-            <a:endParaRPr lang="en-CA" sz="2200" dirty="0" smtClean="0"/>
+              <a:t>https://github.com/TheoViel/kaggle_birdcall_identification</a:t>
+            </a:r>
+            <a:endParaRPr lang="en-CA" sz="2400" dirty="0" smtClean="0"/>
           </a:p>
         </p:txBody>
       </p:sp>
@@ -7895,19 +8008,13 @@
               <a:rPr lang="en-CA" dirty="0" smtClean="0">
                 <a:hlinkClick r:id="rId2"/>
               </a:rPr>
-              <a:t>3</a:t>
-            </a:r>
-            <a:r>
-              <a:rPr lang="en-CA" baseline="30000" dirty="0">
-                <a:hlinkClick r:id="rId2"/>
-              </a:rPr>
-              <a:t>r</a:t>
+              <a:t>4</a:t>
             </a:r>
             <a:r>
               <a:rPr lang="en-CA" baseline="30000" dirty="0" smtClean="0">
                 <a:hlinkClick r:id="rId2"/>
               </a:rPr>
-              <a:t>d</a:t>
+              <a:t>th</a:t>
             </a:r>
             <a:r>
               <a:rPr lang="en-CA" dirty="0" smtClean="0">
@@ -7917,63 +8024,89 @@
             </a:r>
             <a:r>
               <a:rPr lang="en-CA" dirty="0" smtClean="0"/>
-              <a:t>: Is </a:t>
+              <a:t>: </a:t>
             </a:r>
             <a:r>
               <a:rPr lang="en-CA" dirty="0"/>
-              <a:t>this a Pigeon</a:t>
+              <a:t>[</a:t>
+            </a:r>
+            <a:r>
+              <a:rPr lang="en-CA" dirty="0" err="1" smtClean="0"/>
+              <a:t>DimaBert</a:t>
             </a:r>
             <a:r>
               <a:rPr lang="en-CA" dirty="0" smtClean="0"/>
-              <a:t>? (team of 5)</a:t>
-            </a:r>
-          </a:p>
-          <a:p>
-            <a:pPr lvl="1"/>
-            <a:r>
-              <a:rPr lang="en-CA" dirty="0" smtClean="0"/>
-              <a:t>Ensemble of ResNext50, ResNext101, and ResNest50 models trained with </a:t>
-            </a:r>
-            <a:r>
-              <a:rPr lang="en-CA" dirty="0" smtClean="0">
-                <a:hlinkClick r:id="rId3"/>
-              </a:rPr>
-              <a:t>additional external data</a:t>
+              <a:t>]</a:t>
+            </a:r>
+            <a:r>
+              <a:rPr lang="en-CA" dirty="0" err="1" smtClean="0"/>
+              <a:t>UsuSani</a:t>
             </a:r>
             <a:endParaRPr lang="en-CA" dirty="0" smtClean="0"/>
           </a:p>
           <a:p>
-            <a:pPr lvl="1"/>
-            <a:r>
-              <a:rPr lang="en-CA" dirty="0" smtClean="0"/>
-              <a:t>Augmentations (adding Gaussian and background noise, modified </a:t>
-            </a:r>
-            <a:r>
-              <a:rPr lang="en-CA" dirty="0" err="1" smtClean="0"/>
+            <a:pPr>
+              <a:buNone/>
+            </a:pPr>
+            <a:endParaRPr lang="en-CA" sz="800" dirty="0" smtClean="0"/>
+          </a:p>
+          <a:p>
+            <a:r>
+              <a:rPr lang="en-CA" sz="2800" dirty="0" smtClean="0"/>
+              <a:t>Ensemble of 7 </a:t>
+            </a:r>
+            <a:r>
+              <a:rPr lang="en-CA" sz="2800" dirty="0" err="1" smtClean="0"/>
+              <a:t>EfficientNets</a:t>
+            </a:r>
+            <a:r>
+              <a:rPr lang="en-CA" sz="2800" dirty="0" smtClean="0"/>
+              <a:t> </a:t>
+            </a:r>
+            <a:r>
+              <a:rPr lang="en-CA" sz="2800" dirty="0"/>
+              <a:t>(B3, B4, B5) </a:t>
+            </a:r>
+            <a:r>
+              <a:rPr lang="en-CA" sz="2800" dirty="0" err="1"/>
+              <a:t>pretrained</a:t>
+            </a:r>
+            <a:r>
+              <a:rPr lang="en-CA" sz="2800" dirty="0"/>
+              <a:t> on noisy </a:t>
+            </a:r>
+            <a:r>
+              <a:rPr lang="en-CA" sz="2800" dirty="0" smtClean="0"/>
+              <a:t>student, external data</a:t>
+            </a:r>
+          </a:p>
+          <a:p>
+            <a:r>
+              <a:rPr lang="en-CA" sz="2800" dirty="0" smtClean="0"/>
+              <a:t>Augmentations (gain, background noise, low frequency </a:t>
+            </a:r>
+            <a:r>
+              <a:rPr lang="en-CA" sz="2800" dirty="0" err="1" smtClean="0"/>
+              <a:t>cutoff</a:t>
+            </a:r>
+            <a:r>
+              <a:rPr lang="en-CA" sz="2800" dirty="0" smtClean="0"/>
+              <a:t>, </a:t>
+            </a:r>
+            <a:r>
+              <a:rPr lang="en-CA" sz="2800" dirty="0" err="1" smtClean="0"/>
               <a:t>mixup</a:t>
             </a:r>
             <a:r>
-              <a:rPr lang="en-CA" dirty="0" smtClean="0"/>
-              <a:t>, cropping)</a:t>
-            </a:r>
-          </a:p>
-          <a:p>
-            <a:pPr lvl="1"/>
-            <a:r>
-              <a:rPr lang="en-CA" dirty="0" smtClean="0"/>
-              <a:t>Stratified 5-fold cross-validation</a:t>
-            </a:r>
-          </a:p>
-          <a:p>
-            <a:pPr lvl="1"/>
-            <a:r>
-              <a:rPr lang="en-CA" dirty="0" smtClean="0"/>
-              <a:t>Custom ensembling formula</a:t>
-            </a:r>
-          </a:p>
-          <a:p>
-            <a:pPr lvl="1"/>
-            <a:endParaRPr lang="en-CA" dirty="0" smtClean="0"/>
+              <a:rPr lang="en-CA" sz="2800" dirty="0" smtClean="0"/>
+              <a:t>)</a:t>
+            </a:r>
+          </a:p>
+          <a:p>
+            <a:r>
+              <a:rPr lang="en-CA" sz="2800" dirty="0" smtClean="0"/>
+              <a:t>Cross-validation with multiple metrics</a:t>
+            </a:r>
           </a:p>
           <a:p>
             <a:pPr lvl="1">
@@ -8016,7 +8149,7 @@
         <p:spPr>
           <a:xfrm>
             <a:off x="251520" y="5949280"/>
-            <a:ext cx="8496944" cy="461665"/>
+            <a:ext cx="8496944" cy="830997"/>
           </a:xfrm>
           <a:prstGeom prst="rect">
             <a:avLst/>
@@ -8036,9 +8169,9 @@
             </a:r>
             <a:r>
               <a:rPr lang="en-CA" sz="2400" dirty="0" smtClean="0">
-                <a:hlinkClick r:id="rId4"/>
+                <a:hlinkClick r:id="rId3"/>
               </a:rPr>
-              <a:t>https://github.com/TheoViel/kaggle_birdcall_identification</a:t>
+              <a:t>https://www.kaggle.com/vladimirsydor/4-th-place-solution-inference-and-training-tips</a:t>
             </a:r>
             <a:endParaRPr lang="en-CA" sz="2400" dirty="0" smtClean="0"/>
           </a:p>
@@ -8103,7 +8236,7 @@
               <a:rPr lang="en-CA" dirty="0" smtClean="0">
                 <a:hlinkClick r:id="rId2"/>
               </a:rPr>
-              <a:t>4</a:t>
+              <a:t>5</a:t>
             </a:r>
             <a:r>
               <a:rPr lang="en-CA" baseline="30000" dirty="0" smtClean="0">
@@ -8119,86 +8252,16 @@
             </a:r>
             <a:r>
               <a:rPr lang="en-CA" dirty="0" smtClean="0"/>
-              <a:t>: </a:t>
-            </a:r>
-            <a:r>
-              <a:rPr lang="en-CA" dirty="0"/>
-              <a:t>[</a:t>
-            </a:r>
-            <a:r>
-              <a:rPr lang="en-CA" dirty="0" err="1"/>
-              <a:t>DimaBert</a:t>
-            </a:r>
-            <a:r>
-              <a:rPr lang="en-CA" dirty="0"/>
-              <a:t>]</a:t>
-            </a:r>
-            <a:r>
-              <a:rPr lang="en-CA" dirty="0" err="1"/>
-              <a:t>UsuSani</a:t>
+              <a:t>: Oleg </a:t>
+            </a:r>
+            <a:r>
+              <a:rPr lang="en-CA" dirty="0" err="1" smtClean="0"/>
+              <a:t>Yaroshevskiy</a:t>
             </a:r>
             <a:endParaRPr lang="en-CA" dirty="0" smtClean="0"/>
           </a:p>
           <a:p>
-            <a:pPr lvl="1"/>
-            <a:r>
-              <a:rPr lang="en-CA" dirty="0" smtClean="0"/>
-              <a:t>Ensemble of 7 </a:t>
-            </a:r>
-            <a:r>
-              <a:rPr lang="en-CA" dirty="0" err="1" smtClean="0"/>
-              <a:t>EfficientNets</a:t>
-            </a:r>
-            <a:r>
-              <a:rPr lang="en-CA" dirty="0" smtClean="0"/>
-              <a:t> </a:t>
-            </a:r>
-            <a:r>
-              <a:rPr lang="en-CA" dirty="0"/>
-              <a:t>(B3, B4, B5) </a:t>
-            </a:r>
-            <a:r>
-              <a:rPr lang="en-CA" dirty="0" err="1"/>
-              <a:t>pretrained</a:t>
-            </a:r>
-            <a:r>
-              <a:rPr lang="en-CA" dirty="0"/>
-              <a:t> on noisy </a:t>
-            </a:r>
-            <a:r>
-              <a:rPr lang="en-CA" dirty="0" smtClean="0"/>
-              <a:t>student, external data</a:t>
-            </a:r>
-          </a:p>
-          <a:p>
-            <a:pPr lvl="1"/>
-            <a:r>
-              <a:rPr lang="en-CA" dirty="0" smtClean="0"/>
-              <a:t>Augmentations (gain, background noise, low frequency </a:t>
-            </a:r>
-            <a:r>
-              <a:rPr lang="en-CA" dirty="0" err="1" smtClean="0"/>
-              <a:t>cutoff</a:t>
-            </a:r>
-            <a:r>
-              <a:rPr lang="en-CA" dirty="0" smtClean="0"/>
-              <a:t>, </a:t>
-            </a:r>
-            <a:r>
-              <a:rPr lang="en-CA" dirty="0" err="1" smtClean="0"/>
-              <a:t>mixup</a:t>
-            </a:r>
-            <a:r>
-              <a:rPr lang="en-CA" dirty="0" smtClean="0"/>
-              <a:t>)</a:t>
-            </a:r>
-          </a:p>
-          <a:p>
-            <a:pPr lvl="1"/>
-            <a:r>
-              <a:rPr lang="en-CA" dirty="0" smtClean="0"/>
-              <a:t>Cross-validation with multiple metrics</a:t>
-            </a:r>
+            <a:endParaRPr lang="en-CA" dirty="0" smtClean="0"/>
           </a:p>
           <a:p>
             <a:pPr lvl="1">
@@ -8229,43 +8292,6 @@
               <a:t>33</a:t>
             </a:fld>
             <a:endParaRPr lang="en-CA"/>
-          </a:p>
-        </p:txBody>
-      </p:sp>
-      <p:sp>
-        <p:nvSpPr>
-          <p:cNvPr id="4" name="TextBox 3"/>
-          <p:cNvSpPr txBox="1"/>
-          <p:nvPr/>
-        </p:nvSpPr>
-        <p:spPr>
-          <a:xfrm>
-            <a:off x="251520" y="5949280"/>
-            <a:ext cx="8496944" cy="830997"/>
-          </a:xfrm>
-          <a:prstGeom prst="rect">
-            <a:avLst/>
-          </a:prstGeom>
-          <a:noFill/>
-        </p:spPr>
-        <p:txBody>
-          <a:bodyPr wrap="square" rtlCol="0">
-            <a:spAutoFit/>
-          </a:bodyPr>
-          <a:lstStyle/>
-          <a:p>
-            <a:pPr marL="0" lvl="1"/>
-            <a:r>
-              <a:rPr lang="en-CA" sz="2400" dirty="0" smtClean="0"/>
-              <a:t>Code: </a:t>
-            </a:r>
-            <a:r>
-              <a:rPr lang="en-CA" sz="2400" dirty="0" smtClean="0">
-                <a:hlinkClick r:id="rId3"/>
-              </a:rPr>
-              <a:t>https://www.kaggle.com/vladimirsydor/4-th-place-solution-inference-and-training-tips</a:t>
-            </a:r>
-            <a:endParaRPr lang="en-CA" sz="2400" dirty="0" smtClean="0"/>
           </a:p>
         </p:txBody>
       </p:sp>
@@ -8313,50 +8339,74 @@
         </p:nvSpPr>
         <p:spPr>
           <a:xfrm>
-            <a:off x="251520" y="1916833"/>
-            <a:ext cx="8640960" cy="3888432"/>
+            <a:off x="467544" y="1916832"/>
+            <a:ext cx="8424936" cy="4525963"/>
           </a:xfrm>
         </p:spPr>
         <p:txBody>
           <a:bodyPr/>
           <a:lstStyle/>
           <a:p>
-            <a:pPr>
+            <a:pPr algn="ctr">
               <a:buNone/>
             </a:pPr>
             <a:r>
-              <a:rPr lang="en-CA" dirty="0" smtClean="0">
-                <a:hlinkClick r:id="rId2"/>
-              </a:rPr>
-              <a:t>5</a:t>
-            </a:r>
-            <a:r>
-              <a:rPr lang="en-CA" baseline="30000" dirty="0" smtClean="0">
-                <a:hlinkClick r:id="rId2"/>
-              </a:rPr>
-              <a:t>th</a:t>
-            </a:r>
-            <a:r>
-              <a:rPr lang="en-CA" dirty="0" smtClean="0">
-                <a:hlinkClick r:id="rId2"/>
-              </a:rPr>
-              <a:t> Place Solution</a:t>
-            </a:r>
-            <a:r>
               <a:rPr lang="en-CA" dirty="0" smtClean="0"/>
-              <a:t>: Oleg </a:t>
-            </a:r>
-            <a:r>
-              <a:rPr lang="en-CA" dirty="0" err="1" smtClean="0"/>
-              <a:t>Yaroshevskiy</a:t>
-            </a:r>
-            <a:endParaRPr lang="en-CA" dirty="0" smtClean="0"/>
-          </a:p>
-          <a:p>
-            <a:pPr lvl="1">
-              <a:buNone/>
-            </a:pPr>
-            <a:endParaRPr lang="en-CA" dirty="0" smtClean="0"/>
+              <a:t>Conclusions</a:t>
+            </a:r>
+          </a:p>
+          <a:p>
+            <a:pPr algn="just"/>
+            <a:r>
+              <a:rPr lang="en-CA" sz="2600" dirty="0" smtClean="0"/>
+              <a:t>All of the best results achieved by 2D </a:t>
+            </a:r>
+            <a:r>
+              <a:rPr lang="en-CA" sz="2600" dirty="0" err="1" smtClean="0"/>
+              <a:t>ConvNets</a:t>
+            </a:r>
+            <a:r>
+              <a:rPr lang="en-CA" sz="2600" dirty="0" smtClean="0"/>
+              <a:t> </a:t>
+            </a:r>
+            <a:r>
+              <a:rPr lang="en-CA" sz="2600" dirty="0" err="1" smtClean="0"/>
+              <a:t>pretrained</a:t>
+            </a:r>
+            <a:r>
+              <a:rPr lang="en-CA" sz="2600" dirty="0" smtClean="0"/>
+              <a:t> on ImageNet</a:t>
+            </a:r>
+          </a:p>
+          <a:p>
+            <a:pPr algn="just"/>
+            <a:r>
+              <a:rPr lang="en-CA" sz="2600" dirty="0" smtClean="0"/>
+              <a:t>Augmentations, particularly </a:t>
+            </a:r>
+            <a:r>
+              <a:rPr lang="en-CA" sz="2600" dirty="0" err="1" smtClean="0"/>
+              <a:t>mixup</a:t>
+            </a:r>
+            <a:r>
+              <a:rPr lang="en-CA" sz="2600" dirty="0" smtClean="0"/>
+              <a:t>, are essential</a:t>
+            </a:r>
+          </a:p>
+          <a:p>
+            <a:pPr algn="just"/>
+            <a:r>
+              <a:rPr lang="en-CA" sz="2600" dirty="0" smtClean="0"/>
+              <a:t>As always in Kaggle, ensembling provides a small but important additional benefit, especially with a properly chosen voting scheme</a:t>
+            </a:r>
+          </a:p>
+          <a:p>
+            <a:pPr algn="just"/>
+            <a:r>
+              <a:rPr lang="en-CA" sz="2600" dirty="0" smtClean="0"/>
+              <a:t>If you want to win, never try to code everything from scratch, study public notebooks and borrow the best parts</a:t>
+            </a:r>
+            <a:endParaRPr lang="en-CA" sz="2600" dirty="0"/>
           </a:p>
         </p:txBody>
       </p:sp>
@@ -8439,72 +8489,37 @@
             <a:pPr algn="ctr">
               <a:buNone/>
             </a:pPr>
-            <a:r>
-              <a:rPr lang="en-CA" dirty="0" smtClean="0"/>
-              <a:t>Conclusions</a:t>
-            </a:r>
-          </a:p>
-          <a:p>
-            <a:pPr algn="just"/>
-            <a:r>
-              <a:rPr lang="en-CA" sz="2600" dirty="0" smtClean="0"/>
-              <a:t>All of the best results achieved by 2D </a:t>
-            </a:r>
-            <a:r>
-              <a:rPr lang="en-CA" sz="2600" dirty="0" err="1" smtClean="0"/>
-              <a:t>ConvNets</a:t>
-            </a:r>
-            <a:r>
-              <a:rPr lang="en-CA" sz="2600" dirty="0" smtClean="0"/>
-              <a:t> </a:t>
-            </a:r>
-            <a:r>
-              <a:rPr lang="en-CA" sz="2600" dirty="0" err="1" smtClean="0"/>
-              <a:t>pretrained</a:t>
-            </a:r>
-            <a:r>
-              <a:rPr lang="en-CA" sz="2600" dirty="0" smtClean="0"/>
-              <a:t> on ImageNet</a:t>
-            </a:r>
-          </a:p>
-          <a:p>
-            <a:pPr algn="just"/>
-            <a:r>
-              <a:rPr lang="en-CA" sz="2600" dirty="0" smtClean="0"/>
-              <a:t>Augmentations, </a:t>
-            </a:r>
-            <a:r>
-              <a:rPr lang="en-CA" sz="2600" dirty="0" smtClean="0"/>
-              <a:t>particularly </a:t>
-            </a:r>
-            <a:r>
-              <a:rPr lang="en-CA" sz="2600" dirty="0" err="1" smtClean="0"/>
-              <a:t>mixup</a:t>
-            </a:r>
-            <a:r>
-              <a:rPr lang="en-CA" sz="2600" dirty="0" smtClean="0"/>
-              <a:t>, are essential</a:t>
-            </a:r>
-          </a:p>
-          <a:p>
-            <a:pPr algn="just"/>
-            <a:r>
-              <a:rPr lang="en-CA" sz="2600" dirty="0" smtClean="0"/>
-              <a:t>As always in Kaggle, ensembling provides a small but important additional </a:t>
-            </a:r>
-            <a:r>
-              <a:rPr lang="en-CA" sz="2600" dirty="0" smtClean="0"/>
-              <a:t>benefit, especially with a properly chosen voting scheme</a:t>
-            </a:r>
+            <a:endParaRPr lang="en-CA" dirty="0" smtClean="0"/>
+          </a:p>
+          <a:p>
+            <a:pPr algn="ctr">
+              <a:buNone/>
+            </a:pPr>
+            <a:endParaRPr lang="en-CA" dirty="0" smtClean="0"/>
+          </a:p>
+          <a:p>
+            <a:pPr algn="ctr">
+              <a:buNone/>
+            </a:pPr>
+            <a:r>
+              <a:rPr lang="en-CA" sz="4000" dirty="0" smtClean="0"/>
+              <a:t>The End</a:t>
+            </a:r>
+          </a:p>
+          <a:p>
+            <a:pPr algn="ctr">
+              <a:buNone/>
+            </a:pPr>
             <a:endParaRPr lang="en-CA" sz="2600" dirty="0" smtClean="0"/>
           </a:p>
           <a:p>
-            <a:pPr algn="just"/>
-            <a:r>
-              <a:rPr lang="en-CA" sz="2600" dirty="0" smtClean="0"/>
-              <a:t>If you want to win, never try to code everything from scratch, study public notebooks and borrow the best parts</a:t>
-            </a:r>
-            <a:endParaRPr lang="en-CA" sz="2600" dirty="0"/>
+            <a:pPr algn="ctr">
+              <a:buNone/>
+            </a:pPr>
+            <a:r>
+              <a:rPr lang="en-CA" sz="4000" dirty="0" smtClean="0"/>
+              <a:t>Questions?</a:t>
+            </a:r>
           </a:p>
         </p:txBody>
       </p:sp>
@@ -8566,64 +8581,35 @@
       </p:grpSpPr>
       <p:sp>
         <p:nvSpPr>
-          <p:cNvPr id="2" name="Content Placeholder 1"/>
-          <p:cNvSpPr>
-            <a:spLocks noGrp="1"/>
-          </p:cNvSpPr>
-          <p:nvPr>
-            <p:ph idx="1"/>
+          <p:cNvPr id="2" name="Title 1"/>
+          <p:cNvSpPr>
+            <a:spLocks noGrp="1"/>
+          </p:cNvSpPr>
+          <p:nvPr>
+            <p:ph type="ctrTitle"/>
           </p:nvPr>
         </p:nvSpPr>
         <p:spPr>
           <a:xfrm>
-            <a:off x="467544" y="1916832"/>
-            <a:ext cx="8424936" cy="4525963"/>
+            <a:off x="683568" y="3212976"/>
+            <a:ext cx="7772400" cy="1470025"/>
           </a:xfrm>
         </p:spPr>
         <p:txBody>
           <a:bodyPr/>
           <a:lstStyle/>
           <a:p>
-            <a:pPr algn="ctr">
-              <a:buNone/>
-            </a:pPr>
-            <a:endParaRPr lang="en-CA" dirty="0" smtClean="0"/>
-          </a:p>
-          <a:p>
-            <a:pPr algn="ctr">
-              <a:buNone/>
-            </a:pPr>
-            <a:endParaRPr lang="en-CA" dirty="0" smtClean="0"/>
-          </a:p>
-          <a:p>
-            <a:pPr algn="ctr">
-              <a:buNone/>
-            </a:pPr>
-            <a:r>
-              <a:rPr lang="en-CA" sz="4000" dirty="0" smtClean="0"/>
-              <a:t>The End</a:t>
-            </a:r>
-          </a:p>
-          <a:p>
-            <a:pPr algn="ctr">
-              <a:buNone/>
-            </a:pPr>
-            <a:endParaRPr lang="en-CA" sz="2600" dirty="0" smtClean="0"/>
-          </a:p>
-          <a:p>
-            <a:pPr algn="ctr">
-              <a:buNone/>
-            </a:pPr>
-            <a:r>
-              <a:rPr lang="en-CA" sz="4000" dirty="0" smtClean="0"/>
-              <a:t>Questions?</a:t>
-            </a:r>
-          </a:p>
-        </p:txBody>
-      </p:sp>
-      <p:sp>
-        <p:nvSpPr>
-          <p:cNvPr id="3" name="Slide Number Placeholder 2"/>
+            <a:r>
+              <a:rPr lang="en-CA" dirty="0" smtClean="0"/>
+              <a:t>Appendix</a:t>
+            </a:r>
+            <a:endParaRPr lang="en-CA" dirty="0"/>
+          </a:p>
+        </p:txBody>
+      </p:sp>
+      <p:sp>
+        <p:nvSpPr>
+          <p:cNvPr id="4" name="Slide Number Placeholder 3"/>
           <p:cNvSpPr>
             <a:spLocks noGrp="1"/>
           </p:cNvSpPr>
@@ -8641,7 +8627,690 @@
               <a:pPr/>
               <a:t>36</a:t>
             </a:fld>
+            <a:endParaRPr lang="en-CA" dirty="0"/>
+          </a:p>
+        </p:txBody>
+      </p:sp>
+    </p:spTree>
+  </p:cSld>
+  <p:clrMapOvr>
+    <a:masterClrMapping/>
+  </p:clrMapOvr>
+  <p:timing>
+    <p:tnLst>
+      <p:par>
+        <p:cTn id="1" dur="indefinite" restart="never" nodeType="tmRoot"/>
+      </p:par>
+    </p:tnLst>
+  </p:timing>
+</p:sld>
+</file>
+
+<file path=ppt/slides/slide37.xml><?xml version="1.0" encoding="utf-8"?>
+<p:sld xmlns:a="http://schemas.openxmlformats.org/drawingml/2006/main" xmlns:r="http://schemas.openxmlformats.org/officeDocument/2006/relationships" xmlns:p="http://schemas.openxmlformats.org/presentationml/2006/main">
+  <p:cSld>
+    <p:spTree>
+      <p:nvGrpSpPr>
+        <p:cNvPr id="1" name=""/>
+        <p:cNvGrpSpPr/>
+        <p:nvPr/>
+      </p:nvGrpSpPr>
+      <p:grpSpPr>
+        <a:xfrm>
+          <a:off x="0" y="0"/>
+          <a:ext cx="0" cy="0"/>
+          <a:chOff x="0" y="0"/>
+          <a:chExt cx="0" cy="0"/>
+        </a:xfrm>
+      </p:grpSpPr>
+      <p:sp>
+        <p:nvSpPr>
+          <p:cNvPr id="3" name="Slide Number Placeholder 2"/>
+          <p:cNvSpPr>
+            <a:spLocks noGrp="1"/>
+          </p:cNvSpPr>
+          <p:nvPr>
+            <p:ph type="sldNum" sz="quarter" idx="12"/>
+          </p:nvPr>
+        </p:nvSpPr>
+        <p:spPr/>
+        <p:txBody>
+          <a:bodyPr/>
+          <a:lstStyle/>
+          <a:p>
+            <a:fld id="{F4108790-32F6-43BE-BD63-31F7104281CA}" type="slidenum">
+              <a:rPr lang="en-CA" smtClean="0"/>
+              <a:pPr/>
+              <a:t>37</a:t>
+            </a:fld>
             <a:endParaRPr lang="en-CA"/>
+          </a:p>
+        </p:txBody>
+      </p:sp>
+      <p:sp>
+        <p:nvSpPr>
+          <p:cNvPr id="5" name="TextBox 4"/>
+          <p:cNvSpPr txBox="1"/>
+          <p:nvPr/>
+        </p:nvSpPr>
+        <p:spPr>
+          <a:xfrm>
+            <a:off x="323528" y="1916832"/>
+            <a:ext cx="8496944" cy="6001643"/>
+          </a:xfrm>
+          <a:prstGeom prst="rect">
+            <a:avLst/>
+          </a:prstGeom>
+          <a:noFill/>
+        </p:spPr>
+        <p:txBody>
+          <a:bodyPr wrap="square" rtlCol="0">
+            <a:spAutoFit/>
+          </a:bodyPr>
+          <a:lstStyle/>
+          <a:p>
+            <a:pPr algn="ctr"/>
+            <a:r>
+              <a:rPr lang="en-CA" sz="3600" dirty="0" smtClean="0"/>
+              <a:t>Noisy Student</a:t>
+            </a:r>
+          </a:p>
+          <a:p>
+            <a:pPr algn="ctr"/>
+            <a:endParaRPr lang="en-CA" sz="1200" dirty="0"/>
+          </a:p>
+          <a:p>
+            <a:pPr algn="just"/>
+            <a:r>
+              <a:rPr lang="en-CA" sz="2400" dirty="0" smtClean="0"/>
+              <a:t>From 2019 paper “</a:t>
+            </a:r>
+            <a:r>
+              <a:rPr lang="en-CA" sz="2400" b="1" dirty="0"/>
+              <a:t>Self-training with Noisy Student improves ImageNet </a:t>
+            </a:r>
+            <a:r>
+              <a:rPr lang="en-CA" sz="2400" b="1" dirty="0" smtClean="0"/>
+              <a:t>classification</a:t>
+            </a:r>
+            <a:r>
+              <a:rPr lang="en-CA" sz="2400" dirty="0" smtClean="0"/>
+              <a:t>” by </a:t>
+            </a:r>
+            <a:r>
+              <a:rPr lang="en-CA" sz="2400" dirty="0" err="1" smtClean="0"/>
+              <a:t>Qizhe</a:t>
+            </a:r>
+            <a:r>
+              <a:rPr lang="en-CA" sz="2400" dirty="0" smtClean="0"/>
+              <a:t> </a:t>
+            </a:r>
+            <a:r>
+              <a:rPr lang="en-CA" sz="2400" dirty="0" err="1" smtClean="0"/>
+              <a:t>Xie</a:t>
+            </a:r>
+            <a:r>
+              <a:rPr lang="en-CA" sz="2400" dirty="0" smtClean="0"/>
+              <a:t> et al, Google Research and CMU: </a:t>
+            </a:r>
+            <a:r>
+              <a:rPr lang="en-CA" sz="2400" dirty="0" smtClean="0">
+                <a:hlinkClick r:id="rId2"/>
+              </a:rPr>
+              <a:t>https://arxiv.org/abs/1911.04252</a:t>
+            </a:r>
+            <a:endParaRPr lang="en-CA" sz="2400" dirty="0" smtClean="0"/>
+          </a:p>
+          <a:p>
+            <a:pPr algn="just"/>
+            <a:endParaRPr lang="en-CA" sz="1200" dirty="0" smtClean="0"/>
+          </a:p>
+          <a:p>
+            <a:pPr algn="just">
+              <a:buFont typeface="Arial" pitchFamily="34" charset="0"/>
+              <a:buChar char="•"/>
+            </a:pPr>
+            <a:r>
+              <a:rPr lang="en-CA" sz="2400" dirty="0" smtClean="0"/>
+              <a:t> A semi-supervised learning approach</a:t>
+            </a:r>
+          </a:p>
+          <a:p>
+            <a:pPr algn="just">
+              <a:buFont typeface="Arial" pitchFamily="34" charset="0"/>
+              <a:buChar char="•"/>
+            </a:pPr>
+            <a:r>
+              <a:rPr lang="en-CA" sz="2400" dirty="0" smtClean="0"/>
+              <a:t> First, a smaller teacher network is trained on labeled data</a:t>
+            </a:r>
+          </a:p>
+          <a:p>
+            <a:pPr algn="just">
+              <a:buFont typeface="Arial" pitchFamily="34" charset="0"/>
+              <a:buChar char="•"/>
+            </a:pPr>
+            <a:r>
+              <a:rPr lang="en-CA" sz="2400" dirty="0" smtClean="0"/>
+              <a:t> Then, the trained teacher network is used to label new data</a:t>
+            </a:r>
+          </a:p>
+          <a:p>
+            <a:pPr algn="just">
+              <a:buFont typeface="Arial" pitchFamily="34" charset="0"/>
+              <a:buChar char="•"/>
+            </a:pPr>
+            <a:r>
+              <a:rPr lang="en-CA" sz="2400" dirty="0" smtClean="0"/>
+              <a:t> Finally, a larger student network is trained on all data, with noise added (dropout, stochastic depth, random augmentations) to promote better generalization</a:t>
+            </a:r>
+          </a:p>
+          <a:p>
+            <a:pPr algn="just">
+              <a:buFont typeface="Arial" pitchFamily="34" charset="0"/>
+              <a:buChar char="•"/>
+            </a:pPr>
+            <a:r>
+              <a:rPr lang="en-CA" sz="2400" dirty="0" smtClean="0"/>
+              <a:t> Possibly make the student a new teacher and repeat</a:t>
+            </a:r>
+          </a:p>
+          <a:p>
+            <a:pPr algn="just"/>
+            <a:endParaRPr lang="en-CA" sz="2400" dirty="0" smtClean="0"/>
+          </a:p>
+          <a:p>
+            <a:pPr algn="just"/>
+            <a:endParaRPr lang="en-CA" sz="2400" dirty="0" smtClean="0"/>
+          </a:p>
+          <a:p>
+            <a:pPr algn="ctr"/>
+            <a:endParaRPr lang="en-CA" sz="2400" dirty="0"/>
+          </a:p>
+        </p:txBody>
+      </p:sp>
+    </p:spTree>
+  </p:cSld>
+  <p:clrMapOvr>
+    <a:masterClrMapping/>
+  </p:clrMapOvr>
+  <p:timing>
+    <p:tnLst>
+      <p:par>
+        <p:cTn id="1" dur="indefinite" restart="never" nodeType="tmRoot"/>
+      </p:par>
+    </p:tnLst>
+  </p:timing>
+</p:sld>
+</file>
+
+<file path=ppt/slides/slide38.xml><?xml version="1.0" encoding="utf-8"?>
+<p:sld xmlns:a="http://schemas.openxmlformats.org/drawingml/2006/main" xmlns:r="http://schemas.openxmlformats.org/officeDocument/2006/relationships" xmlns:p="http://schemas.openxmlformats.org/presentationml/2006/main">
+  <p:cSld>
+    <p:spTree>
+      <p:nvGrpSpPr>
+        <p:cNvPr id="1" name=""/>
+        <p:cNvGrpSpPr/>
+        <p:nvPr/>
+      </p:nvGrpSpPr>
+      <p:grpSpPr>
+        <a:xfrm>
+          <a:off x="0" y="0"/>
+          <a:ext cx="0" cy="0"/>
+          <a:chOff x="0" y="0"/>
+          <a:chExt cx="0" cy="0"/>
+        </a:xfrm>
+      </p:grpSpPr>
+      <p:sp>
+        <p:nvSpPr>
+          <p:cNvPr id="3" name="Slide Number Placeholder 2"/>
+          <p:cNvSpPr>
+            <a:spLocks noGrp="1"/>
+          </p:cNvSpPr>
+          <p:nvPr>
+            <p:ph type="sldNum" sz="quarter" idx="12"/>
+          </p:nvPr>
+        </p:nvSpPr>
+        <p:spPr/>
+        <p:txBody>
+          <a:bodyPr/>
+          <a:lstStyle/>
+          <a:p>
+            <a:fld id="{F4108790-32F6-43BE-BD63-31F7104281CA}" type="slidenum">
+              <a:rPr lang="en-CA" smtClean="0"/>
+              <a:pPr/>
+              <a:t>38</a:t>
+            </a:fld>
+            <a:endParaRPr lang="en-CA"/>
+          </a:p>
+        </p:txBody>
+      </p:sp>
+      <p:sp>
+        <p:nvSpPr>
+          <p:cNvPr id="5" name="TextBox 4"/>
+          <p:cNvSpPr txBox="1"/>
+          <p:nvPr/>
+        </p:nvSpPr>
+        <p:spPr>
+          <a:xfrm>
+            <a:off x="3419872" y="1700808"/>
+            <a:ext cx="5544616" cy="5355312"/>
+          </a:xfrm>
+          <a:prstGeom prst="rect">
+            <a:avLst/>
+          </a:prstGeom>
+          <a:noFill/>
+        </p:spPr>
+        <p:txBody>
+          <a:bodyPr wrap="square" rtlCol="0">
+            <a:spAutoFit/>
+          </a:bodyPr>
+          <a:lstStyle/>
+          <a:p>
+            <a:pPr algn="ctr"/>
+            <a:endParaRPr lang="en-CA" sz="1200" dirty="0" smtClean="0"/>
+          </a:p>
+          <a:p>
+            <a:pPr algn="ctr"/>
+            <a:endParaRPr lang="en-CA" sz="1200" dirty="0" smtClean="0"/>
+          </a:p>
+          <a:p>
+            <a:pPr algn="ctr"/>
+            <a:endParaRPr lang="en-CA" sz="1200" dirty="0" smtClean="0"/>
+          </a:p>
+          <a:p>
+            <a:pPr algn="ctr"/>
+            <a:endParaRPr lang="en-CA" sz="1200" dirty="0" smtClean="0"/>
+          </a:p>
+          <a:p>
+            <a:pPr algn="ctr"/>
+            <a:endParaRPr lang="en-CA" sz="1200" dirty="0"/>
+          </a:p>
+          <a:p>
+            <a:pPr algn="just"/>
+            <a:r>
+              <a:rPr lang="en-CA" sz="2200" dirty="0" smtClean="0"/>
+              <a:t>From </a:t>
+            </a:r>
+            <a:r>
+              <a:rPr lang="en-CA" sz="2200" dirty="0" smtClean="0"/>
+              <a:t>2017 </a:t>
+            </a:r>
+            <a:r>
+              <a:rPr lang="en-CA" sz="2200" dirty="0" smtClean="0"/>
+              <a:t>paper </a:t>
+            </a:r>
+            <a:r>
+              <a:rPr lang="en-CA" sz="2200" dirty="0" smtClean="0"/>
+              <a:t>“</a:t>
+            </a:r>
+            <a:r>
+              <a:rPr lang="en-CA" sz="2200" b="1" dirty="0" smtClean="0"/>
+              <a:t>SNAPSHOT ENSEMBLES: TRAIN 1, GET M FOR FREE</a:t>
+            </a:r>
+            <a:r>
+              <a:rPr lang="en-CA" sz="2200" dirty="0" smtClean="0"/>
+              <a:t>” </a:t>
+            </a:r>
+            <a:r>
+              <a:rPr lang="en-CA" sz="2200" dirty="0" smtClean="0"/>
+              <a:t>by </a:t>
+            </a:r>
+            <a:r>
+              <a:rPr lang="en-CA" sz="2200" dirty="0" err="1" smtClean="0"/>
+              <a:t>Gao</a:t>
+            </a:r>
+            <a:r>
+              <a:rPr lang="en-CA" sz="2200" dirty="0" smtClean="0"/>
+              <a:t> Huang </a:t>
+            </a:r>
+            <a:r>
+              <a:rPr lang="en-CA" sz="2200" dirty="0" smtClean="0"/>
+              <a:t>et al, </a:t>
+            </a:r>
+            <a:r>
+              <a:rPr lang="en-CA" sz="2200" dirty="0" smtClean="0"/>
+              <a:t>Cornell </a:t>
+            </a:r>
+            <a:r>
+              <a:rPr lang="en-CA" sz="2200" dirty="0" err="1" smtClean="0"/>
+              <a:t>Univ</a:t>
+            </a:r>
+            <a:r>
+              <a:rPr lang="en-CA" sz="2200" dirty="0" smtClean="0"/>
+              <a:t> </a:t>
+            </a:r>
+            <a:r>
+              <a:rPr lang="en-CA" sz="2200" dirty="0" smtClean="0"/>
+              <a:t>and </a:t>
+            </a:r>
+            <a:r>
+              <a:rPr lang="en-CA" sz="2200" dirty="0" err="1" smtClean="0"/>
+              <a:t>Tsinghua</a:t>
+            </a:r>
+            <a:r>
+              <a:rPr lang="en-CA" sz="2200" dirty="0" smtClean="0"/>
+              <a:t> </a:t>
+            </a:r>
+            <a:r>
+              <a:rPr lang="en-CA" sz="2200" dirty="0" err="1" smtClean="0"/>
+              <a:t>Univ</a:t>
+            </a:r>
+            <a:r>
+              <a:rPr lang="en-CA" sz="2200" dirty="0" smtClean="0"/>
+              <a:t>: </a:t>
+            </a:r>
+            <a:r>
+              <a:rPr lang="en-CA" sz="2200" dirty="0" smtClean="0">
+                <a:hlinkClick r:id="rId2"/>
+              </a:rPr>
+              <a:t>https://arxiv.org/abs/1704.00109</a:t>
+            </a:r>
+            <a:endParaRPr lang="en-CA" sz="2200" dirty="0" smtClean="0"/>
+          </a:p>
+          <a:p>
+            <a:pPr algn="just"/>
+            <a:endParaRPr lang="en-CA" sz="1200" dirty="0" smtClean="0"/>
+          </a:p>
+          <a:p>
+            <a:pPr algn="just">
+              <a:buFont typeface="Arial" pitchFamily="34" charset="0"/>
+              <a:buChar char="•"/>
+            </a:pPr>
+            <a:r>
+              <a:rPr lang="en-CA" sz="2400" dirty="0" smtClean="0"/>
+              <a:t> </a:t>
+            </a:r>
+            <a:r>
+              <a:rPr lang="en-CA" sz="2200" dirty="0" smtClean="0"/>
+              <a:t>A neural network is trained to a local minimum, the weights are saved, then the learning rate is increased and training continues until the next minimum, etc</a:t>
+            </a:r>
+          </a:p>
+          <a:p>
+            <a:pPr algn="just">
+              <a:buFont typeface="Arial" pitchFamily="34" charset="0"/>
+              <a:buChar char="•"/>
+            </a:pPr>
+            <a:r>
+              <a:rPr lang="en-CA" sz="2200" dirty="0" smtClean="0"/>
+              <a:t> </a:t>
+            </a:r>
+            <a:r>
+              <a:rPr lang="en-CA" sz="2200" dirty="0" smtClean="0"/>
+              <a:t>Resulting models are </a:t>
+            </a:r>
+            <a:r>
+              <a:rPr lang="en-CA" sz="2200" dirty="0" err="1" smtClean="0"/>
+              <a:t>ensembled</a:t>
+            </a:r>
+            <a:r>
+              <a:rPr lang="en-CA" sz="2200" dirty="0" smtClean="0"/>
+              <a:t> for better accuracy</a:t>
+            </a:r>
+            <a:endParaRPr lang="en-CA" sz="2200" dirty="0" smtClean="0"/>
+          </a:p>
+          <a:p>
+            <a:pPr algn="just"/>
+            <a:endParaRPr lang="en-CA" sz="2400" dirty="0" smtClean="0"/>
+          </a:p>
+          <a:p>
+            <a:pPr algn="ctr"/>
+            <a:endParaRPr lang="en-CA" sz="2400" dirty="0"/>
+          </a:p>
+        </p:txBody>
+      </p:sp>
+      <p:pic>
+        <p:nvPicPr>
+          <p:cNvPr id="3074" name="Picture 2"/>
+          <p:cNvPicPr>
+            <a:picLocks noChangeAspect="1" noChangeArrowheads="1"/>
+          </p:cNvPicPr>
+          <p:nvPr/>
+        </p:nvPicPr>
+        <p:blipFill>
+          <a:blip r:embed="rId3" cstate="print"/>
+          <a:srcRect/>
+          <a:stretch>
+            <a:fillRect/>
+          </a:stretch>
+        </p:blipFill>
+        <p:spPr bwMode="auto">
+          <a:xfrm>
+            <a:off x="107504" y="2780928"/>
+            <a:ext cx="3126331" cy="2857525"/>
+          </a:xfrm>
+          <a:prstGeom prst="rect">
+            <a:avLst/>
+          </a:prstGeom>
+          <a:noFill/>
+          <a:ln w="9525">
+            <a:noFill/>
+            <a:miter lim="800000"/>
+            <a:headEnd/>
+            <a:tailEnd/>
+          </a:ln>
+        </p:spPr>
+      </p:pic>
+      <p:sp>
+        <p:nvSpPr>
+          <p:cNvPr id="6" name="Rectangle 5"/>
+          <p:cNvSpPr/>
+          <p:nvPr/>
+        </p:nvSpPr>
+        <p:spPr>
+          <a:xfrm>
+            <a:off x="2267744" y="1916832"/>
+            <a:ext cx="4567854" cy="646331"/>
+          </a:xfrm>
+          <a:prstGeom prst="rect">
+            <a:avLst/>
+          </a:prstGeom>
+        </p:spPr>
+        <p:txBody>
+          <a:bodyPr wrap="none">
+            <a:spAutoFit/>
+          </a:bodyPr>
+          <a:lstStyle/>
+          <a:p>
+            <a:pPr algn="ctr"/>
+            <a:r>
+              <a:rPr lang="en-CA" sz="3600" dirty="0" smtClean="0"/>
+              <a:t>Cyclic Cosine Annealing</a:t>
+            </a:r>
+          </a:p>
+        </p:txBody>
+      </p:sp>
+    </p:spTree>
+  </p:cSld>
+  <p:clrMapOvr>
+    <a:masterClrMapping/>
+  </p:clrMapOvr>
+  <p:timing>
+    <p:tnLst>
+      <p:par>
+        <p:cTn id="1" dur="indefinite" restart="never" nodeType="tmRoot"/>
+      </p:par>
+    </p:tnLst>
+  </p:timing>
+</p:sld>
+</file>
+
+<file path=ppt/slides/slide39.xml><?xml version="1.0" encoding="utf-8"?>
+<p:sld xmlns:a="http://schemas.openxmlformats.org/drawingml/2006/main" xmlns:r="http://schemas.openxmlformats.org/officeDocument/2006/relationships" xmlns:p="http://schemas.openxmlformats.org/presentationml/2006/main">
+  <p:cSld>
+    <p:spTree>
+      <p:nvGrpSpPr>
+        <p:cNvPr id="1" name=""/>
+        <p:cNvGrpSpPr/>
+        <p:nvPr/>
+      </p:nvGrpSpPr>
+      <p:grpSpPr>
+        <a:xfrm>
+          <a:off x="0" y="0"/>
+          <a:ext cx="0" cy="0"/>
+          <a:chOff x="0" y="0"/>
+          <a:chExt cx="0" cy="0"/>
+        </a:xfrm>
+      </p:grpSpPr>
+      <p:sp>
+        <p:nvSpPr>
+          <p:cNvPr id="3" name="Slide Number Placeholder 2"/>
+          <p:cNvSpPr>
+            <a:spLocks noGrp="1"/>
+          </p:cNvSpPr>
+          <p:nvPr>
+            <p:ph type="sldNum" sz="quarter" idx="12"/>
+          </p:nvPr>
+        </p:nvSpPr>
+        <p:spPr/>
+        <p:txBody>
+          <a:bodyPr/>
+          <a:lstStyle/>
+          <a:p>
+            <a:fld id="{F4108790-32F6-43BE-BD63-31F7104281CA}" type="slidenum">
+              <a:rPr lang="en-CA" smtClean="0"/>
+              <a:pPr/>
+              <a:t>39</a:t>
+            </a:fld>
+            <a:endParaRPr lang="en-CA"/>
+          </a:p>
+        </p:txBody>
+      </p:sp>
+      <p:sp>
+        <p:nvSpPr>
+          <p:cNvPr id="5" name="TextBox 4"/>
+          <p:cNvSpPr txBox="1"/>
+          <p:nvPr/>
+        </p:nvSpPr>
+        <p:spPr>
+          <a:xfrm>
+            <a:off x="251520" y="1700808"/>
+            <a:ext cx="8712968" cy="4893647"/>
+          </a:xfrm>
+          <a:prstGeom prst="rect">
+            <a:avLst/>
+          </a:prstGeom>
+          <a:noFill/>
+        </p:spPr>
+        <p:txBody>
+          <a:bodyPr wrap="square" rtlCol="0">
+            <a:spAutoFit/>
+          </a:bodyPr>
+          <a:lstStyle/>
+          <a:p>
+            <a:pPr algn="ctr"/>
+            <a:endParaRPr lang="en-CA" sz="1200" dirty="0" smtClean="0"/>
+          </a:p>
+          <a:p>
+            <a:pPr algn="ctr"/>
+            <a:endParaRPr lang="en-CA" sz="1200" dirty="0" smtClean="0"/>
+          </a:p>
+          <a:p>
+            <a:pPr algn="ctr"/>
+            <a:endParaRPr lang="en-CA" sz="1200" dirty="0" smtClean="0"/>
+          </a:p>
+          <a:p>
+            <a:pPr algn="ctr"/>
+            <a:endParaRPr lang="en-CA" sz="1200" dirty="0" smtClean="0"/>
+          </a:p>
+          <a:p>
+            <a:pPr algn="ctr"/>
+            <a:endParaRPr lang="en-CA" sz="1200" dirty="0"/>
+          </a:p>
+          <a:p>
+            <a:pPr algn="just"/>
+            <a:endParaRPr lang="en-CA" sz="1200" dirty="0" smtClean="0"/>
+          </a:p>
+          <a:p>
+            <a:pPr algn="just">
+              <a:buFont typeface="Arial" pitchFamily="34" charset="0"/>
+              <a:buChar char="•"/>
+            </a:pPr>
+            <a:r>
+              <a:rPr lang="en-CA" sz="2400" dirty="0" smtClean="0"/>
+              <a:t> </a:t>
+            </a:r>
+            <a:r>
+              <a:rPr lang="en-CA" sz="2400" dirty="0" smtClean="0"/>
+              <a:t>For faster convergence of the gradient descent algorithm, it is beneficial to have a higher learning rate at the start. However, this increases the chance that the training will not converge</a:t>
+            </a:r>
+          </a:p>
+          <a:p>
+            <a:pPr algn="just"/>
+            <a:endParaRPr lang="en-CA" sz="2400" dirty="0" smtClean="0"/>
+          </a:p>
+          <a:p>
+            <a:pPr algn="just">
+              <a:buFont typeface="Arial" pitchFamily="34" charset="0"/>
+              <a:buChar char="•"/>
+            </a:pPr>
+            <a:r>
+              <a:rPr lang="en-CA" sz="2400" dirty="0" smtClean="0"/>
+              <a:t> </a:t>
+            </a:r>
+            <a:r>
+              <a:rPr lang="en-CA" sz="2400" dirty="0" smtClean="0"/>
+              <a:t>A warm-up means that the learning rate is initially set a bit lower, </a:t>
+            </a:r>
+            <a:r>
+              <a:rPr lang="en-CA" sz="2400" dirty="0" smtClean="0"/>
+              <a:t>for example, 0.1 in </a:t>
+            </a:r>
+            <a:r>
+              <a:rPr lang="en-CA" sz="2400" dirty="0" smtClean="0">
+                <a:hlinkClick r:id="rId2"/>
+              </a:rPr>
+              <a:t>https://</a:t>
+            </a:r>
+            <a:r>
+              <a:rPr lang="en-CA" sz="2400" dirty="0" smtClean="0">
+                <a:hlinkClick r:id="rId2"/>
+              </a:rPr>
+              <a:t>arxiv.org/abs/1512.03385</a:t>
+            </a:r>
+            <a:r>
+              <a:rPr lang="en-CA" sz="2400" dirty="0" smtClean="0"/>
+              <a:t>.</a:t>
+            </a:r>
+            <a:r>
+              <a:rPr lang="en-CA" sz="2400" dirty="0" smtClean="0"/>
+              <a:t> Then, once the training error is sufficiently low indicating the neighbourhood of a minimum, the learning rate is increased (say, to 0.1), after which the normal learning rate schedule takes over.</a:t>
+            </a:r>
+            <a:endParaRPr lang="en-CA" sz="2400" dirty="0" smtClean="0"/>
+          </a:p>
+          <a:p>
+            <a:pPr algn="ctr"/>
+            <a:endParaRPr lang="en-CA" sz="2400" dirty="0"/>
+          </a:p>
+        </p:txBody>
+      </p:sp>
+      <p:sp>
+        <p:nvSpPr>
+          <p:cNvPr id="6" name="Rectangle 5"/>
+          <p:cNvSpPr/>
+          <p:nvPr/>
+        </p:nvSpPr>
+        <p:spPr>
+          <a:xfrm>
+            <a:off x="2241397" y="1916832"/>
+            <a:ext cx="4620560" cy="646331"/>
+          </a:xfrm>
+          <a:prstGeom prst="rect">
+            <a:avLst/>
+          </a:prstGeom>
+        </p:spPr>
+        <p:txBody>
+          <a:bodyPr wrap="none">
+            <a:spAutoFit/>
+          </a:bodyPr>
+          <a:lstStyle/>
+          <a:p>
+            <a:pPr algn="ctr"/>
+            <a:r>
+              <a:rPr lang="en-CA" sz="3600" dirty="0" smtClean="0"/>
+              <a:t>Learning Rate Warm-up</a:t>
+            </a:r>
+            <a:endParaRPr lang="en-CA" sz="3600" dirty="0" smtClean="0"/>
           </a:p>
         </p:txBody>
       </p:sp>
@@ -8689,7 +9358,7 @@
         </p:nvSpPr>
         <p:spPr>
           <a:xfrm>
-            <a:off x="467544" y="2060848"/>
+            <a:off x="395536" y="1916832"/>
             <a:ext cx="8229600" cy="4525963"/>
           </a:xfrm>
         </p:spPr>
@@ -8761,7 +9430,7 @@
         </p:blipFill>
         <p:spPr bwMode="auto">
           <a:xfrm>
-            <a:off x="1907704" y="3068960"/>
+            <a:off x="1835696" y="2924944"/>
             <a:ext cx="6276975" cy="3324225"/>
           </a:xfrm>
           <a:prstGeom prst="rect">
@@ -8849,7 +9518,7 @@
         </p:blipFill>
         <p:spPr bwMode="auto">
           <a:xfrm>
-            <a:off x="107504" y="3140968"/>
+            <a:off x="107504" y="2852936"/>
             <a:ext cx="8883764" cy="3456384"/>
           </a:xfrm>
           <a:prstGeom prst="rect">
@@ -8876,7 +9545,7 @@
         </p:nvSpPr>
         <p:spPr>
           <a:xfrm>
-            <a:off x="467544" y="2060848"/>
+            <a:off x="467544" y="1916832"/>
             <a:ext cx="8229600" cy="4525963"/>
           </a:xfrm>
         </p:spPr>
@@ -8903,6 +9572,62 @@
           </a:p>
           <a:p>
             <a:pPr lvl="1"/>
+            <a:endParaRPr lang="en-CA" dirty="0"/>
+          </a:p>
+        </p:txBody>
+      </p:sp>
+      <p:sp>
+        <p:nvSpPr>
+          <p:cNvPr id="5" name="TextBox 4"/>
+          <p:cNvSpPr txBox="1"/>
+          <p:nvPr/>
+        </p:nvSpPr>
+        <p:spPr>
+          <a:xfrm>
+            <a:off x="138650" y="6381328"/>
+            <a:ext cx="9005350" cy="369332"/>
+          </a:xfrm>
+          <a:prstGeom prst="rect">
+            <a:avLst/>
+          </a:prstGeom>
+          <a:noFill/>
+        </p:spPr>
+        <p:txBody>
+          <a:bodyPr wrap="none" rtlCol="0">
+            <a:spAutoFit/>
+          </a:bodyPr>
+          <a:lstStyle/>
+          <a:p>
+            <a:r>
+              <a:rPr lang="en-CA" dirty="0" smtClean="0"/>
+              <a:t>See </a:t>
+            </a:r>
+            <a:r>
+              <a:rPr lang="en-CA" dirty="0" smtClean="0"/>
+              <a:t> </a:t>
+            </a:r>
+            <a:r>
+              <a:rPr lang="en-CA" dirty="0" smtClean="0">
+                <a:hlinkClick r:id="rId3"/>
+              </a:rPr>
+              <a:t>https</a:t>
+            </a:r>
+            <a:r>
+              <a:rPr lang="en-CA" dirty="0" smtClean="0">
+                <a:hlinkClick r:id="rId3"/>
+              </a:rPr>
+              <a:t>://</a:t>
+            </a:r>
+            <a:r>
+              <a:rPr lang="en-CA" dirty="0" smtClean="0">
+                <a:hlinkClick r:id="rId3"/>
+              </a:rPr>
+              <a:t>www.kaggle.com/andradaolteanu/birdcall-recognition-eda-and-audio-fe</a:t>
+            </a:r>
+            <a:r>
+              <a:rPr lang="en-CA" dirty="0" smtClean="0"/>
+              <a:t> for more</a:t>
+            </a:r>
             <a:endParaRPr lang="en-CA" dirty="0"/>
           </a:p>
         </p:txBody>
@@ -8997,37 +9722,50 @@
             </a:pPr>
             <a:r>
               <a:rPr lang="en-CA" sz="2400" dirty="0" smtClean="0"/>
-              <a:t>~150 mp3 bird call recordings (?), each about 10 minutes long</a:t>
+              <a:t>~150 mp3 bird call recordings (?), each about 10 minutes </a:t>
+            </a:r>
+            <a:r>
+              <a:rPr lang="en-CA" sz="2400" dirty="0" smtClean="0"/>
+              <a:t>long</a:t>
             </a:r>
           </a:p>
           <a:p>
             <a:pPr lvl="1" algn="ctr">
               <a:buNone/>
             </a:pPr>
-            <a:r>
-              <a:rPr lang="en-CA" sz="2400" dirty="0" smtClean="0"/>
-              <a:t> </a:t>
-            </a:r>
-          </a:p>
-          <a:p>
-            <a:pPr lvl="1" algn="just"/>
+            <a:endParaRPr lang="en-CA" sz="600" dirty="0" smtClean="0"/>
+          </a:p>
+          <a:p>
+            <a:pPr algn="just"/>
             <a:r>
               <a:rPr lang="en-CA" dirty="0" smtClean="0"/>
-              <a:t>Only few samples provided in advance</a:t>
-            </a:r>
-          </a:p>
-          <a:p>
-            <a:pPr lvl="1" algn="just"/>
+              <a:t>Only </a:t>
+            </a:r>
+            <a:r>
+              <a:rPr lang="en-CA" dirty="0" smtClean="0"/>
+              <a:t>few samples provided in advance</a:t>
+            </a:r>
+          </a:p>
+          <a:p>
+            <a:pPr algn="just"/>
             <a:r>
               <a:rPr lang="en-CA" dirty="0" smtClean="0"/>
               <a:t>Longer recordings with multiple birds and background noise</a:t>
             </a:r>
           </a:p>
           <a:p>
-            <a:pPr lvl="1" algn="just"/>
+            <a:pPr algn="just"/>
             <a:r>
               <a:rPr lang="en-CA" dirty="0" smtClean="0"/>
-              <a:t>Need to identify birds during specific time intervals as well as for the whole file</a:t>
+              <a:t>Need to identify birds during specific time </a:t>
+            </a:r>
+            <a:r>
+              <a:rPr lang="en-CA" dirty="0" smtClean="0"/>
+              <a:t>intervals (two 5-second intervals per file) </a:t>
+            </a:r>
+            <a:r>
+              <a:rPr lang="en-CA" dirty="0" smtClean="0"/>
+              <a:t>as well as for the whole file</a:t>
             </a:r>
             <a:endParaRPr lang="en-CA" dirty="0"/>
           </a:p>
@@ -9362,16 +10100,58 @@
           </a:p>
         </p:txBody>
       </p:sp>
+      <p:sp>
+        <p:nvSpPr>
+          <p:cNvPr id="5" name="TextBox 4"/>
+          <p:cNvSpPr txBox="1"/>
+          <p:nvPr/>
+        </p:nvSpPr>
+        <p:spPr>
+          <a:xfrm>
+            <a:off x="899592" y="3717032"/>
+            <a:ext cx="7209922" cy="276999"/>
+          </a:xfrm>
+          <a:prstGeom prst="rect">
+            <a:avLst/>
+          </a:prstGeom>
+          <a:noFill/>
+        </p:spPr>
+        <p:txBody>
+          <a:bodyPr wrap="none" rtlCol="0">
+            <a:spAutoFit/>
+          </a:bodyPr>
+          <a:lstStyle/>
+          <a:p>
+            <a:r>
+              <a:rPr lang="en-CA" sz="1200" dirty="0" smtClean="0"/>
+              <a:t>From </a:t>
+            </a:r>
+            <a:r>
+              <a:rPr lang="en-CA" sz="1200" dirty="0" smtClean="0">
+                <a:hlinkClick r:id="rId3"/>
+              </a:rPr>
+              <a:t>https</a:t>
+            </a:r>
+            <a:r>
+              <a:rPr lang="en-CA" sz="1200" dirty="0" smtClean="0">
+                <a:hlinkClick r:id="rId3"/>
+              </a:rPr>
+              <a:t>://stackoverflow.com/questions/35365007/tensorflow-precision-recall-f1-score-and-confusion-matrix</a:t>
+            </a:r>
+            <a:endParaRPr lang="en-CA" sz="1200" dirty="0"/>
+          </a:p>
+        </p:txBody>
+      </p:sp>
       <p:pic>
         <p:nvPicPr>
-          <p:cNvPr id="1027" name="Picture 3"/>
+          <p:cNvPr id="1026" name="Picture 2"/>
           <p:cNvPicPr>
             <a:picLocks noChangeAspect="1" noChangeArrowheads="1"/>
           </p:cNvPicPr>
           <p:nvPr/>
         </p:nvPicPr>
         <p:blipFill>
-          <a:blip r:embed="rId3" cstate="print"/>
+          <a:blip r:embed="rId4" cstate="print"/>
           <a:srcRect/>
           <a:stretch>
             <a:fillRect/>
@@ -9379,8 +10159,8 @@
         </p:blipFill>
         <p:spPr bwMode="auto">
           <a:xfrm>
-            <a:off x="611560" y="2996952"/>
-            <a:ext cx="8001971" cy="925336"/>
+            <a:off x="323528" y="2924944"/>
+            <a:ext cx="8515308" cy="720080"/>
           </a:xfrm>
           <a:prstGeom prst="rect">
             <a:avLst/>

--- a/Cornell Birdcall.pptx
+++ b/Cornell Birdcall.pptx
@@ -5,7 +5,7 @@
     <p:sldMasterId id="2147483648" r:id="rId1"/>
   </p:sldMasterIdLst>
   <p:notesMasterIdLst>
-    <p:notesMasterId r:id="rId41"/>
+    <p:notesMasterId r:id="rId42"/>
   </p:notesMasterIdLst>
   <p:sldIdLst>
     <p:sldId id="256" r:id="rId2"/>
@@ -40,13 +40,14 @@
     <p:sldId id="281" r:id="rId31"/>
     <p:sldId id="282" r:id="rId32"/>
     <p:sldId id="283" r:id="rId33"/>
-    <p:sldId id="284" r:id="rId34"/>
+    <p:sldId id="305" r:id="rId34"/>
     <p:sldId id="293" r:id="rId35"/>
     <p:sldId id="296" r:id="rId36"/>
     <p:sldId id="302" r:id="rId37"/>
     <p:sldId id="292" r:id="rId38"/>
     <p:sldId id="303" r:id="rId39"/>
     <p:sldId id="304" r:id="rId40"/>
+    <p:sldId id="306" r:id="rId41"/>
   </p:sldIdLst>
   <p:sldSz cx="9144000" cy="6858000" type="screen4x3"/>
   <p:notesSz cx="6858000" cy="9144000"/>
@@ -4080,7 +4081,7 @@
         <p:spPr>
           <a:xfrm>
             <a:off x="467544" y="3356992"/>
-            <a:ext cx="8424936" cy="892552"/>
+            <a:ext cx="8424936" cy="1292662"/>
           </a:xfrm>
           <a:prstGeom prst="rect">
             <a:avLst/>
@@ -4118,7 +4119,15 @@
             </a:r>
             <a:r>
               <a:rPr lang="en-CA" sz="2600" dirty="0" smtClean="0"/>
-              <a:t> on ImageNet to make predictions</a:t>
+              <a:t> on </a:t>
+            </a:r>
+            <a:r>
+              <a:rPr lang="en-CA" sz="2600" dirty="0" smtClean="0"/>
+              <a:t>ImageNet or a specialized audio dataset </a:t>
+            </a:r>
+            <a:r>
+              <a:rPr lang="en-CA" sz="2600" dirty="0" smtClean="0"/>
+              <a:t>to make predictions</a:t>
             </a:r>
           </a:p>
         </p:txBody>
@@ -5949,7 +5958,7 @@
         <p:spPr>
           <a:xfrm>
             <a:off x="755576" y="1916832"/>
-            <a:ext cx="7992888" cy="2800767"/>
+            <a:ext cx="7992888" cy="2554545"/>
           </a:xfrm>
           <a:prstGeom prst="rect">
             <a:avLst/>
@@ -5979,13 +5988,26 @@
               <a:t>Competition notebook and kernel by </a:t>
             </a:r>
             <a:r>
-              <a:rPr lang="en-CA" sz="2400" b="1" dirty="0" err="1" smtClean="0"/>
-              <a:t>Hidehisa</a:t>
-            </a:r>
-            <a:r>
               <a:rPr lang="en-CA" sz="2400" b="1" dirty="0" smtClean="0"/>
-              <a:t> Arai</a:t>
-            </a:r>
+              <a:t>Hidehisa </a:t>
+            </a:r>
+            <a:r>
+              <a:rPr lang="en-CA" sz="2400" b="1" dirty="0" smtClean="0"/>
+              <a:t>Arai </a:t>
+            </a:r>
+            <a:r>
+              <a:rPr lang="en-CA" sz="2400" dirty="0" smtClean="0"/>
+              <a:t>(6</a:t>
+            </a:r>
+            <a:r>
+              <a:rPr lang="en-CA" sz="2400" baseline="30000" dirty="0" smtClean="0"/>
+              <a:t>th</a:t>
+            </a:r>
+            <a:r>
+              <a:rPr lang="en-CA" sz="2400" dirty="0" smtClean="0"/>
+              <a:t> place)</a:t>
+            </a:r>
+            <a:endParaRPr lang="en-CA" sz="2400" dirty="0" smtClean="0"/>
           </a:p>
           <a:p>
             <a:pPr algn="just"/>
@@ -5996,7 +6018,7 @@
           </a:p>
           <a:p>
             <a:pPr algn="just"/>
-            <a:endParaRPr lang="en-CA" sz="2400" dirty="0" smtClean="0"/>
+            <a:endParaRPr lang="en-CA" sz="800" dirty="0" smtClean="0"/>
           </a:p>
           <a:p>
             <a:pPr algn="just"/>
@@ -6018,8 +6040,8 @@
         </p:nvSpPr>
         <p:spPr>
           <a:xfrm>
-            <a:off x="755576" y="5013176"/>
-            <a:ext cx="7560840" cy="1200329"/>
+            <a:off x="755576" y="4581128"/>
+            <a:ext cx="7560840" cy="1938992"/>
           </a:xfrm>
           <a:prstGeom prst="rect">
             <a:avLst/>
@@ -6034,8 +6056,21 @@
             <a:pPr algn="just"/>
             <a:r>
               <a:rPr lang="en-CA" sz="2400" dirty="0" smtClean="0"/>
-              <a:t>The framework is used to detect different sound events within each clip, with prediction of start time, end time, and the type of event</a:t>
-            </a:r>
+              <a:t>The framework is used to detect different sound events within each clip, with prediction of </a:t>
+            </a:r>
+            <a:r>
+              <a:rPr lang="en-CA" sz="2400" b="1" dirty="0" smtClean="0"/>
+              <a:t>start time, end time, and the type of </a:t>
+            </a:r>
+            <a:r>
+              <a:rPr lang="en-CA" sz="2400" b="1" dirty="0" smtClean="0"/>
+              <a:t>event</a:t>
+            </a:r>
+            <a:r>
+              <a:rPr lang="en-CA" sz="2400" dirty="0" smtClean="0"/>
+              <a:t>. The start and end time are calculated using a self-attention layer applied to event probabilities at each point in time.</a:t>
+            </a:r>
+            <a:endParaRPr lang="en-CA" sz="2400" b="1" dirty="0" smtClean="0"/>
           </a:p>
         </p:txBody>
       </p:sp>
@@ -7247,20 +7282,21 @@
             </a:r>
             <a:r>
               <a:rPr lang="en-CA" sz="2800" dirty="0" err="1" smtClean="0"/>
+              <a:t>pretrained</a:t>
+            </a:r>
+            <a:r>
+              <a:rPr lang="en-CA" sz="2800" dirty="0" smtClean="0"/>
+              <a:t> </a:t>
+            </a:r>
+            <a:r>
+              <a:rPr lang="en-CA" sz="2800" dirty="0" err="1" smtClean="0"/>
               <a:t>DenseNet</a:t>
             </a:r>
             <a:r>
               <a:rPr lang="en-CA" sz="2800" dirty="0" smtClean="0"/>
-              <a:t> 121 </a:t>
-            </a:r>
-            <a:r>
-              <a:rPr lang="en-CA" sz="2800" dirty="0" err="1" smtClean="0"/>
-              <a:t>pretrained</a:t>
-            </a:r>
-            <a:r>
-              <a:rPr lang="en-CA" sz="2800" dirty="0" smtClean="0"/>
-              <a:t> on ImageNet</a:t>
-            </a:r>
+              <a:t> 121</a:t>
+            </a:r>
+            <a:endParaRPr lang="en-CA" sz="2800" dirty="0" smtClean="0"/>
           </a:p>
           <a:p>
             <a:r>
@@ -8236,7 +8272,7 @@
               <a:rPr lang="en-CA" dirty="0" smtClean="0">
                 <a:hlinkClick r:id="rId2"/>
               </a:rPr>
-              <a:t>5</a:t>
+              <a:t>6</a:t>
             </a:r>
             <a:r>
               <a:rPr lang="en-CA" baseline="30000" dirty="0" smtClean="0">
@@ -8248,17 +8284,67 @@
               <a:rPr lang="en-CA" dirty="0" smtClean="0">
                 <a:hlinkClick r:id="rId2"/>
               </a:rPr>
-              <a:t> Place Solution</a:t>
+              <a:t> </a:t>
+            </a:r>
+            <a:r>
+              <a:rPr lang="en-CA" dirty="0" smtClean="0">
+                <a:hlinkClick r:id="rId2"/>
+              </a:rPr>
+              <a:t>Place Solution</a:t>
             </a:r>
             <a:r>
               <a:rPr lang="en-CA" dirty="0" smtClean="0"/>
-              <a:t>: Oleg </a:t>
-            </a:r>
-            <a:r>
-              <a:rPr lang="en-CA" dirty="0" err="1" smtClean="0"/>
-              <a:t>Yaroshevskiy</a:t>
+              <a:t>: </a:t>
+            </a:r>
+            <a:r>
+              <a:rPr lang="en-CA" dirty="0" smtClean="0"/>
+              <a:t>Hidehisa Arai</a:t>
             </a:r>
             <a:endParaRPr lang="en-CA" dirty="0" smtClean="0"/>
+          </a:p>
+          <a:p>
+            <a:r>
+              <a:rPr lang="en-CA" sz="2800" dirty="0" smtClean="0"/>
+              <a:t>Shared Sound Event Detection </a:t>
+            </a:r>
+            <a:r>
+              <a:rPr lang="en-CA" sz="2800" dirty="0" smtClean="0">
+                <a:hlinkClick r:id="rId3"/>
+              </a:rPr>
+              <a:t>notebook</a:t>
+            </a:r>
+            <a:r>
+              <a:rPr lang="en-CA" sz="2800" dirty="0" smtClean="0"/>
+              <a:t> that was used by all winners</a:t>
+            </a:r>
+          </a:p>
+          <a:p>
+            <a:r>
+              <a:rPr lang="en-CA" sz="2800" dirty="0" smtClean="0"/>
+              <a:t>3 stages of training to gradually remove noise in </a:t>
+            </a:r>
+            <a:r>
+              <a:rPr lang="en-CA" sz="2800" dirty="0" smtClean="0"/>
+              <a:t>labels (weak and missing labels) by predicting on randomly cropped smaller chunks</a:t>
+            </a:r>
+          </a:p>
+          <a:p>
+            <a:r>
+              <a:rPr lang="en-CA" sz="2800" dirty="0" smtClean="0"/>
+              <a:t>Augmentations, cosine annealing</a:t>
+            </a:r>
+          </a:p>
+          <a:p>
+            <a:r>
+              <a:rPr lang="en-CA" sz="2800" dirty="0" smtClean="0"/>
+              <a:t>Stochastic weight averaging</a:t>
+            </a:r>
+          </a:p>
+          <a:p>
+            <a:endParaRPr lang="en-CA" sz="2800" dirty="0" smtClean="0"/>
+          </a:p>
+          <a:p>
+            <a:endParaRPr lang="en-CA" sz="2800" dirty="0" smtClean="0"/>
           </a:p>
           <a:p>
             <a:endParaRPr lang="en-CA" dirty="0" smtClean="0"/>
@@ -8404,7 +8490,17 @@
             <a:pPr algn="just"/>
             <a:r>
               <a:rPr lang="en-CA" sz="2600" dirty="0" smtClean="0"/>
-              <a:t>If you want to win, never try to code everything from scratch, study public notebooks and borrow the best parts</a:t>
+              <a:t>If you want to win, never try to code everything from scratch, study public notebooks and borrow the best </a:t>
+            </a:r>
+            <a:r>
+              <a:rPr lang="en-CA" sz="2600" dirty="0" smtClean="0"/>
+              <a:t>parts, and don’t share your best ideas </a:t>
+            </a:r>
+            <a:r>
+              <a:rPr lang="en-CA" sz="2600" dirty="0" smtClean="0">
+                <a:sym typeface="Wingdings" pitchFamily="2" charset="2"/>
+              </a:rPr>
+              <a:t></a:t>
             </a:r>
             <a:endParaRPr lang="en-CA" sz="2600" dirty="0"/>
           </a:p>
@@ -9430,8 +9526,8 @@
         </p:blipFill>
         <p:spPr bwMode="auto">
           <a:xfrm>
-            <a:off x="1835696" y="2924944"/>
-            <a:ext cx="6276975" cy="3324225"/>
+            <a:off x="2051720" y="2924944"/>
+            <a:ext cx="5916935" cy="3133551"/>
           </a:xfrm>
           <a:prstGeom prst="rect">
             <a:avLst/>
@@ -9445,6 +9541,243 @@
           </a:ln>
         </p:spPr>
       </p:pic>
+      <p:sp>
+        <p:nvSpPr>
+          <p:cNvPr id="6" name="TextBox 5"/>
+          <p:cNvSpPr txBox="1"/>
+          <p:nvPr/>
+        </p:nvSpPr>
+        <p:spPr>
+          <a:xfrm>
+            <a:off x="1367136" y="6165304"/>
+            <a:ext cx="7776864" cy="369332"/>
+          </a:xfrm>
+          <a:prstGeom prst="rect">
+            <a:avLst/>
+          </a:prstGeom>
+          <a:noFill/>
+        </p:spPr>
+        <p:txBody>
+          <a:bodyPr wrap="square" rtlCol="0">
+            <a:spAutoFit/>
+          </a:bodyPr>
+          <a:lstStyle/>
+          <a:p>
+            <a:r>
+              <a:rPr lang="en-CA" dirty="0" smtClean="0"/>
+              <a:t>Labels are </a:t>
+            </a:r>
+            <a:r>
+              <a:rPr lang="en-CA" b="1" dirty="0" smtClean="0"/>
+              <a:t>weak </a:t>
+            </a:r>
+            <a:r>
+              <a:rPr lang="en-CA" dirty="0" smtClean="0"/>
+              <a:t>– no time information, which makes the problem harder</a:t>
+            </a:r>
+            <a:endParaRPr lang="en-CA" b="1" dirty="0"/>
+          </a:p>
+        </p:txBody>
+      </p:sp>
+    </p:spTree>
+  </p:cSld>
+  <p:clrMapOvr>
+    <a:masterClrMapping/>
+  </p:clrMapOvr>
+  <p:timing>
+    <p:tnLst>
+      <p:par>
+        <p:cTn id="1" dur="indefinite" restart="never" nodeType="tmRoot"/>
+      </p:par>
+    </p:tnLst>
+  </p:timing>
+</p:sld>
+</file>
+
+<file path=ppt/slides/slide40.xml><?xml version="1.0" encoding="utf-8"?>
+<p:sld xmlns:a="http://schemas.openxmlformats.org/drawingml/2006/main" xmlns:r="http://schemas.openxmlformats.org/officeDocument/2006/relationships" xmlns:p="http://schemas.openxmlformats.org/presentationml/2006/main">
+  <p:cSld>
+    <p:spTree>
+      <p:nvGrpSpPr>
+        <p:cNvPr id="1" name=""/>
+        <p:cNvGrpSpPr/>
+        <p:nvPr/>
+      </p:nvGrpSpPr>
+      <p:grpSpPr>
+        <a:xfrm>
+          <a:off x="0" y="0"/>
+          <a:ext cx="0" cy="0"/>
+          <a:chOff x="0" y="0"/>
+          <a:chExt cx="0" cy="0"/>
+        </a:xfrm>
+      </p:grpSpPr>
+      <p:sp>
+        <p:nvSpPr>
+          <p:cNvPr id="3" name="Slide Number Placeholder 2"/>
+          <p:cNvSpPr>
+            <a:spLocks noGrp="1"/>
+          </p:cNvSpPr>
+          <p:nvPr>
+            <p:ph type="sldNum" sz="quarter" idx="12"/>
+          </p:nvPr>
+        </p:nvSpPr>
+        <p:spPr/>
+        <p:txBody>
+          <a:bodyPr/>
+          <a:lstStyle/>
+          <a:p>
+            <a:fld id="{F4108790-32F6-43BE-BD63-31F7104281CA}" type="slidenum">
+              <a:rPr lang="en-CA" smtClean="0"/>
+              <a:pPr/>
+              <a:t>40</a:t>
+            </a:fld>
+            <a:endParaRPr lang="en-CA"/>
+          </a:p>
+        </p:txBody>
+      </p:sp>
+      <p:sp>
+        <p:nvSpPr>
+          <p:cNvPr id="5" name="TextBox 4"/>
+          <p:cNvSpPr txBox="1"/>
+          <p:nvPr/>
+        </p:nvSpPr>
+        <p:spPr>
+          <a:xfrm>
+            <a:off x="251520" y="1700808"/>
+            <a:ext cx="8712968" cy="3785652"/>
+          </a:xfrm>
+          <a:prstGeom prst="rect">
+            <a:avLst/>
+          </a:prstGeom>
+          <a:noFill/>
+        </p:spPr>
+        <p:txBody>
+          <a:bodyPr wrap="square" rtlCol="0">
+            <a:spAutoFit/>
+          </a:bodyPr>
+          <a:lstStyle/>
+          <a:p>
+            <a:pPr algn="ctr"/>
+            <a:endParaRPr lang="en-CA" sz="1200" dirty="0" smtClean="0"/>
+          </a:p>
+          <a:p>
+            <a:pPr algn="ctr"/>
+            <a:endParaRPr lang="en-CA" sz="1200" dirty="0" smtClean="0"/>
+          </a:p>
+          <a:p>
+            <a:pPr algn="ctr"/>
+            <a:endParaRPr lang="en-CA" sz="1200" dirty="0" smtClean="0"/>
+          </a:p>
+          <a:p>
+            <a:pPr algn="ctr"/>
+            <a:endParaRPr lang="en-CA" sz="1200" dirty="0" smtClean="0"/>
+          </a:p>
+          <a:p>
+            <a:pPr algn="ctr"/>
+            <a:endParaRPr lang="en-CA" sz="1200" dirty="0"/>
+          </a:p>
+          <a:p>
+            <a:pPr algn="just"/>
+            <a:endParaRPr lang="en-CA" sz="1200" dirty="0" smtClean="0"/>
+          </a:p>
+          <a:p>
+            <a:pPr algn="just">
+              <a:buFont typeface="Arial" pitchFamily="34" charset="0"/>
+              <a:buChar char="•"/>
+            </a:pPr>
+            <a:r>
+              <a:rPr lang="en-CA" sz="2400" dirty="0" smtClean="0"/>
+              <a:t> </a:t>
+            </a:r>
+            <a:r>
+              <a:rPr lang="en-CA" sz="2400" dirty="0" smtClean="0"/>
+              <a:t>Introduced in </a:t>
+            </a:r>
+            <a:r>
+              <a:rPr lang="en-CA" sz="2400" dirty="0" smtClean="0">
+                <a:hlinkClick r:id="rId2"/>
+              </a:rPr>
+              <a:t>https://</a:t>
+            </a:r>
+            <a:r>
+              <a:rPr lang="en-CA" sz="2400" dirty="0" smtClean="0">
+                <a:hlinkClick r:id="rId2"/>
+              </a:rPr>
+              <a:t>arxiv.org/abs/1803.05407</a:t>
+            </a:r>
+            <a:endParaRPr lang="en-CA" sz="2400" dirty="0" smtClean="0"/>
+          </a:p>
+          <a:p>
+            <a:pPr algn="just">
+              <a:buFont typeface="Arial" pitchFamily="34" charset="0"/>
+              <a:buChar char="•"/>
+            </a:pPr>
+            <a:endParaRPr lang="en-CA" sz="2400" dirty="0" smtClean="0"/>
+          </a:p>
+          <a:p>
+            <a:pPr algn="just">
+              <a:buFont typeface="Arial" pitchFamily="34" charset="0"/>
+              <a:buChar char="•"/>
+            </a:pPr>
+            <a:r>
+              <a:rPr lang="en-CA" sz="2400" dirty="0" smtClean="0"/>
+              <a:t> </a:t>
+            </a:r>
+            <a:r>
+              <a:rPr lang="en-CA" sz="2400" dirty="0" smtClean="0"/>
+              <a:t>A technique of using weights averaged over the trajectory of SGD (for example, using exponential moving averaging) instead of the latest weights</a:t>
+            </a:r>
+          </a:p>
+          <a:p>
+            <a:pPr algn="just">
+              <a:buFont typeface="Arial" pitchFamily="34" charset="0"/>
+              <a:buChar char="•"/>
+            </a:pPr>
+            <a:endParaRPr lang="en-CA" sz="2400" dirty="0" smtClean="0"/>
+          </a:p>
+          <a:p>
+            <a:pPr algn="just">
+              <a:buFont typeface="Arial" pitchFamily="34" charset="0"/>
+              <a:buChar char="•"/>
+            </a:pPr>
+            <a:r>
+              <a:rPr lang="en-CA" sz="2400" dirty="0" smtClean="0"/>
+              <a:t> Very easy to compute and leads to better generalization</a:t>
+            </a:r>
+            <a:endParaRPr lang="en-CA" sz="2400" dirty="0"/>
+          </a:p>
+        </p:txBody>
+      </p:sp>
+      <p:sp>
+        <p:nvSpPr>
+          <p:cNvPr id="6" name="Rectangle 5"/>
+          <p:cNvSpPr/>
+          <p:nvPr/>
+        </p:nvSpPr>
+        <p:spPr>
+          <a:xfrm>
+            <a:off x="1814682" y="1916832"/>
+            <a:ext cx="5473999" cy="646331"/>
+          </a:xfrm>
+          <a:prstGeom prst="rect">
+            <a:avLst/>
+          </a:prstGeom>
+        </p:spPr>
+        <p:txBody>
+          <a:bodyPr wrap="none">
+            <a:spAutoFit/>
+          </a:bodyPr>
+          <a:lstStyle/>
+          <a:p>
+            <a:pPr algn="ctr"/>
+            <a:r>
+              <a:rPr lang="en-CA" sz="3600" dirty="0" smtClean="0"/>
+              <a:t>Stochastic Weight Averaging</a:t>
+            </a:r>
+            <a:endParaRPr lang="en-CA" sz="3600" dirty="0" smtClean="0"/>
+          </a:p>
+        </p:txBody>
+      </p:sp>
     </p:spTree>
   </p:cSld>
   <p:clrMapOvr>

--- a/Cornell Birdcall.pptx
+++ b/Cornell Birdcall.pptx
@@ -4097,11 +4097,7 @@
             <a:pPr algn="just"/>
             <a:r>
               <a:rPr lang="en-CA" sz="2600" dirty="0" smtClean="0"/>
-              <a:t>Basic </a:t>
-            </a:r>
-            <a:r>
-              <a:rPr lang="en-CA" sz="2600" dirty="0" smtClean="0"/>
-              <a:t>idea: use </a:t>
+              <a:t>Basic idea: use </a:t>
             </a:r>
             <a:r>
               <a:rPr lang="en-CA" sz="2600" dirty="0" smtClean="0">
@@ -4119,15 +4115,17 @@
             </a:r>
             <a:r>
               <a:rPr lang="en-CA" sz="2600" dirty="0" smtClean="0"/>
-              <a:t> on </a:t>
+              <a:t> on ImageNet or a </a:t>
+            </a:r>
+            <a:r>
+              <a:rPr lang="en-CA" sz="2600" dirty="0" smtClean="0">
+                <a:hlinkClick r:id="rId3"/>
+              </a:rPr>
+              <a:t>specialized audio dataset</a:t>
             </a:r>
             <a:r>
               <a:rPr lang="en-CA" sz="2600" dirty="0" smtClean="0"/>
-              <a:t>ImageNet or a specialized audio dataset </a:t>
-            </a:r>
-            <a:r>
-              <a:rPr lang="en-CA" sz="2600" dirty="0" smtClean="0"/>
-              <a:t>to make predictions</a:t>
+              <a:t> to make predictions</a:t>
             </a:r>
           </a:p>
         </p:txBody>
@@ -5137,27 +5135,7 @@
           <a:p>
             <a:r>
               <a:rPr lang="en-CA" dirty="0" smtClean="0"/>
-              <a:t>Architecture determined by Neural Architecture Search with the goal of </a:t>
-            </a:r>
-            <a:r>
-              <a:rPr lang="en-CA" dirty="0" smtClean="0"/>
-              <a:t>maximizing </a:t>
-            </a:r>
-            <a:r>
-              <a:rPr lang="en-CA" dirty="0" smtClean="0"/>
-              <a:t>the </a:t>
-            </a:r>
-            <a:r>
-              <a:rPr lang="en-CA" dirty="0" smtClean="0"/>
-              <a:t>efficiency</a:t>
-            </a:r>
-            <a:r>
-              <a:rPr lang="en-CA" dirty="0" smtClean="0"/>
-              <a:t>. </a:t>
-            </a:r>
-            <a:r>
-              <a:rPr lang="en-CA" dirty="0" smtClean="0"/>
-              <a:t>Comes in different sizes: B0 (5.3M parameters) - B7 (66M parameters)</a:t>
+              <a:t>Architecture determined by Neural Architecture Search with the goal of maximizing the efficiency. Comes in different sizes: B0 (5.3M parameters) - B7 (66M parameters)</a:t>
             </a:r>
           </a:p>
           <a:p>
@@ -5552,11 +5530,7 @@
             </a:r>
             <a:r>
               <a:rPr lang="en-CA" sz="2600" b="1" dirty="0" smtClean="0"/>
-              <a:t>Sound event </a:t>
-            </a:r>
-            <a:r>
-              <a:rPr lang="en-CA" sz="2600" b="1" dirty="0" smtClean="0"/>
-              <a:t>detection</a:t>
+              <a:t>Sound event detection</a:t>
             </a:r>
           </a:p>
           <a:p>
@@ -5566,11 +5540,7 @@
             </a:pPr>
             <a:r>
               <a:rPr lang="en-CA" sz="2600" dirty="0" smtClean="0"/>
-              <a:t> </a:t>
-            </a:r>
-            <a:r>
-              <a:rPr lang="en-CA" sz="2600" dirty="0" smtClean="0"/>
-              <a:t>Etc</a:t>
+              <a:t> Etc</a:t>
             </a:r>
             <a:endParaRPr lang="en-CA" sz="2600" dirty="0"/>
           </a:p>
@@ -5958,7 +5928,7 @@
         <p:spPr>
           <a:xfrm>
             <a:off x="755576" y="1916832"/>
-            <a:ext cx="7992888" cy="2554545"/>
+            <a:ext cx="7992888" cy="2339102"/>
           </a:xfrm>
           <a:prstGeom prst="rect">
             <a:avLst/>
@@ -5979,7 +5949,7 @@
           </a:p>
           <a:p>
             <a:pPr algn="ctr"/>
-            <a:endParaRPr lang="en-CA" sz="2000" dirty="0"/>
+            <a:endParaRPr lang="en-CA" sz="600" dirty="0"/>
           </a:p>
           <a:p>
             <a:pPr algn="just"/>
@@ -5989,11 +5959,7 @@
             </a:r>
             <a:r>
               <a:rPr lang="en-CA" sz="2400" b="1" dirty="0" smtClean="0"/>
-              <a:t>Hidehisa </a:t>
-            </a:r>
-            <a:r>
-              <a:rPr lang="en-CA" sz="2400" b="1" dirty="0" smtClean="0"/>
-              <a:t>Arai </a:t>
+              <a:t>Hidehisa Arai </a:t>
             </a:r>
             <a:r>
               <a:rPr lang="en-CA" sz="2400" dirty="0" smtClean="0"/>
@@ -6007,7 +5973,6 @@
               <a:rPr lang="en-CA" sz="2400" dirty="0" smtClean="0"/>
               <a:t> place)</a:t>
             </a:r>
-            <a:endParaRPr lang="en-CA" sz="2400" dirty="0" smtClean="0"/>
           </a:p>
           <a:p>
             <a:pPr algn="just"/>
@@ -6040,8 +6005,8 @@
         </p:nvSpPr>
         <p:spPr>
           <a:xfrm>
-            <a:off x="755576" y="4581128"/>
-            <a:ext cx="7560840" cy="1938992"/>
+            <a:off x="755576" y="4293096"/>
+            <a:ext cx="7560840" cy="2308324"/>
           </a:xfrm>
           <a:prstGeom prst="rect">
             <a:avLst/>
@@ -6060,15 +6025,15 @@
             </a:r>
             <a:r>
               <a:rPr lang="en-CA" sz="2400" b="1" dirty="0" smtClean="0"/>
-              <a:t>start time, end time, and the type of </a:t>
-            </a:r>
-            <a:r>
-              <a:rPr lang="en-CA" sz="2400" b="1" dirty="0" smtClean="0"/>
-              <a:t>event</a:t>
+              <a:t>start time, end time, and the type of event</a:t>
             </a:r>
             <a:r>
               <a:rPr lang="en-CA" sz="2400" dirty="0" smtClean="0"/>
-              <a:t>. The start and end time are calculated using a self-attention layer applied to event probabilities at each point in time.</a:t>
+              <a:t>. The start and end time are calculated using a self-attention layer applied to event probabilities at each point in time</a:t>
+            </a:r>
+            <a:r>
+              <a:rPr lang="en-CA" sz="2400" dirty="0" smtClean="0"/>
+              <a:t>. Special training schemes are used to localize bird sounds from weak labels.</a:t>
             </a:r>
             <a:endParaRPr lang="en-CA" sz="2400" b="1" dirty="0" smtClean="0"/>
           </a:p>
@@ -7262,11 +7227,7 @@
             </a:r>
             <a:r>
               <a:rPr lang="en-CA" dirty="0" smtClean="0"/>
-              <a:t>: Ryan </a:t>
-            </a:r>
-            <a:r>
-              <a:rPr lang="en-CA" dirty="0" smtClean="0"/>
-              <a:t>Wong</a:t>
+              <a:t>: Ryan Wong</a:t>
             </a:r>
           </a:p>
           <a:p>
@@ -7296,7 +7257,6 @@
               <a:rPr lang="en-CA" sz="2800" dirty="0" smtClean="0"/>
               <a:t> 121</a:t>
             </a:r>
-            <a:endParaRPr lang="en-CA" sz="2800" dirty="0" smtClean="0"/>
           </a:p>
           <a:p>
             <a:r>
@@ -7328,11 +7288,7 @@
           <a:p>
             <a:r>
               <a:rPr lang="en-CA" sz="2800" dirty="0" smtClean="0"/>
-              <a:t>Ensemble </a:t>
-            </a:r>
-            <a:r>
-              <a:rPr lang="en-CA" sz="2800" dirty="0" smtClean="0"/>
-              <a:t>of 13 models (with and without </a:t>
+              <a:t>Ensemble of 13 models (with and without </a:t>
             </a:r>
             <a:r>
               <a:rPr lang="en-CA" sz="2800" dirty="0" err="1" smtClean="0"/>
@@ -7860,11 +7816,7 @@
             </a:r>
             <a:r>
               <a:rPr lang="en-CA" dirty="0" smtClean="0"/>
-              <a:t>? (team of 5</a:t>
-            </a:r>
-            <a:r>
-              <a:rPr lang="en-CA" dirty="0" smtClean="0"/>
-              <a:t>)</a:t>
+              <a:t>? (team of 5)</a:t>
             </a:r>
           </a:p>
           <a:p>
@@ -8284,23 +8236,12 @@
               <a:rPr lang="en-CA" dirty="0" smtClean="0">
                 <a:hlinkClick r:id="rId2"/>
               </a:rPr>
-              <a:t> </a:t>
-            </a:r>
-            <a:r>
-              <a:rPr lang="en-CA" dirty="0" smtClean="0">
-                <a:hlinkClick r:id="rId2"/>
-              </a:rPr>
-              <a:t>Place Solution</a:t>
+              <a:t> Place Solution</a:t>
             </a:r>
             <a:r>
               <a:rPr lang="en-CA" dirty="0" smtClean="0"/>
-              <a:t>: </a:t>
-            </a:r>
-            <a:r>
-              <a:rPr lang="en-CA" dirty="0" smtClean="0"/>
-              <a:t>Hidehisa Arai</a:t>
-            </a:r>
-            <a:endParaRPr lang="en-CA" dirty="0" smtClean="0"/>
+              <a:t>: Hidehisa Arai</a:t>
+            </a:r>
           </a:p>
           <a:p>
             <a:r>
@@ -8321,11 +8262,7 @@
           <a:p>
             <a:r>
               <a:rPr lang="en-CA" sz="2800" dirty="0" smtClean="0"/>
-              <a:t>3 stages of training to gradually remove noise in </a:t>
-            </a:r>
-            <a:r>
-              <a:rPr lang="en-CA" sz="2800" dirty="0" smtClean="0"/>
-              <a:t>labels (weak and missing labels) by predicting on randomly cropped smaller chunks</a:t>
+              <a:t>3 stages of training to gradually remove noise in labels (weak and missing labels) by predicting on randomly cropped smaller chunks</a:t>
             </a:r>
           </a:p>
           <a:p>
@@ -8444,65 +8381,90 @@
           <a:p>
             <a:pPr algn="just"/>
             <a:r>
-              <a:rPr lang="en-CA" sz="2600" dirty="0" smtClean="0"/>
-              <a:t>All of the best results achieved by 2D </a:t>
-            </a:r>
-            <a:r>
-              <a:rPr lang="en-CA" sz="2600" dirty="0" err="1" smtClean="0"/>
+              <a:rPr lang="en-CA" sz="2400" dirty="0" smtClean="0"/>
+              <a:t>All of the best results </a:t>
+            </a:r>
+            <a:r>
+              <a:rPr lang="en-CA" sz="2400" dirty="0" smtClean="0"/>
+              <a:t>were achieved </a:t>
+            </a:r>
+            <a:r>
+              <a:rPr lang="en-CA" sz="2400" dirty="0" smtClean="0"/>
+              <a:t>by </a:t>
+            </a:r>
+            <a:r>
+              <a:rPr lang="en-CA" sz="2400" dirty="0" smtClean="0"/>
+              <a:t>standard 2D </a:t>
+            </a:r>
+            <a:r>
+              <a:rPr lang="en-CA" sz="2400" dirty="0" err="1" smtClean="0"/>
               <a:t>ConvNets</a:t>
             </a:r>
             <a:r>
-              <a:rPr lang="en-CA" sz="2600" dirty="0" smtClean="0"/>
-              <a:t> </a:t>
-            </a:r>
-            <a:r>
-              <a:rPr lang="en-CA" sz="2600" dirty="0" err="1" smtClean="0"/>
-              <a:t>pretrained</a:t>
-            </a:r>
-            <a:r>
-              <a:rPr lang="en-CA" sz="2600" dirty="0" smtClean="0"/>
-              <a:t> on ImageNet</a:t>
-            </a:r>
+              <a:rPr lang="en-CA" sz="2400" dirty="0" smtClean="0"/>
+              <a:t> (</a:t>
+            </a:r>
+            <a:r>
+              <a:rPr lang="en-CA" sz="2400" dirty="0" err="1" smtClean="0"/>
+              <a:t>ResNet</a:t>
+            </a:r>
+            <a:r>
+              <a:rPr lang="en-CA" sz="2400" dirty="0" smtClean="0"/>
+              <a:t>, </a:t>
+            </a:r>
+            <a:r>
+              <a:rPr lang="en-CA" sz="2400" dirty="0" err="1" smtClean="0"/>
+              <a:t>DenseNet</a:t>
+            </a:r>
+            <a:r>
+              <a:rPr lang="en-CA" sz="2400" dirty="0" smtClean="0"/>
+              <a:t>, </a:t>
+            </a:r>
+            <a:r>
+              <a:rPr lang="en-CA" sz="2400" dirty="0" err="1" smtClean="0"/>
+              <a:t>EfficientNet</a:t>
+            </a:r>
+            <a:r>
+              <a:rPr lang="en-CA" sz="2400" dirty="0" smtClean="0"/>
+              <a:t>) with Sound Event Detection framework</a:t>
+            </a:r>
+            <a:endParaRPr lang="en-CA" sz="2400" dirty="0" smtClean="0"/>
           </a:p>
           <a:p>
             <a:pPr algn="just"/>
             <a:r>
-              <a:rPr lang="en-CA" sz="2600" dirty="0" smtClean="0"/>
+              <a:rPr lang="en-CA" sz="2400" dirty="0" smtClean="0"/>
               <a:t>Augmentations, particularly </a:t>
             </a:r>
             <a:r>
-              <a:rPr lang="en-CA" sz="2600" dirty="0" err="1" smtClean="0"/>
+              <a:rPr lang="en-CA" sz="2400" dirty="0" err="1" smtClean="0"/>
               <a:t>mixup</a:t>
             </a:r>
             <a:r>
-              <a:rPr lang="en-CA" sz="2600" dirty="0" smtClean="0"/>
+              <a:rPr lang="en-CA" sz="2400" dirty="0" smtClean="0"/>
               <a:t>, are essential</a:t>
             </a:r>
           </a:p>
           <a:p>
             <a:pPr algn="just"/>
             <a:r>
-              <a:rPr lang="en-CA" sz="2600" dirty="0" smtClean="0"/>
+              <a:rPr lang="en-CA" sz="2400" dirty="0" smtClean="0"/>
               <a:t>As always in Kaggle, ensembling provides a small but important additional benefit, especially with a properly chosen voting scheme</a:t>
             </a:r>
           </a:p>
           <a:p>
             <a:pPr algn="just"/>
             <a:r>
-              <a:rPr lang="en-CA" sz="2600" dirty="0" smtClean="0"/>
-              <a:t>If you want to win, never try to code everything from scratch, study public notebooks and borrow the best </a:t>
-            </a:r>
-            <a:r>
-              <a:rPr lang="en-CA" sz="2600" dirty="0" smtClean="0"/>
-              <a:t>parts, and don’t share your best ideas </a:t>
-            </a:r>
-            <a:r>
-              <a:rPr lang="en-CA" sz="2600" dirty="0" smtClean="0">
+              <a:rPr lang="en-CA" sz="2400" dirty="0" smtClean="0"/>
+              <a:t>If you want to win, never try to code everything from scratch, study public notebooks and borrow the best parts, and don’t share your best ideas </a:t>
+            </a:r>
+            <a:r>
+              <a:rPr lang="en-CA" sz="2400" dirty="0" smtClean="0">
                 <a:sym typeface="Wingdings" pitchFamily="2" charset="2"/>
               </a:rPr>
               <a:t></a:t>
             </a:r>
-            <a:endParaRPr lang="en-CA" sz="2600" dirty="0"/>
+            <a:endParaRPr lang="en-CA" sz="2400" dirty="0"/>
           </a:p>
         </p:txBody>
       </p:sp>
@@ -9026,19 +8988,7 @@
             <a:pPr algn="just"/>
             <a:r>
               <a:rPr lang="en-CA" sz="2200" dirty="0" smtClean="0"/>
-              <a:t>From </a:t>
-            </a:r>
-            <a:r>
-              <a:rPr lang="en-CA" sz="2200" dirty="0" smtClean="0"/>
-              <a:t>2017 </a:t>
-            </a:r>
-            <a:r>
-              <a:rPr lang="en-CA" sz="2200" dirty="0" smtClean="0"/>
-              <a:t>paper </a:t>
-            </a:r>
-            <a:r>
-              <a:rPr lang="en-CA" sz="2200" dirty="0" smtClean="0"/>
-              <a:t>“</a:t>
+              <a:t>From 2017 paper “</a:t>
             </a:r>
             <a:r>
               <a:rPr lang="en-CA" sz="2200" b="1" dirty="0" smtClean="0"/>
@@ -9046,11 +8996,7 @@
             </a:r>
             <a:r>
               <a:rPr lang="en-CA" sz="2200" dirty="0" smtClean="0"/>
-              <a:t>” </a:t>
-            </a:r>
-            <a:r>
-              <a:rPr lang="en-CA" sz="2200" dirty="0" smtClean="0"/>
-              <a:t>by </a:t>
+              <a:t>” by </a:t>
             </a:r>
             <a:r>
               <a:rPr lang="en-CA" sz="2200" dirty="0" err="1" smtClean="0"/>
@@ -9058,15 +9004,7 @@
             </a:r>
             <a:r>
               <a:rPr lang="en-CA" sz="2200" dirty="0" smtClean="0"/>
-              <a:t> Huang </a:t>
-            </a:r>
-            <a:r>
-              <a:rPr lang="en-CA" sz="2200" dirty="0" smtClean="0"/>
-              <a:t>et al, </a:t>
-            </a:r>
-            <a:r>
-              <a:rPr lang="en-CA" sz="2200" dirty="0" smtClean="0"/>
-              <a:t>Cornell </a:t>
+              <a:t> Huang et al, Cornell </a:t>
             </a:r>
             <a:r>
               <a:rPr lang="en-CA" sz="2200" dirty="0" err="1" smtClean="0"/>
@@ -9074,11 +9012,7 @@
             </a:r>
             <a:r>
               <a:rPr lang="en-CA" sz="2200" dirty="0" smtClean="0"/>
-              <a:t> </a:t>
-            </a:r>
-            <a:r>
-              <a:rPr lang="en-CA" sz="2200" dirty="0" smtClean="0"/>
-              <a:t>and </a:t>
+              <a:t> and </a:t>
             </a:r>
             <a:r>
               <a:rPr lang="en-CA" sz="2200" dirty="0" err="1" smtClean="0"/>
@@ -9129,11 +9063,7 @@
             </a:pPr>
             <a:r>
               <a:rPr lang="en-CA" sz="2200" dirty="0" smtClean="0"/>
-              <a:t> </a:t>
-            </a:r>
-            <a:r>
-              <a:rPr lang="en-CA" sz="2200" dirty="0" smtClean="0"/>
-              <a:t>Resulting models are </a:t>
+              <a:t> Resulting models are </a:t>
             </a:r>
             <a:r>
               <a:rPr lang="en-CA" sz="2200" dirty="0" err="1" smtClean="0"/>
@@ -9143,7 +9073,6 @@
               <a:rPr lang="en-CA" sz="2200" dirty="0" smtClean="0"/>
               <a:t> for better accuracy</a:t>
             </a:r>
-            <a:endParaRPr lang="en-CA" sz="2200" dirty="0" smtClean="0"/>
           </a:p>
           <a:p>
             <a:pPr algn="just"/>
@@ -9324,11 +9253,7 @@
             </a:pPr>
             <a:r>
               <a:rPr lang="en-CA" sz="2400" dirty="0" smtClean="0"/>
-              <a:t> </a:t>
-            </a:r>
-            <a:r>
-              <a:rPr lang="en-CA" sz="2400" dirty="0" smtClean="0"/>
-              <a:t>For faster convergence of the gradient descent algorithm, it is beneficial to have a higher learning rate at the start. However, this increases the chance that the training will not converge</a:t>
+              <a:t> For faster convergence of the gradient descent algorithm, it is beneficial to have a higher learning rate at the start. However, this increases the chance that the training will not converge</a:t>
             </a:r>
           </a:p>
           <a:p>
@@ -9342,37 +9267,18 @@
             </a:pPr>
             <a:r>
               <a:rPr lang="en-CA" sz="2400" dirty="0" smtClean="0"/>
-              <a:t> </a:t>
-            </a:r>
-            <a:r>
-              <a:rPr lang="en-CA" sz="2400" dirty="0" smtClean="0"/>
-              <a:t>A warm-up means that the learning rate is initially set a bit lower, </a:t>
-            </a:r>
-            <a:r>
-              <a:rPr lang="en-CA" sz="2400" dirty="0" smtClean="0"/>
-              <a:t>for example, 0.1 in </a:t>
+              <a:t> A warm-up means that the learning rate is initially set a bit lower, for example, 0.1 in </a:t>
             </a:r>
             <a:r>
               <a:rPr lang="en-CA" sz="2400" dirty="0" smtClean="0">
                 <a:hlinkClick r:id="rId2"/>
               </a:rPr>
-              <a:t>https://</a:t>
-            </a:r>
-            <a:r>
-              <a:rPr lang="en-CA" sz="2400" dirty="0" smtClean="0">
-                <a:hlinkClick r:id="rId2"/>
-              </a:rPr>
-              <a:t>arxiv.org/abs/1512.03385</a:t>
+              <a:t>https://arxiv.org/abs/1512.03385</a:t>
             </a:r>
             <a:r>
               <a:rPr lang="en-CA" sz="2400" dirty="0" smtClean="0"/>
-              <a:t>.</a:t>
-            </a:r>
-            <a:r>
-              <a:rPr lang="en-CA" sz="2400" dirty="0" smtClean="0"/>
-              <a:t> Then, once the training error is sufficiently low indicating the neighbourhood of a minimum, the learning rate is increased (say, to 0.1), after which the normal learning rate schedule takes over.</a:t>
-            </a:r>
-            <a:endParaRPr lang="en-CA" sz="2400" dirty="0" smtClean="0"/>
+              <a:t>. Then, once the training error is sufficiently low indicating the neighbourhood of a minimum, the learning rate is increased (say, to 0.1), after which the normal learning rate schedule takes over.</a:t>
+            </a:r>
           </a:p>
           <a:p>
             <a:pPr algn="ctr"/>
@@ -9406,7 +9312,6 @@
               <a:rPr lang="en-CA" sz="3600" dirty="0" smtClean="0"/>
               <a:t>Learning Rate Warm-up</a:t>
             </a:r>
-            <a:endParaRPr lang="en-CA" sz="3600" dirty="0" smtClean="0"/>
           </a:p>
         </p:txBody>
       </p:sp>
@@ -9687,23 +9592,13 @@
             </a:pPr>
             <a:r>
               <a:rPr lang="en-CA" sz="2400" dirty="0" smtClean="0"/>
-              <a:t> </a:t>
-            </a:r>
-            <a:r>
-              <a:rPr lang="en-CA" sz="2400" dirty="0" smtClean="0"/>
-              <a:t>Introduced in </a:t>
+              <a:t> Introduced in </a:t>
             </a:r>
             <a:r>
               <a:rPr lang="en-CA" sz="2400" dirty="0" smtClean="0">
                 <a:hlinkClick r:id="rId2"/>
               </a:rPr>
-              <a:t>https://</a:t>
-            </a:r>
-            <a:r>
-              <a:rPr lang="en-CA" sz="2400" dirty="0" smtClean="0">
-                <a:hlinkClick r:id="rId2"/>
-              </a:rPr>
-              <a:t>arxiv.org/abs/1803.05407</a:t>
+              <a:t>https://arxiv.org/abs/1803.05407</a:t>
             </a:r>
             <a:endParaRPr lang="en-CA" sz="2400" dirty="0" smtClean="0"/>
           </a:p>
@@ -9721,11 +9616,7 @@
             </a:pPr>
             <a:r>
               <a:rPr lang="en-CA" sz="2400" dirty="0" smtClean="0"/>
-              <a:t> </a:t>
-            </a:r>
-            <a:r>
-              <a:rPr lang="en-CA" sz="2400" dirty="0" smtClean="0"/>
-              <a:t>A technique of using weights averaged over the trajectory of SGD (for example, using exponential moving averaging) instead of the latest weights</a:t>
+              <a:t> A technique of using weights averaged over the trajectory of SGD (for example, using exponential moving averaging) instead of the latest weights</a:t>
             </a:r>
           </a:p>
           <a:p>
@@ -9774,7 +9665,6 @@
               <a:rPr lang="en-CA" sz="3600" dirty="0" smtClean="0"/>
               <a:t>Stochastic Weight Averaging</a:t>
             </a:r>
-            <a:endParaRPr lang="en-CA" sz="3600" dirty="0" smtClean="0"/>
           </a:p>
         </p:txBody>
       </p:sp>
@@ -9933,29 +9823,13 @@
           <a:p>
             <a:r>
               <a:rPr lang="en-CA" dirty="0" smtClean="0"/>
-              <a:t>See </a:t>
-            </a:r>
-            <a:r>
-              <a:rPr lang="en-CA" dirty="0" smtClean="0"/>
-              <a:t> </a:t>
+              <a:t>See  </a:t>
             </a:r>
             <a:r>
               <a:rPr lang="en-CA" dirty="0" smtClean="0">
                 <a:hlinkClick r:id="rId3"/>
               </a:rPr>
-              <a:t>https</a:t>
-            </a:r>
-            <a:r>
-              <a:rPr lang="en-CA" dirty="0" smtClean="0">
-                <a:hlinkClick r:id="rId3"/>
-              </a:rPr>
-              <a:t>://</a:t>
-            </a:r>
-            <a:r>
-              <a:rPr lang="en-CA" dirty="0" smtClean="0">
-                <a:hlinkClick r:id="rId3"/>
-              </a:rPr>
-              <a:t>www.kaggle.com/andradaolteanu/birdcall-recognition-eda-and-audio-fe</a:t>
+              <a:t>https://www.kaggle.com/andradaolteanu/birdcall-recognition-eda-and-audio-fe</a:t>
             </a:r>
             <a:r>
               <a:rPr lang="en-CA" dirty="0" smtClean="0"/>
@@ -10055,11 +9929,7 @@
             </a:pPr>
             <a:r>
               <a:rPr lang="en-CA" sz="2400" dirty="0" smtClean="0"/>
-              <a:t>~150 mp3 bird call recordings (?), each about 10 minutes </a:t>
-            </a:r>
-            <a:r>
-              <a:rPr lang="en-CA" sz="2400" dirty="0" smtClean="0"/>
-              <a:t>long</a:t>
+              <a:t>~150 mp3 bird call recordings (?), each about 10 minutes long</a:t>
             </a:r>
           </a:p>
           <a:p>
@@ -10072,11 +9942,7 @@
             <a:pPr algn="just"/>
             <a:r>
               <a:rPr lang="en-CA" dirty="0" smtClean="0"/>
-              <a:t>Only </a:t>
-            </a:r>
-            <a:r>
-              <a:rPr lang="en-CA" dirty="0" smtClean="0"/>
-              <a:t>few samples provided in advance</a:t>
+              <a:t>Only few samples provided in advance</a:t>
             </a:r>
           </a:p>
           <a:p>
@@ -10090,15 +9956,7 @@
             <a:pPr algn="just"/>
             <a:r>
               <a:rPr lang="en-CA" dirty="0" smtClean="0"/>
-              <a:t>Need to identify birds during specific time </a:t>
-            </a:r>
-            <a:r>
-              <a:rPr lang="en-CA" dirty="0" smtClean="0"/>
-              <a:t>intervals (two 5-second intervals per file) </a:t>
-            </a:r>
-            <a:r>
-              <a:rPr lang="en-CA" dirty="0" smtClean="0"/>
-              <a:t>as well as for the whole file</a:t>
+              <a:t>Need to identify birds during specific time intervals (two 5-second intervals per file) as well as for the whole file</a:t>
             </a:r>
             <a:endParaRPr lang="en-CA" dirty="0"/>
           </a:p>
@@ -10463,13 +10321,7 @@
               <a:rPr lang="en-CA" sz="1200" dirty="0" smtClean="0">
                 <a:hlinkClick r:id="rId3"/>
               </a:rPr>
-              <a:t>https</a:t>
-            </a:r>
-            <a:r>
-              <a:rPr lang="en-CA" sz="1200" dirty="0" smtClean="0">
-                <a:hlinkClick r:id="rId3"/>
-              </a:rPr>
-              <a:t>://stackoverflow.com/questions/35365007/tensorflow-precision-recall-f1-score-and-confusion-matrix</a:t>
+              <a:t>https://stackoverflow.com/questions/35365007/tensorflow-precision-recall-f1-score-and-confusion-matrix</a:t>
             </a:r>
             <a:endParaRPr lang="en-CA" sz="1200" dirty="0"/>
           </a:p>

--- a/Cornell Birdcall.pptx
+++ b/Cornell Birdcall.pptx
@@ -32,8 +32,8 @@
     <p:sldId id="291" r:id="rId23"/>
     <p:sldId id="276" r:id="rId24"/>
     <p:sldId id="277" r:id="rId25"/>
-    <p:sldId id="297" r:id="rId26"/>
-    <p:sldId id="295" r:id="rId27"/>
+    <p:sldId id="295" r:id="rId26"/>
+    <p:sldId id="297" r:id="rId27"/>
     <p:sldId id="267" r:id="rId28"/>
     <p:sldId id="261" r:id="rId29"/>
     <p:sldId id="262" r:id="rId30"/>
@@ -6029,11 +6029,7 @@
             </a:r>
             <a:r>
               <a:rPr lang="en-CA" sz="2400" dirty="0" smtClean="0"/>
-              <a:t>. The start and end time are calculated using a self-attention layer applied to event probabilities at each point in time</a:t>
-            </a:r>
-            <a:r>
-              <a:rPr lang="en-CA" sz="2400" dirty="0" smtClean="0"/>
-              <a:t>. Special training schemes are used to localize bird sounds from weak labels.</a:t>
+              <a:t>. The start and end time are calculated using a self-attention layer applied to event probabilities at each point in time. Special training schemes are used to localize bird sounds from weak labels.</a:t>
             </a:r>
             <a:endParaRPr lang="en-CA" sz="2400" b="1" dirty="0" smtClean="0"/>
           </a:p>
@@ -6720,7 +6716,7 @@
             <a:pPr algn="ctr"/>
             <a:r>
               <a:rPr lang="en-CA" sz="3600" dirty="0" smtClean="0"/>
-              <a:t>Ensembling example</a:t>
+              <a:t>Ensembling</a:t>
             </a:r>
             <a:endParaRPr lang="en-CA" sz="3600" dirty="0"/>
           </a:p>
@@ -6728,7 +6724,7 @@
       </p:sp>
       <p:sp>
         <p:nvSpPr>
-          <p:cNvPr id="7" name="Content Placeholder 1"/>
+          <p:cNvPr id="5" name="Content Placeholder 1"/>
           <p:cNvSpPr>
             <a:spLocks noGrp="1"/>
           </p:cNvSpPr>
@@ -6738,7 +6734,7 @@
         </p:nvSpPr>
         <p:spPr>
           <a:xfrm>
-            <a:off x="539552" y="2996952"/>
+            <a:off x="539552" y="2852936"/>
             <a:ext cx="8229600" cy="3394472"/>
           </a:xfrm>
         </p:spPr>
@@ -6748,62 +6744,32 @@
           </a:bodyPr>
           <a:lstStyle/>
           <a:p>
-            <a:r>
-              <a:rPr lang="en-CA" sz="2400" dirty="0" smtClean="0"/>
-              <a:t>Have 3 </a:t>
-            </a:r>
-            <a:r>
-              <a:rPr lang="en-CA" sz="2400" u="sng" dirty="0" smtClean="0"/>
-              <a:t>independent</a:t>
-            </a:r>
-            <a:r>
-              <a:rPr lang="en-CA" sz="2400" dirty="0" smtClean="0"/>
-              <a:t> classifiers, each 70% accurate</a:t>
-            </a:r>
-          </a:p>
-          <a:p>
-            <a:endParaRPr lang="en-CA" sz="1800" dirty="0" smtClean="0"/>
-          </a:p>
-          <a:p>
+            <a:pPr algn="just"/>
             <a:r>
               <a:rPr lang="en-CA" sz="2200" dirty="0" smtClean="0"/>
-              <a:t>Combine their predictions by majority rule</a:t>
-            </a:r>
-          </a:p>
-          <a:p>
-            <a:endParaRPr lang="en-CA" sz="800" dirty="0" smtClean="0"/>
-          </a:p>
-          <a:p>
-            <a:pPr>
-              <a:buNone/>
-            </a:pPr>
+              <a:t>A very popular technique in which the predictions of several diverse machine learning models are combined to improve upon the accuracy of each model</a:t>
+            </a:r>
+          </a:p>
+          <a:p>
+            <a:pPr algn="just"/>
+            <a:endParaRPr lang="en-CA" sz="1200" dirty="0" smtClean="0"/>
+          </a:p>
+          <a:p>
+            <a:pPr algn="just"/>
             <a:r>
               <a:rPr lang="en-CA" sz="2200" dirty="0" smtClean="0"/>
-              <a:t>70% * 70% * 70% = 34.3% all three correct</a:t>
-            </a:r>
-          </a:p>
-          <a:p>
-            <a:pPr>
-              <a:buNone/>
-            </a:pPr>
+              <a:t>In many cases leads to a several percent increase in accuracy of predictions</a:t>
+            </a:r>
+          </a:p>
+          <a:p>
+            <a:pPr algn="just"/>
+            <a:endParaRPr lang="en-CA" sz="2200" dirty="0" smtClean="0"/>
+          </a:p>
+          <a:p>
+            <a:pPr algn="just"/>
             <a:r>
               <a:rPr lang="en-CA" sz="2200" dirty="0" smtClean="0"/>
-              <a:t>3 * 70% * 70% * 30% = 44.1% two correct</a:t>
-            </a:r>
-          </a:p>
-          <a:p>
-            <a:pPr>
-              <a:buNone/>
-            </a:pPr>
-            <a:endParaRPr lang="en-CA" dirty="0" smtClean="0"/>
-          </a:p>
-          <a:p>
-            <a:pPr>
-              <a:buNone/>
-            </a:pPr>
-            <a:r>
-              <a:rPr lang="en-CA" sz="2200" dirty="0" smtClean="0"/>
-              <a:t>Ensemble accuracy: 34.3% + 44.1% = 78.4%! </a:t>
+              <a:t>The more different the models are, the better</a:t>
             </a:r>
             <a:endParaRPr lang="en-CA" sz="2200" dirty="0"/>
           </a:p>
@@ -6890,7 +6856,7 @@
             <a:pPr algn="ctr"/>
             <a:r>
               <a:rPr lang="en-CA" sz="3600" dirty="0" smtClean="0"/>
-              <a:t>Ensembling</a:t>
+              <a:t>Ensembling example</a:t>
             </a:r>
             <a:endParaRPr lang="en-CA" sz="3600" dirty="0"/>
           </a:p>
@@ -6898,7 +6864,7 @@
       </p:sp>
       <p:sp>
         <p:nvSpPr>
-          <p:cNvPr id="5" name="Content Placeholder 1"/>
+          <p:cNvPr id="7" name="Content Placeholder 1"/>
           <p:cNvSpPr>
             <a:spLocks noGrp="1"/>
           </p:cNvSpPr>
@@ -6908,7 +6874,7 @@
         </p:nvSpPr>
         <p:spPr>
           <a:xfrm>
-            <a:off x="539552" y="2852936"/>
+            <a:off x="539552" y="2996952"/>
             <a:ext cx="8229600" cy="3394472"/>
           </a:xfrm>
         </p:spPr>
@@ -6918,32 +6884,62 @@
           </a:bodyPr>
           <a:lstStyle/>
           <a:p>
-            <a:pPr algn="just"/>
+            <a:r>
+              <a:rPr lang="en-CA" sz="2400" dirty="0" smtClean="0"/>
+              <a:t>Have 3 </a:t>
+            </a:r>
+            <a:r>
+              <a:rPr lang="en-CA" sz="2400" u="sng" dirty="0" smtClean="0"/>
+              <a:t>independent</a:t>
+            </a:r>
+            <a:r>
+              <a:rPr lang="en-CA" sz="2400" dirty="0" smtClean="0"/>
+              <a:t> classifiers, each 70% accurate</a:t>
+            </a:r>
+          </a:p>
+          <a:p>
+            <a:endParaRPr lang="en-CA" sz="1800" dirty="0" smtClean="0"/>
+          </a:p>
+          <a:p>
             <a:r>
               <a:rPr lang="en-CA" sz="2200" dirty="0" smtClean="0"/>
-              <a:t>A very popular technique in which the predictions of several diverse machine learning models are combined to improve upon the accuracy of each model</a:t>
-            </a:r>
-          </a:p>
-          <a:p>
-            <a:pPr algn="just"/>
-            <a:endParaRPr lang="en-CA" sz="1200" dirty="0" smtClean="0"/>
-          </a:p>
-          <a:p>
-            <a:pPr algn="just"/>
+              <a:t>Combine their predictions by majority rule</a:t>
+            </a:r>
+          </a:p>
+          <a:p>
+            <a:endParaRPr lang="en-CA" sz="800" dirty="0" smtClean="0"/>
+          </a:p>
+          <a:p>
+            <a:pPr>
+              <a:buNone/>
+            </a:pPr>
             <a:r>
               <a:rPr lang="en-CA" sz="2200" dirty="0" smtClean="0"/>
-              <a:t>In many cases leads to a several percent increase in accuracy of predictions</a:t>
-            </a:r>
-          </a:p>
-          <a:p>
-            <a:pPr algn="just"/>
-            <a:endParaRPr lang="en-CA" sz="2200" dirty="0" smtClean="0"/>
-          </a:p>
-          <a:p>
-            <a:pPr algn="just"/>
+              <a:t>70% * 70% * 70% = 34.3% all three correct</a:t>
+            </a:r>
+          </a:p>
+          <a:p>
+            <a:pPr>
+              <a:buNone/>
+            </a:pPr>
             <a:r>
               <a:rPr lang="en-CA" sz="2200" dirty="0" smtClean="0"/>
-              <a:t>The more different the models are, the better</a:t>
+              <a:t>3 * 70% * 70% * 30% = 44.1% two correct</a:t>
+            </a:r>
+          </a:p>
+          <a:p>
+            <a:pPr>
+              <a:buNone/>
+            </a:pPr>
+            <a:endParaRPr lang="en-CA" dirty="0" smtClean="0"/>
+          </a:p>
+          <a:p>
+            <a:pPr>
+              <a:buNone/>
+            </a:pPr>
+            <a:r>
+              <a:rPr lang="en-CA" sz="2200" dirty="0" smtClean="0"/>
+              <a:t>Ensemble accuracy: 34.3% + 44.1% = 78.4%! </a:t>
             </a:r>
             <a:endParaRPr lang="en-CA" sz="2200" dirty="0"/>
           </a:p>
@@ -8382,19 +8378,7 @@
             <a:pPr algn="just"/>
             <a:r>
               <a:rPr lang="en-CA" sz="2400" dirty="0" smtClean="0"/>
-              <a:t>All of the best results </a:t>
-            </a:r>
-            <a:r>
-              <a:rPr lang="en-CA" sz="2400" dirty="0" smtClean="0"/>
-              <a:t>were achieved </a:t>
-            </a:r>
-            <a:r>
-              <a:rPr lang="en-CA" sz="2400" dirty="0" smtClean="0"/>
-              <a:t>by </a:t>
-            </a:r>
-            <a:r>
-              <a:rPr lang="en-CA" sz="2400" dirty="0" smtClean="0"/>
-              <a:t>standard 2D </a:t>
+              <a:t>All of the best results were achieved by standard 2D </a:t>
             </a:r>
             <a:r>
               <a:rPr lang="en-CA" sz="2400" dirty="0" err="1" smtClean="0"/>
@@ -8428,7 +8412,6 @@
               <a:rPr lang="en-CA" sz="2400" dirty="0" smtClean="0"/>
               <a:t>) with Sound Event Detection framework</a:t>
             </a:r>
-            <a:endParaRPr lang="en-CA" sz="2400" dirty="0" smtClean="0"/>
           </a:p>
           <a:p>
             <a:pPr algn="just"/>
